--- a/C_PPT/#14_Union.pptx
+++ b/C_PPT/#14_Union.pptx
@@ -1,32 +1,26 @@
 
 <file path=ppt/presentation.xml><?xml version="1.0" encoding="utf-8"?>
-<p:presentation xmlns:a="http://schemas.openxmlformats.org/drawingml/2006/main" xmlns:r="http://schemas.openxmlformats.org/officeDocument/2006/relationships" xmlns:p="http://schemas.openxmlformats.org/presentationml/2006/main" saveSubsetFonts="1">
+<p:presentation xmlns:a="http://schemas.openxmlformats.org/drawingml/2006/main" xmlns:r="http://schemas.openxmlformats.org/officeDocument/2006/relationships" xmlns:p="http://schemas.openxmlformats.org/presentationml/2006/main" xmlns:m="http://schemas.openxmlformats.org/officeDocument/2006/math" xmlns:w="http://schemas.openxmlformats.org/wordprocessingml/2006/main" saveSubsetFonts="1">
   <p:sldMasterIdLst>
-    <p:sldMasterId id="2147483648" r:id="rId4"/>
+    <p:sldMasterId id="2147483648" r:id="rId1"/>
   </p:sldMasterIdLst>
-  <p:notesMasterIdLst>
-    <p:notesMasterId r:id="rId12"/>
-  </p:notesMasterIdLst>
-  <p:handoutMasterIdLst>
-    <p:handoutMasterId r:id="rId13"/>
-  </p:handoutMasterIdLst>
   <p:sldIdLst>
-    <p:sldId id="256" r:id="rId5"/>
-    <p:sldId id="275" r:id="rId6"/>
-    <p:sldId id="296" r:id="rId7"/>
-    <p:sldId id="299" r:id="rId8"/>
-    <p:sldId id="298" r:id="rId9"/>
-    <p:sldId id="295" r:id="rId10"/>
-    <p:sldId id="259" r:id="rId11"/>
+    <p:sldId id="256" r:id="rId3"/>
+    <p:sldId id="257" r:id="rId4"/>
+    <p:sldId id="258" r:id="rId5"/>
+    <p:sldId id="259" r:id="rId6"/>
+    <p:sldId id="260" r:id="rId7"/>
+    <p:sldId id="261" r:id="rId8"/>
+    <p:sldId id="262" r:id="rId9"/>
   </p:sldIdLst>
   <p:sldSz cx="12188825" cy="6858000"/>
-  <p:notesSz cx="6858000" cy="9144000"/>
+  <p:notesSz cx="12188825" cy="6858000"/>
   <p:defaultTextStyle>
     <a:defPPr>
       <a:defRPr lang="en-US"/>
     </a:defPPr>
-    <a:lvl1pPr marL="0" algn="l" defTabSz="1218987" rtl="0" eaLnBrk="1" latinLnBrk="0" hangingPunct="1">
-      <a:defRPr sz="2400" kern="1200">
+    <a:lvl1pPr marL="0" algn="l" defTabSz="1218987">
+      <a:defRPr sz="2400">
         <a:solidFill>
           <a:schemeClr val="tx1"/>
         </a:solidFill>
@@ -35,8 +29,8 @@
         <a:cs typeface="+mn-cs"/>
       </a:defRPr>
     </a:lvl1pPr>
-    <a:lvl2pPr marL="609493" algn="l" defTabSz="1218987" rtl="0" eaLnBrk="1" latinLnBrk="0" hangingPunct="1">
-      <a:defRPr sz="2400" kern="1200">
+    <a:lvl2pPr marL="609493" algn="l" defTabSz="1218987">
+      <a:defRPr sz="2400">
         <a:solidFill>
           <a:schemeClr val="tx1"/>
         </a:solidFill>
@@ -45,8 +39,8 @@
         <a:cs typeface="+mn-cs"/>
       </a:defRPr>
     </a:lvl2pPr>
-    <a:lvl3pPr marL="1218987" algn="l" defTabSz="1218987" rtl="0" eaLnBrk="1" latinLnBrk="0" hangingPunct="1">
-      <a:defRPr sz="2400" kern="1200">
+    <a:lvl3pPr marL="1218987" algn="l" defTabSz="1218987">
+      <a:defRPr sz="2400">
         <a:solidFill>
           <a:schemeClr val="tx1"/>
         </a:solidFill>
@@ -55,8 +49,8 @@
         <a:cs typeface="+mn-cs"/>
       </a:defRPr>
     </a:lvl3pPr>
-    <a:lvl4pPr marL="1828480" algn="l" defTabSz="1218987" rtl="0" eaLnBrk="1" latinLnBrk="0" hangingPunct="1">
-      <a:defRPr sz="2400" kern="1200">
+    <a:lvl4pPr marL="1828480" algn="l" defTabSz="1218987">
+      <a:defRPr sz="2400">
         <a:solidFill>
           <a:schemeClr val="tx1"/>
         </a:solidFill>
@@ -65,8 +59,8 @@
         <a:cs typeface="+mn-cs"/>
       </a:defRPr>
     </a:lvl4pPr>
-    <a:lvl5pPr marL="2437973" algn="l" defTabSz="1218987" rtl="0" eaLnBrk="1" latinLnBrk="0" hangingPunct="1">
-      <a:defRPr sz="2400" kern="1200">
+    <a:lvl5pPr marL="2437973" algn="l" defTabSz="1218987">
+      <a:defRPr sz="2400">
         <a:solidFill>
           <a:schemeClr val="tx1"/>
         </a:solidFill>
@@ -75,8 +69,8 @@
         <a:cs typeface="+mn-cs"/>
       </a:defRPr>
     </a:lvl5pPr>
-    <a:lvl6pPr marL="3047467" algn="l" defTabSz="1218987" rtl="0" eaLnBrk="1" latinLnBrk="0" hangingPunct="1">
-      <a:defRPr sz="2400" kern="1200">
+    <a:lvl6pPr marL="3047467" algn="l" defTabSz="1218987">
+      <a:defRPr sz="2400">
         <a:solidFill>
           <a:schemeClr val="tx1"/>
         </a:solidFill>
@@ -85,8 +79,8 @@
         <a:cs typeface="+mn-cs"/>
       </a:defRPr>
     </a:lvl6pPr>
-    <a:lvl7pPr marL="3656960" algn="l" defTabSz="1218987" rtl="0" eaLnBrk="1" latinLnBrk="0" hangingPunct="1">
-      <a:defRPr sz="2400" kern="1200">
+    <a:lvl7pPr marL="3656960" algn="l" defTabSz="1218987">
+      <a:defRPr sz="2400">
         <a:solidFill>
           <a:schemeClr val="tx1"/>
         </a:solidFill>
@@ -95,8 +89,8 @@
         <a:cs typeface="+mn-cs"/>
       </a:defRPr>
     </a:lvl7pPr>
-    <a:lvl8pPr marL="4266453" algn="l" defTabSz="1218987" rtl="0" eaLnBrk="1" latinLnBrk="0" hangingPunct="1">
-      <a:defRPr sz="2400" kern="1200">
+    <a:lvl8pPr marL="4266453" algn="l" defTabSz="1218987">
+      <a:defRPr sz="2400">
         <a:solidFill>
           <a:schemeClr val="tx1"/>
         </a:solidFill>
@@ -105,8 +99,8 @@
         <a:cs typeface="+mn-cs"/>
       </a:defRPr>
     </a:lvl8pPr>
-    <a:lvl9pPr marL="4875947" algn="l" defTabSz="1218987" rtl="0" eaLnBrk="1" latinLnBrk="0" hangingPunct="1">
-      <a:defRPr sz="2400" kern="1200">
+    <a:lvl9pPr marL="4875947" algn="l" defTabSz="1218987">
+      <a:defRPr sz="2400">
         <a:solidFill>
           <a:schemeClr val="tx1"/>
         </a:solidFill>
@@ -116,563 +110,20 @@
       </a:defRPr>
     </a:lvl9pPr>
   </p:defaultTextStyle>
-  <p:extLst>
-    <p:ext uri="{EFAFB233-063F-42B5-8137-9DF3F51BA10A}">
-      <p15:sldGuideLst xmlns:p15="http://schemas.microsoft.com/office/powerpoint/2012/main">
-        <p15:guide id="1" orient="horz" pos="2160">
-          <p15:clr>
-            <a:srgbClr val="A4A3A4"/>
-          </p15:clr>
-        </p15:guide>
-        <p15:guide id="3" pos="3839">
-          <p15:clr>
-            <a:srgbClr val="A4A3A4"/>
-          </p15:clr>
-        </p15:guide>
-      </p15:sldGuideLst>
-    </p:ext>
-    <p:ext uri="{2D200454-40CA-4A62-9FC3-DE9A4176ACB9}">
-      <p15:notesGuideLst xmlns:p15="http://schemas.microsoft.com/office/powerpoint/2012/main">
-        <p15:guide id="1" orient="horz" pos="2880">
-          <p15:clr>
-            <a:srgbClr val="A4A3A4"/>
-          </p15:clr>
-        </p15:guide>
-        <p15:guide id="2" pos="2160">
-          <p15:clr>
-            <a:srgbClr val="A4A3A4"/>
-          </p15:clr>
-        </p15:guide>
-      </p15:notesGuideLst>
-    </p:ext>
-  </p:extLst>
 </p:presentation>
 </file>
 
-<file path=ppt/handoutMasters/handoutMaster1.xml><?xml version="1.0" encoding="utf-8"?>
-<p:handoutMaster xmlns:a="http://schemas.openxmlformats.org/drawingml/2006/main" xmlns:r="http://schemas.openxmlformats.org/officeDocument/2006/relationships" xmlns:p="http://schemas.openxmlformats.org/presentationml/2006/main">
-  <p:cSld>
-    <p:bg>
-      <p:bgRef idx="1001">
-        <a:schemeClr val="bg1"/>
-      </p:bgRef>
-    </p:bg>
-    <p:spTree>
-      <p:nvGrpSpPr>
-        <p:cNvPr id="1" name=""/>
-        <p:cNvGrpSpPr/>
-        <p:nvPr/>
-      </p:nvGrpSpPr>
-      <p:grpSpPr>
-        <a:xfrm>
-          <a:off x="0" y="0"/>
-          <a:ext cx="0" cy="0"/>
-          <a:chOff x="0" y="0"/>
-          <a:chExt cx="0" cy="0"/>
-        </a:xfrm>
-      </p:grpSpPr>
-      <p:sp>
-        <p:nvSpPr>
-          <p:cNvPr id="2" name="Header Placeholder 1"/>
-          <p:cNvSpPr>
-            <a:spLocks noGrp="1"/>
-          </p:cNvSpPr>
-          <p:nvPr>
-            <p:ph type="hdr" sz="quarter"/>
-          </p:nvPr>
-        </p:nvSpPr>
-        <p:spPr>
-          <a:xfrm>
-            <a:off x="0" y="0"/>
-            <a:ext cx="2971800" cy="457200"/>
-          </a:xfrm>
-          <a:prstGeom prst="rect">
-            <a:avLst/>
-          </a:prstGeom>
-        </p:spPr>
-        <p:txBody>
-          <a:bodyPr vert="horz" lIns="91440" tIns="45720" rIns="91440" bIns="45720" rtlCol="0"/>
-          <a:lstStyle>
-            <a:lvl1pPr algn="l">
-              <a:defRPr sz="1200"/>
-            </a:lvl1pPr>
-          </a:lstStyle>
-          <a:p>
-            <a:endParaRPr/>
-          </a:p>
-        </p:txBody>
-      </p:sp>
-      <p:sp>
-        <p:nvSpPr>
-          <p:cNvPr id="3" name="Date Placeholder 2"/>
-          <p:cNvSpPr>
-            <a:spLocks noGrp="1"/>
-          </p:cNvSpPr>
-          <p:nvPr>
-            <p:ph type="dt" sz="quarter" idx="1"/>
-          </p:nvPr>
-        </p:nvSpPr>
-        <p:spPr>
-          <a:xfrm>
-            <a:off x="3884613" y="0"/>
-            <a:ext cx="2971800" cy="457200"/>
-          </a:xfrm>
-          <a:prstGeom prst="rect">
-            <a:avLst/>
-          </a:prstGeom>
-        </p:spPr>
-        <p:txBody>
-          <a:bodyPr vert="horz" lIns="91440" tIns="45720" rIns="91440" bIns="45720" rtlCol="0"/>
-          <a:lstStyle>
-            <a:lvl1pPr algn="r">
-              <a:defRPr sz="1200"/>
-            </a:lvl1pPr>
-          </a:lstStyle>
-          <a:p>
-            <a:fld id="{705E03B7-B591-4A2A-B695-014C5A39F13E}" type="datetimeFigureOut">
-              <a:rPr lang="en-US"/>
-              <a:t>11/11/2022</a:t>
-            </a:fld>
-            <a:endParaRPr/>
-          </a:p>
-        </p:txBody>
-      </p:sp>
-      <p:sp>
-        <p:nvSpPr>
-          <p:cNvPr id="4" name="Footer Placeholder 3"/>
-          <p:cNvSpPr>
-            <a:spLocks noGrp="1"/>
-          </p:cNvSpPr>
-          <p:nvPr>
-            <p:ph type="ftr" sz="quarter" idx="2"/>
-          </p:nvPr>
-        </p:nvSpPr>
-        <p:spPr>
-          <a:xfrm>
-            <a:off x="0" y="8685213"/>
-            <a:ext cx="2971800" cy="457200"/>
-          </a:xfrm>
-          <a:prstGeom prst="rect">
-            <a:avLst/>
-          </a:prstGeom>
-        </p:spPr>
-        <p:txBody>
-          <a:bodyPr vert="horz" lIns="91440" tIns="45720" rIns="91440" bIns="45720" rtlCol="0" anchor="b"/>
-          <a:lstStyle>
-            <a:lvl1pPr algn="l">
-              <a:defRPr sz="1200"/>
-            </a:lvl1pPr>
-          </a:lstStyle>
-          <a:p>
-            <a:endParaRPr/>
-          </a:p>
-        </p:txBody>
-      </p:sp>
-      <p:sp>
-        <p:nvSpPr>
-          <p:cNvPr id="5" name="Slide Number Placeholder 4"/>
-          <p:cNvSpPr>
-            <a:spLocks noGrp="1"/>
-          </p:cNvSpPr>
-          <p:nvPr>
-            <p:ph type="sldNum" sz="quarter" idx="3"/>
-          </p:nvPr>
-        </p:nvSpPr>
-        <p:spPr>
-          <a:xfrm>
-            <a:off x="3884613" y="8685213"/>
-            <a:ext cx="2971800" cy="457200"/>
-          </a:xfrm>
-          <a:prstGeom prst="rect">
-            <a:avLst/>
-          </a:prstGeom>
-        </p:spPr>
-        <p:txBody>
-          <a:bodyPr vert="horz" lIns="91440" tIns="45720" rIns="91440" bIns="45720" rtlCol="0" anchor="b"/>
-          <a:lstStyle>
-            <a:lvl1pPr algn="r">
-              <a:defRPr sz="1200"/>
-            </a:lvl1pPr>
-          </a:lstStyle>
-          <a:p>
-            <a:fld id="{A8E322BB-75AD-4A1E-9661-2724167329F0}" type="slidenum">
-              <a:rPr/>
-              <a:t>‹#›</a:t>
-            </a:fld>
-            <a:endParaRPr/>
-          </a:p>
-        </p:txBody>
-      </p:sp>
-    </p:spTree>
-    <p:extLst>
-      <p:ext uri="{BB962C8B-B14F-4D97-AF65-F5344CB8AC3E}">
-        <p14:creationId xmlns:p14="http://schemas.microsoft.com/office/powerpoint/2010/main" val="251270579"/>
-      </p:ext>
-    </p:extLst>
-  </p:cSld>
-  <p:clrMap bg1="lt1" tx1="dk1" bg2="lt2" tx2="dk2" accent1="accent1" accent2="accent2" accent3="accent3" accent4="accent4" accent5="accent5" accent6="accent6" hlink="hlink" folHlink="folHlink"/>
-</p:handoutMaster>
-</file>
-
-<file path=ppt/notesMasters/notesMaster1.xml><?xml version="1.0" encoding="utf-8"?>
-<p:notesMaster xmlns:a="http://schemas.openxmlformats.org/drawingml/2006/main" xmlns:r="http://schemas.openxmlformats.org/officeDocument/2006/relationships" xmlns:p="http://schemas.openxmlformats.org/presentationml/2006/main">
-  <p:cSld>
-    <p:bg>
-      <p:bgRef idx="1001">
-        <a:schemeClr val="bg1"/>
-      </p:bgRef>
-    </p:bg>
-    <p:spTree>
-      <p:nvGrpSpPr>
-        <p:cNvPr id="1" name=""/>
-        <p:cNvGrpSpPr/>
-        <p:nvPr/>
-      </p:nvGrpSpPr>
-      <p:grpSpPr>
-        <a:xfrm>
-          <a:off x="0" y="0"/>
-          <a:ext cx="0" cy="0"/>
-          <a:chOff x="0" y="0"/>
-          <a:chExt cx="0" cy="0"/>
-        </a:xfrm>
-      </p:grpSpPr>
-      <p:sp>
-        <p:nvSpPr>
-          <p:cNvPr id="2" name="Header Placeholder 1"/>
-          <p:cNvSpPr>
-            <a:spLocks noGrp="1"/>
-          </p:cNvSpPr>
-          <p:nvPr>
-            <p:ph type="hdr" sz="quarter"/>
-          </p:nvPr>
-        </p:nvSpPr>
-        <p:spPr>
-          <a:xfrm>
-            <a:off x="0" y="0"/>
-            <a:ext cx="2971800" cy="457200"/>
-          </a:xfrm>
-          <a:prstGeom prst="rect">
-            <a:avLst/>
-          </a:prstGeom>
-        </p:spPr>
-        <p:txBody>
-          <a:bodyPr vert="horz" lIns="91440" tIns="45720" rIns="91440" bIns="45720" rtlCol="0"/>
-          <a:lstStyle>
-            <a:lvl1pPr algn="l">
-              <a:defRPr sz="1200"/>
-            </a:lvl1pPr>
-          </a:lstStyle>
-          <a:p>
-            <a:endParaRPr/>
-          </a:p>
-        </p:txBody>
-      </p:sp>
-      <p:sp>
-        <p:nvSpPr>
-          <p:cNvPr id="3" name="Date Placeholder 2"/>
-          <p:cNvSpPr>
-            <a:spLocks noGrp="1"/>
-          </p:cNvSpPr>
-          <p:nvPr>
-            <p:ph type="dt" idx="1"/>
-          </p:nvPr>
-        </p:nvSpPr>
-        <p:spPr>
-          <a:xfrm>
-            <a:off x="3884613" y="0"/>
-            <a:ext cx="2971800" cy="457200"/>
-          </a:xfrm>
-          <a:prstGeom prst="rect">
-            <a:avLst/>
-          </a:prstGeom>
-        </p:spPr>
-        <p:txBody>
-          <a:bodyPr vert="horz" lIns="91440" tIns="45720" rIns="91440" bIns="45720" rtlCol="0"/>
-          <a:lstStyle>
-            <a:lvl1pPr algn="r">
-              <a:defRPr sz="1200"/>
-            </a:lvl1pPr>
-          </a:lstStyle>
-          <a:p>
-            <a:fld id="{67DFBD7B-E4FB-4AA8-9540-FD148073ACB3}" type="datetimeFigureOut">
-              <a:rPr lang="en-US"/>
-              <a:t>11/11/2022</a:t>
-            </a:fld>
-            <a:endParaRPr/>
-          </a:p>
-        </p:txBody>
-      </p:sp>
-      <p:sp>
-        <p:nvSpPr>
-          <p:cNvPr id="4" name="Slide Image Placeholder 3"/>
-          <p:cNvSpPr>
-            <a:spLocks noGrp="1" noRot="1" noChangeAspect="1"/>
-          </p:cNvSpPr>
-          <p:nvPr>
-            <p:ph type="sldImg" idx="2"/>
-          </p:nvPr>
-        </p:nvSpPr>
-        <p:spPr>
-          <a:xfrm>
-            <a:off x="381000" y="685800"/>
-            <a:ext cx="6096000" cy="3429000"/>
-          </a:xfrm>
-          <a:prstGeom prst="rect">
-            <a:avLst/>
-          </a:prstGeom>
-          <a:noFill/>
-          <a:ln w="12700">
-            <a:solidFill>
-              <a:prstClr val="black"/>
-            </a:solidFill>
-          </a:ln>
-        </p:spPr>
-        <p:txBody>
-          <a:bodyPr vert="horz" lIns="91440" tIns="45720" rIns="91440" bIns="45720" rtlCol="0" anchor="ctr"/>
-          <a:lstStyle/>
-          <a:p>
-            <a:endParaRPr/>
-          </a:p>
-        </p:txBody>
-      </p:sp>
-      <p:sp>
-        <p:nvSpPr>
-          <p:cNvPr id="5" name="Notes Placeholder 4"/>
-          <p:cNvSpPr>
-            <a:spLocks noGrp="1"/>
-          </p:cNvSpPr>
-          <p:nvPr>
-            <p:ph type="body" sz="quarter" idx="3"/>
-          </p:nvPr>
-        </p:nvSpPr>
-        <p:spPr>
-          <a:xfrm>
-            <a:off x="685800" y="4343400"/>
-            <a:ext cx="5486400" cy="4114800"/>
-          </a:xfrm>
-          <a:prstGeom prst="rect">
-            <a:avLst/>
-          </a:prstGeom>
-        </p:spPr>
-        <p:txBody>
-          <a:bodyPr vert="horz" lIns="91440" tIns="45720" rIns="91440" bIns="45720" rtlCol="0"/>
-          <a:lstStyle/>
-          <a:p>
-            <a:pPr lvl="0"/>
-            <a:r>
-              <a:t>Click to edit Master text styles</a:t>
-            </a:r>
-          </a:p>
-          <a:p>
-            <a:pPr lvl="1"/>
-            <a:r>
-              <a:t>Second level</a:t>
-            </a:r>
-          </a:p>
-          <a:p>
-            <a:pPr lvl="2"/>
-            <a:r>
-              <a:t>Third level</a:t>
-            </a:r>
-          </a:p>
-          <a:p>
-            <a:pPr lvl="3"/>
-            <a:r>
-              <a:t>Fourth level</a:t>
-            </a:r>
-          </a:p>
-          <a:p>
-            <a:pPr lvl="4"/>
-            <a:r>
-              <a:t>Fifth level</a:t>
-            </a:r>
-          </a:p>
-        </p:txBody>
-      </p:sp>
-      <p:sp>
-        <p:nvSpPr>
-          <p:cNvPr id="6" name="Footer Placeholder 5"/>
-          <p:cNvSpPr>
-            <a:spLocks noGrp="1"/>
-          </p:cNvSpPr>
-          <p:nvPr>
-            <p:ph type="ftr" sz="quarter" idx="4"/>
-          </p:nvPr>
-        </p:nvSpPr>
-        <p:spPr>
-          <a:xfrm>
-            <a:off x="0" y="8685213"/>
-            <a:ext cx="2971800" cy="457200"/>
-          </a:xfrm>
-          <a:prstGeom prst="rect">
-            <a:avLst/>
-          </a:prstGeom>
-        </p:spPr>
-        <p:txBody>
-          <a:bodyPr vert="horz" lIns="91440" tIns="45720" rIns="91440" bIns="45720" rtlCol="0" anchor="b"/>
-          <a:lstStyle>
-            <a:lvl1pPr algn="l">
-              <a:defRPr sz="1200"/>
-            </a:lvl1pPr>
-          </a:lstStyle>
-          <a:p>
-            <a:endParaRPr/>
-          </a:p>
-        </p:txBody>
-      </p:sp>
-      <p:sp>
-        <p:nvSpPr>
-          <p:cNvPr id="7" name="Slide Number Placeholder 6"/>
-          <p:cNvSpPr>
-            <a:spLocks noGrp="1"/>
-          </p:cNvSpPr>
-          <p:nvPr>
-            <p:ph type="sldNum" sz="quarter" idx="5"/>
-          </p:nvPr>
-        </p:nvSpPr>
-        <p:spPr>
-          <a:xfrm>
-            <a:off x="3884613" y="8685213"/>
-            <a:ext cx="2971800" cy="457200"/>
-          </a:xfrm>
-          <a:prstGeom prst="rect">
-            <a:avLst/>
-          </a:prstGeom>
-        </p:spPr>
-        <p:txBody>
-          <a:bodyPr vert="horz" lIns="91440" tIns="45720" rIns="91440" bIns="45720" rtlCol="0" anchor="b"/>
-          <a:lstStyle>
-            <a:lvl1pPr algn="r">
-              <a:defRPr sz="1200"/>
-            </a:lvl1pPr>
-          </a:lstStyle>
-          <a:p>
-            <a:fld id="{B045B7DE-1198-4F2F-B574-CA8CAE341642}" type="slidenum">
-              <a:rPr/>
-              <a:t>‹#›</a:t>
-            </a:fld>
-            <a:endParaRPr/>
-          </a:p>
-        </p:txBody>
-      </p:sp>
-    </p:spTree>
-    <p:extLst>
-      <p:ext uri="{BB962C8B-B14F-4D97-AF65-F5344CB8AC3E}">
-        <p14:creationId xmlns:p14="http://schemas.microsoft.com/office/powerpoint/2010/main" val="1882312455"/>
-      </p:ext>
-    </p:extLst>
-  </p:cSld>
-  <p:clrMap bg1="lt1" tx1="dk1" bg2="lt2" tx2="dk2" accent1="accent1" accent2="accent2" accent3="accent3" accent4="accent4" accent5="accent5" accent6="accent6" hlink="hlink" folHlink="folHlink"/>
-  <p:notesStyle>
-    <a:lvl1pPr marL="0" algn="l" defTabSz="1218987" rtl="0" eaLnBrk="1" latinLnBrk="0" hangingPunct="1">
-      <a:defRPr sz="1600" kern="1200">
-        <a:solidFill>
-          <a:schemeClr val="tx1"/>
-        </a:solidFill>
-        <a:latin typeface="+mn-lt"/>
-        <a:ea typeface="+mn-ea"/>
-        <a:cs typeface="+mn-cs"/>
-      </a:defRPr>
-    </a:lvl1pPr>
-    <a:lvl2pPr marL="609493" algn="l" defTabSz="1218987" rtl="0" eaLnBrk="1" latinLnBrk="0" hangingPunct="1">
-      <a:defRPr sz="1600" kern="1200">
-        <a:solidFill>
-          <a:schemeClr val="tx1"/>
-        </a:solidFill>
-        <a:latin typeface="+mn-lt"/>
-        <a:ea typeface="+mn-ea"/>
-        <a:cs typeface="+mn-cs"/>
-      </a:defRPr>
-    </a:lvl2pPr>
-    <a:lvl3pPr marL="1218987" algn="l" defTabSz="1218987" rtl="0" eaLnBrk="1" latinLnBrk="0" hangingPunct="1">
-      <a:defRPr sz="1600" kern="1200">
-        <a:solidFill>
-          <a:schemeClr val="tx1"/>
-        </a:solidFill>
-        <a:latin typeface="+mn-lt"/>
-        <a:ea typeface="+mn-ea"/>
-        <a:cs typeface="+mn-cs"/>
-      </a:defRPr>
-    </a:lvl3pPr>
-    <a:lvl4pPr marL="1828480" algn="l" defTabSz="1218987" rtl="0" eaLnBrk="1" latinLnBrk="0" hangingPunct="1">
-      <a:defRPr sz="1600" kern="1200">
-        <a:solidFill>
-          <a:schemeClr val="tx1"/>
-        </a:solidFill>
-        <a:latin typeface="+mn-lt"/>
-        <a:ea typeface="+mn-ea"/>
-        <a:cs typeface="+mn-cs"/>
-      </a:defRPr>
-    </a:lvl4pPr>
-    <a:lvl5pPr marL="2437973" algn="l" defTabSz="1218987" rtl="0" eaLnBrk="1" latinLnBrk="0" hangingPunct="1">
-      <a:defRPr sz="1600" kern="1200">
-        <a:solidFill>
-          <a:schemeClr val="tx1"/>
-        </a:solidFill>
-        <a:latin typeface="+mn-lt"/>
-        <a:ea typeface="+mn-ea"/>
-        <a:cs typeface="+mn-cs"/>
-      </a:defRPr>
-    </a:lvl5pPr>
-    <a:lvl6pPr marL="3047467" algn="l" defTabSz="1218987" rtl="0" eaLnBrk="1" latinLnBrk="0" hangingPunct="1">
-      <a:defRPr sz="1600" kern="1200">
-        <a:solidFill>
-          <a:schemeClr val="tx1"/>
-        </a:solidFill>
-        <a:latin typeface="+mn-lt"/>
-        <a:ea typeface="+mn-ea"/>
-        <a:cs typeface="+mn-cs"/>
-      </a:defRPr>
-    </a:lvl6pPr>
-    <a:lvl7pPr marL="3656960" algn="l" defTabSz="1218987" rtl="0" eaLnBrk="1" latinLnBrk="0" hangingPunct="1">
-      <a:defRPr sz="1600" kern="1200">
-        <a:solidFill>
-          <a:schemeClr val="tx1"/>
-        </a:solidFill>
-        <a:latin typeface="+mn-lt"/>
-        <a:ea typeface="+mn-ea"/>
-        <a:cs typeface="+mn-cs"/>
-      </a:defRPr>
-    </a:lvl7pPr>
-    <a:lvl8pPr marL="4266453" algn="l" defTabSz="1218987" rtl="0" eaLnBrk="1" latinLnBrk="0" hangingPunct="1">
-      <a:defRPr sz="1600" kern="1200">
-        <a:solidFill>
-          <a:schemeClr val="tx1"/>
-        </a:solidFill>
-        <a:latin typeface="+mn-lt"/>
-        <a:ea typeface="+mn-ea"/>
-        <a:cs typeface="+mn-cs"/>
-      </a:defRPr>
-    </a:lvl8pPr>
-    <a:lvl9pPr marL="4875947" algn="l" defTabSz="1218987" rtl="0" eaLnBrk="1" latinLnBrk="0" hangingPunct="1">
-      <a:defRPr sz="1600" kern="1200">
-        <a:solidFill>
-          <a:schemeClr val="tx1"/>
-        </a:solidFill>
-        <a:latin typeface="+mn-lt"/>
-        <a:ea typeface="+mn-ea"/>
-        <a:cs typeface="+mn-cs"/>
-      </a:defRPr>
-    </a:lvl9pPr>
-  </p:notesStyle>
-</p:notesMaster>
-</file>
-
 <file path=ppt/slideLayouts/slideLayout1.xml><?xml version="1.0" encoding="utf-8"?>
-<p:sldLayout xmlns:a="http://schemas.openxmlformats.org/drawingml/2006/main" xmlns:r="http://schemas.openxmlformats.org/officeDocument/2006/relationships" xmlns:p="http://schemas.openxmlformats.org/presentationml/2006/main" showMasterSp="0" type="title" preserve="1">
+<p:sldLayout xmlns:a="http://schemas.openxmlformats.org/drawingml/2006/main" xmlns:r="http://schemas.openxmlformats.org/officeDocument/2006/relationships" xmlns:p="http://schemas.openxmlformats.org/presentationml/2006/main" xmlns:m="http://schemas.openxmlformats.org/officeDocument/2006/math" xmlns:w="http://schemas.openxmlformats.org/wordprocessingml/2006/main" matchingName="" preserve="1" showMasterPhAnim="0" showMasterSp="0" type="title" userDrawn="1">
   <p:cSld name="Title Slide">
     <p:bg>
-      <p:bgPr>
-        <a:blipFill dpi="0" rotWithShape="1">
+      <p:bgPr shadeToTitle="0">
+        <a:blipFill>
           <a:blip r:embed="rId2">
             <a:lum/>
           </a:blip>
-          <a:srcRect/>
-          <a:stretch>
-            <a:fillRect/>
-          </a:stretch>
+          <a:stretch/>
         </a:blipFill>
-        <a:effectLst/>
       </p:bgPr>
     </p:bg>
     <p:spTree>
@@ -681,7 +132,7 @@
         <p:cNvGrpSpPr/>
         <p:nvPr/>
       </p:nvGrpSpPr>
-      <p:grpSpPr>
+      <p:grpSpPr bwMode="auto">
         <a:xfrm>
           <a:off x="0" y="0"/>
           <a:ext cx="0" cy="0"/>
@@ -695,12 +146,12 @@
           <p:cNvGrpSpPr/>
           <p:nvPr/>
         </p:nvGrpSpPr>
-        <p:grpSpPr>
+        <p:grpSpPr bwMode="auto">
           <a:xfrm>
-            <a:off x="0" y="1135743"/>
-            <a:ext cx="1622332" cy="799981"/>
-            <a:chOff x="0" y="452558"/>
-            <a:chExt cx="914400" cy="524182"/>
+            <a:off x="0" y="1135742"/>
+            <a:ext cx="1622331" cy="799980"/>
+            <a:chOff x="0" y="452557"/>
+            <a:chExt cx="914400" cy="524181"/>
           </a:xfrm>
         </p:grpSpPr>
         <p:sp>
@@ -709,13 +160,15 @@
             <p:cNvSpPr/>
             <p:nvPr/>
           </p:nvSpPr>
-          <p:spPr>
+          <p:spPr bwMode="auto">
             <a:xfrm>
-              <a:off x="591671" y="452558"/>
-              <a:ext cx="322729" cy="524180"/>
+              <a:off x="591670" y="452557"/>
+              <a:ext cx="322728" cy="524179"/>
             </a:xfrm>
             <a:prstGeom prst="roundRect">
-              <a:avLst/>
+              <a:avLst>
+                <a:gd name="adj" fmla="val 16667"/>
+              </a:avLst>
             </a:prstGeom>
             <a:solidFill>
               <a:schemeClr val="accent3"/>
@@ -744,7 +197,9 @@
             <a:bodyPr rtlCol="0" anchor="ctr"/>
             <a:lstStyle/>
             <a:p>
-              <a:pPr algn="ctr"/>
+              <a:pPr algn="ctr">
+                <a:defRPr/>
+              </a:pPr>
               <a:endParaRPr/>
             </a:p>
           </p:txBody>
@@ -755,13 +210,15 @@
             <p:cNvSpPr/>
             <p:nvPr/>
           </p:nvSpPr>
-          <p:spPr>
+          <p:spPr bwMode="auto">
             <a:xfrm>
-              <a:off x="215154" y="452558"/>
-              <a:ext cx="322729" cy="524180"/>
+              <a:off x="215154" y="452557"/>
+              <a:ext cx="322728" cy="524179"/>
             </a:xfrm>
             <a:prstGeom prst="roundRect">
-              <a:avLst/>
+              <a:avLst>
+                <a:gd name="adj" fmla="val 16667"/>
+              </a:avLst>
             </a:prstGeom>
             <a:solidFill>
               <a:schemeClr val="accent2"/>
@@ -790,7 +247,9 @@
             <a:bodyPr rtlCol="0" anchor="ctr"/>
             <a:lstStyle/>
             <a:p>
-              <a:pPr algn="ctr"/>
+              <a:pPr algn="ctr">
+                <a:defRPr/>
+              </a:pPr>
               <a:endParaRPr/>
             </a:p>
           </p:txBody>
@@ -801,10 +260,10 @@
             <p:cNvSpPr/>
             <p:nvPr/>
           </p:nvSpPr>
-          <p:spPr>
+          <p:spPr bwMode="auto">
             <a:xfrm rot="5400000">
-              <a:off x="-181408" y="633966"/>
-              <a:ext cx="524182" cy="161366"/>
+              <a:off x="-181407" y="633965"/>
+              <a:ext cx="524181" cy="161365"/>
             </a:xfrm>
             <a:prstGeom prst="round2SameRect">
               <a:avLst>
@@ -839,7 +298,9 @@
             <a:bodyPr rtlCol="0" anchor="ctr"/>
             <a:lstStyle/>
             <a:p>
-              <a:pPr algn="ctr"/>
+              <a:pPr algn="ctr">
+                <a:defRPr/>
+              </a:pPr>
               <a:endParaRPr/>
             </a:p>
           </p:txBody>
@@ -855,10 +316,10 @@
             <p:ph type="ctrTitle"/>
           </p:nvPr>
         </p:nvSpPr>
-        <p:spPr>
+        <p:spPr bwMode="auto">
           <a:xfrm>
-            <a:off x="1828324" y="362396"/>
-            <a:ext cx="9141619" cy="1676400"/>
+            <a:off x="1828323" y="362395"/>
+            <a:ext cx="9141618" cy="1676399"/>
           </a:xfrm>
         </p:spPr>
         <p:txBody>
@@ -874,6 +335,9 @@
             </a:lvl1pPr>
           </a:lstStyle>
           <a:p>
+            <a:pPr>
+              <a:defRPr/>
+            </a:pPr>
             <a:r>
               <a:rPr lang="en-US"/>
               <a:t>Click to edit Master title style</a:t>
@@ -892,10 +356,10 @@
             <p:ph type="subTitle" idx="1"/>
           </p:nvPr>
         </p:nvSpPr>
-        <p:spPr>
+        <p:spPr bwMode="auto">
           <a:xfrm>
-            <a:off x="1828324" y="2089595"/>
-            <a:ext cx="9141619" cy="886344"/>
+            <a:off x="1828323" y="2089594"/>
+            <a:ext cx="9141618" cy="886343"/>
           </a:xfrm>
         </p:spPr>
         <p:txBody>
@@ -995,11 +459,14 @@
             </a:lvl9pPr>
           </a:lstStyle>
           <a:p>
+            <a:pPr>
+              <a:defRPr/>
+            </a:pPr>
             <a:r>
               <a:rPr lang="en-US"/>
               <a:t>Click to edit Master subtitle style</a:t>
             </a:r>
-            <a:endParaRPr dirty="0"/>
+            <a:endParaRPr/>
           </a:p>
         </p:txBody>
       </p:sp>
@@ -1013,15 +480,19 @@
             <p:ph type="ftr" sz="quarter" idx="11"/>
           </p:nvPr>
         </p:nvSpPr>
-        <p:spPr/>
+        <p:spPr bwMode="auto"/>
         <p:txBody>
           <a:bodyPr/>
           <a:lstStyle/>
           <a:p>
-            <a:r>
-              <a:rPr lang="en-US" dirty="0"/>
+            <a:pPr>
+              <a:defRPr/>
+            </a:pPr>
+            <a:r>
+              <a:rPr lang="en-US"/>
               <a:t>Add a footer</a:t>
             </a:r>
+            <a:endParaRPr/>
           </a:p>
         </p:txBody>
       </p:sp>
@@ -1035,14 +506,17 @@
             <p:ph type="dt" sz="half" idx="10"/>
           </p:nvPr>
         </p:nvSpPr>
-        <p:spPr/>
+        <p:spPr bwMode="auto"/>
         <p:txBody>
           <a:bodyPr/>
           <a:lstStyle/>
           <a:p>
+            <a:pPr>
+              <a:defRPr/>
+            </a:pPr>
             <a:fld id="{A7209051-6E81-43E8-9099-FF6A0C3DCFE8}" type="datetime1">
               <a:rPr lang="en-US"/>
-              <a:t>11/11/2022</a:t>
+              <a:t/>
             </a:fld>
             <a:endParaRPr/>
           </a:p>
@@ -1058,46 +532,32 @@
             <p:ph type="sldNum" sz="quarter" idx="12"/>
           </p:nvPr>
         </p:nvSpPr>
-        <p:spPr/>
+        <p:spPr bwMode="auto"/>
         <p:txBody>
           <a:bodyPr/>
           <a:lstStyle/>
           <a:p>
+            <a:pPr>
+              <a:defRPr/>
+            </a:pPr>
             <a:fld id="{34C99D79-8A4B-4031-B1E0-AF26F8EDF2BC}" type="slidenum">
               <a:rPr/>
-              <a:t>‹#›</a:t>
+              <a:t/>
             </a:fld>
             <a:endParaRPr/>
           </a:p>
         </p:txBody>
       </p:sp>
     </p:spTree>
-    <p:extLst>
-      <p:ext uri="{BB962C8B-B14F-4D97-AF65-F5344CB8AC3E}">
-        <p14:creationId xmlns:p14="http://schemas.microsoft.com/office/powerpoint/2010/main" val="3887510112"/>
-      </p:ext>
-    </p:extLst>
   </p:cSld>
   <p:clrMapOvr>
     <a:masterClrMapping/>
   </p:clrMapOvr>
-  <mc:AlternateContent xmlns:mc="http://schemas.openxmlformats.org/markup-compatibility/2006" xmlns:p14="http://schemas.microsoft.com/office/powerpoint/2010/main">
-    <mc:Choice Requires="p14">
-      <p:transition spd="med" p14:dur="700">
-        <p:fade/>
-      </p:transition>
-    </mc:Choice>
-    <mc:Fallback xmlns="">
-      <p:transition spd="med">
-        <p:fade/>
-      </p:transition>
-    </mc:Fallback>
-  </mc:AlternateContent>
 </p:sldLayout>
 </file>
 
 <file path=ppt/slideLayouts/slideLayout10.xml><?xml version="1.0" encoding="utf-8"?>
-<p:sldLayout xmlns:a="http://schemas.openxmlformats.org/drawingml/2006/main" xmlns:r="http://schemas.openxmlformats.org/officeDocument/2006/relationships" xmlns:p="http://schemas.openxmlformats.org/presentationml/2006/main" type="vertTx" preserve="1">
+<p:sldLayout xmlns:a="http://schemas.openxmlformats.org/drawingml/2006/main" xmlns:r="http://schemas.openxmlformats.org/officeDocument/2006/relationships" xmlns:p="http://schemas.openxmlformats.org/presentationml/2006/main" xmlns:m="http://schemas.openxmlformats.org/officeDocument/2006/math" xmlns:w="http://schemas.openxmlformats.org/wordprocessingml/2006/main" matchingName="" preserve="1" showMasterPhAnim="0" type="vertTx" userDrawn="1">
   <p:cSld name="Title and Vertical Text">
     <p:spTree>
       <p:nvGrpSpPr>
@@ -1105,7 +565,7 @@
         <p:cNvGrpSpPr/>
         <p:nvPr/>
       </p:nvGrpSpPr>
-      <p:grpSpPr>
+      <p:grpSpPr bwMode="auto">
         <a:xfrm>
           <a:off x="0" y="0"/>
           <a:ext cx="0" cy="0"/>
@@ -1123,11 +583,14 @@
             <p:ph type="title"/>
           </p:nvPr>
         </p:nvSpPr>
-        <p:spPr/>
+        <p:spPr bwMode="auto"/>
         <p:txBody>
           <a:bodyPr/>
           <a:lstStyle/>
           <a:p>
+            <a:pPr>
+              <a:defRPr/>
+            </a:pPr>
             <a:r>
               <a:rPr lang="en-US"/>
               <a:t>Click to edit Master title style</a:t>
@@ -1146,7 +609,7 @@
             <p:ph type="body" orient="vert" idx="1"/>
           </p:nvPr>
         </p:nvSpPr>
-        <p:spPr/>
+        <p:spPr bwMode="auto"/>
         <p:txBody>
           <a:bodyPr vert="eaVert"/>
           <a:lstStyle>
@@ -1160,42 +623,56 @@
               <a:defRPr/>
             </a:lvl7pPr>
             <a:lvl8pPr>
-              <a:defRPr baseline="0"/>
+              <a:defRPr/>
             </a:lvl8pPr>
             <a:lvl9pPr>
-              <a:defRPr baseline="0"/>
+              <a:defRPr/>
             </a:lvl9pPr>
           </a:lstStyle>
           <a:p>
-            <a:pPr lvl="0"/>
+            <a:pPr lvl="0">
+              <a:defRPr/>
+            </a:pPr>
             <a:r>
               <a:rPr lang="en-US"/>
               <a:t>Edit Master text styles</a:t>
             </a:r>
-          </a:p>
-          <a:p>
-            <a:pPr lvl="1"/>
+            <a:endParaRPr/>
+          </a:p>
+          <a:p>
+            <a:pPr lvl="1">
+              <a:defRPr/>
+            </a:pPr>
             <a:r>
               <a:rPr lang="en-US"/>
               <a:t>Second level</a:t>
             </a:r>
-          </a:p>
-          <a:p>
-            <a:pPr lvl="2"/>
+            <a:endParaRPr/>
+          </a:p>
+          <a:p>
+            <a:pPr lvl="2">
+              <a:defRPr/>
+            </a:pPr>
             <a:r>
               <a:rPr lang="en-US"/>
               <a:t>Third level</a:t>
             </a:r>
-          </a:p>
-          <a:p>
-            <a:pPr lvl="3"/>
+            <a:endParaRPr/>
+          </a:p>
+          <a:p>
+            <a:pPr lvl="3">
+              <a:defRPr/>
+            </a:pPr>
             <a:r>
               <a:rPr lang="en-US"/>
               <a:t>Fourth level</a:t>
             </a:r>
-          </a:p>
-          <a:p>
-            <a:pPr lvl="4"/>
+            <a:endParaRPr/>
+          </a:p>
+          <a:p>
+            <a:pPr lvl="4">
+              <a:defRPr/>
+            </a:pPr>
             <a:r>
               <a:rPr lang="en-US"/>
               <a:t>Fifth level</a:t>
@@ -1214,15 +691,19 @@
             <p:ph type="ftr" sz="quarter" idx="11"/>
           </p:nvPr>
         </p:nvSpPr>
-        <p:spPr/>
+        <p:spPr bwMode="auto"/>
         <p:txBody>
           <a:bodyPr/>
           <a:lstStyle/>
           <a:p>
-            <a:r>
-              <a:rPr lang="en-US" dirty="0"/>
+            <a:pPr>
+              <a:defRPr/>
+            </a:pPr>
+            <a:r>
+              <a:rPr lang="en-US"/>
               <a:t>Add a footer</a:t>
             </a:r>
+            <a:endParaRPr/>
           </a:p>
         </p:txBody>
       </p:sp>
@@ -1236,14 +717,17 @@
             <p:ph type="dt" sz="half" idx="10"/>
           </p:nvPr>
         </p:nvSpPr>
-        <p:spPr/>
+        <p:spPr bwMode="auto"/>
         <p:txBody>
           <a:bodyPr/>
           <a:lstStyle/>
           <a:p>
+            <a:pPr>
+              <a:defRPr/>
+            </a:pPr>
             <a:fld id="{EDCEAB04-7709-4C1E-A61A-74684A0170FC}" type="datetime1">
               <a:rPr lang="en-US"/>
-              <a:t>11/11/2022</a:t>
+              <a:t/>
             </a:fld>
             <a:endParaRPr/>
           </a:p>
@@ -1259,46 +743,32 @@
             <p:ph type="sldNum" sz="quarter" idx="12"/>
           </p:nvPr>
         </p:nvSpPr>
-        <p:spPr/>
+        <p:spPr bwMode="auto"/>
         <p:txBody>
           <a:bodyPr/>
           <a:lstStyle/>
           <a:p>
+            <a:pPr>
+              <a:defRPr/>
+            </a:pPr>
             <a:fld id="{34C99D79-8A4B-4031-B1E0-AF26F8EDF2BC}" type="slidenum">
               <a:rPr/>
-              <a:t>‹#›</a:t>
+              <a:t/>
             </a:fld>
             <a:endParaRPr/>
           </a:p>
         </p:txBody>
       </p:sp>
     </p:spTree>
-    <p:extLst>
-      <p:ext uri="{BB962C8B-B14F-4D97-AF65-F5344CB8AC3E}">
-        <p14:creationId xmlns:p14="http://schemas.microsoft.com/office/powerpoint/2010/main" val="2640825804"/>
-      </p:ext>
-    </p:extLst>
   </p:cSld>
   <p:clrMapOvr>
     <a:masterClrMapping/>
   </p:clrMapOvr>
-  <mc:AlternateContent xmlns:mc="http://schemas.openxmlformats.org/markup-compatibility/2006" xmlns:p14="http://schemas.microsoft.com/office/powerpoint/2010/main">
-    <mc:Choice Requires="p14">
-      <p:transition spd="med" p14:dur="700">
-        <p:fade/>
-      </p:transition>
-    </mc:Choice>
-    <mc:Fallback xmlns="">
-      <p:transition spd="med">
-        <p:fade/>
-      </p:transition>
-    </mc:Fallback>
-  </mc:AlternateContent>
 </p:sldLayout>
 </file>
 
 <file path=ppt/slideLayouts/slideLayout11.xml><?xml version="1.0" encoding="utf-8"?>
-<p:sldLayout xmlns:a="http://schemas.openxmlformats.org/drawingml/2006/main" xmlns:r="http://schemas.openxmlformats.org/officeDocument/2006/relationships" xmlns:p="http://schemas.openxmlformats.org/presentationml/2006/main" showMasterSp="0" type="vertTitleAndTx" preserve="1">
+<p:sldLayout xmlns:a="http://schemas.openxmlformats.org/drawingml/2006/main" xmlns:r="http://schemas.openxmlformats.org/officeDocument/2006/relationships" xmlns:p="http://schemas.openxmlformats.org/presentationml/2006/main" xmlns:m="http://schemas.openxmlformats.org/officeDocument/2006/math" xmlns:w="http://schemas.openxmlformats.org/wordprocessingml/2006/main" matchingName="" preserve="1" showMasterPhAnim="0" showMasterSp="0" type="vertTitleAndTx" userDrawn="1">
   <p:cSld name="Vertical Title and Text">
     <p:spTree>
       <p:nvGrpSpPr>
@@ -1306,7 +776,7 @@
         <p:cNvGrpSpPr/>
         <p:nvPr/>
       </p:nvGrpSpPr>
-      <p:grpSpPr>
+      <p:grpSpPr bwMode="auto">
         <a:xfrm>
           <a:off x="0" y="0"/>
           <a:ext cx="0" cy="0"/>
@@ -1320,12 +790,12 @@
           <p:cNvGrpSpPr/>
           <p:nvPr/>
         </p:nvGrpSpPr>
-        <p:grpSpPr>
+        <p:grpSpPr bwMode="auto">
           <a:xfrm rot="5400000">
-            <a:off x="9583007" y="233864"/>
-            <a:ext cx="1063300" cy="524046"/>
-            <a:chOff x="0" y="452558"/>
-            <a:chExt cx="914400" cy="524182"/>
+            <a:off x="9583006" y="233863"/>
+            <a:ext cx="1063299" cy="524045"/>
+            <a:chOff x="0" y="452557"/>
+            <a:chExt cx="914400" cy="524181"/>
           </a:xfrm>
         </p:grpSpPr>
         <p:sp>
@@ -1334,13 +804,15 @@
             <p:cNvSpPr/>
             <p:nvPr/>
           </p:nvSpPr>
-          <p:spPr>
+          <p:spPr bwMode="auto">
             <a:xfrm>
-              <a:off x="591671" y="452558"/>
-              <a:ext cx="322729" cy="524180"/>
+              <a:off x="591670" y="452557"/>
+              <a:ext cx="322728" cy="524179"/>
             </a:xfrm>
             <a:prstGeom prst="roundRect">
-              <a:avLst/>
+              <a:avLst>
+                <a:gd name="adj" fmla="val 16667"/>
+              </a:avLst>
             </a:prstGeom>
             <a:solidFill>
               <a:schemeClr val="accent3"/>
@@ -1369,7 +841,9 @@
             <a:bodyPr rtlCol="0" anchor="ctr"/>
             <a:lstStyle/>
             <a:p>
-              <a:pPr algn="ctr"/>
+              <a:pPr algn="ctr">
+                <a:defRPr/>
+              </a:pPr>
               <a:endParaRPr/>
             </a:p>
           </p:txBody>
@@ -1380,13 +854,15 @@
             <p:cNvSpPr/>
             <p:nvPr/>
           </p:nvSpPr>
-          <p:spPr>
+          <p:spPr bwMode="auto">
             <a:xfrm>
-              <a:off x="215154" y="452558"/>
-              <a:ext cx="322729" cy="524180"/>
+              <a:off x="215154" y="452557"/>
+              <a:ext cx="322728" cy="524179"/>
             </a:xfrm>
             <a:prstGeom prst="roundRect">
-              <a:avLst/>
+              <a:avLst>
+                <a:gd name="adj" fmla="val 16667"/>
+              </a:avLst>
             </a:prstGeom>
             <a:solidFill>
               <a:schemeClr val="accent2"/>
@@ -1415,7 +891,9 @@
             <a:bodyPr rtlCol="0" anchor="ctr"/>
             <a:lstStyle/>
             <a:p>
-              <a:pPr algn="ctr"/>
+              <a:pPr algn="ctr">
+                <a:defRPr/>
+              </a:pPr>
               <a:endParaRPr/>
             </a:p>
           </p:txBody>
@@ -1426,10 +904,10 @@
             <p:cNvSpPr/>
             <p:nvPr/>
           </p:nvSpPr>
-          <p:spPr>
+          <p:spPr bwMode="auto">
             <a:xfrm rot="5400000">
-              <a:off x="-181408" y="633966"/>
-              <a:ext cx="524182" cy="161366"/>
+              <a:off x="-181407" y="633965"/>
+              <a:ext cx="524181" cy="161365"/>
             </a:xfrm>
             <a:prstGeom prst="round2SameRect">
               <a:avLst>
@@ -1464,7 +942,9 @@
             <a:bodyPr rtlCol="0" anchor="ctr"/>
             <a:lstStyle/>
             <a:p>
-              <a:pPr algn="ctr"/>
+              <a:pPr algn="ctr">
+                <a:defRPr/>
+              </a:pPr>
               <a:endParaRPr/>
             </a:p>
           </p:txBody>
@@ -1476,12 +956,12 @@
           <p:cNvGrpSpPr/>
           <p:nvPr/>
         </p:nvGrpSpPr>
-        <p:grpSpPr>
+        <p:grpSpPr bwMode="auto">
           <a:xfrm>
-            <a:off x="0" y="5395517"/>
-            <a:ext cx="12188825" cy="1462483"/>
-            <a:chOff x="0" y="4046638"/>
-            <a:chExt cx="9144000" cy="1096862"/>
+            <a:off x="0" y="5395516"/>
+            <a:ext cx="12188824" cy="1462482"/>
+            <a:chOff x="0" y="4046637"/>
+            <a:chExt cx="9144000" cy="1096861"/>
           </a:xfrm>
         </p:grpSpPr>
         <p:sp>
@@ -1492,8 +972,8 @@
           </p:nvSpPr>
           <p:spPr bwMode="ltGray">
             <a:xfrm rot="5400000">
-              <a:off x="4119794" y="119293"/>
-              <a:ext cx="904412" cy="9144000"/>
+              <a:off x="4119793" y="119292"/>
+              <a:ext cx="904411" cy="9144000"/>
             </a:xfrm>
             <a:custGeom>
               <a:avLst/>
@@ -1502,7 +982,7 @@
               <a:cxnLst/>
               <a:rect l="l" t="t" r="r" b="b"/>
               <a:pathLst>
-                <a:path w="904412" h="9144000">
+                <a:path w="904412" h="9144000" fill="norm" stroke="1" extrusionOk="0">
                   <a:moveTo>
                     <a:pt x="0" y="0"/>
                   </a:moveTo>
@@ -1526,7 +1006,7 @@
             </a:custGeom>
             <a:solidFill>
               <a:schemeClr val="tx1">
-                <a:alpha val="8000"/>
+                <a:alpha val="7999"/>
               </a:schemeClr>
             </a:solidFill>
             <a:ln>
@@ -1553,7 +1033,9 @@
             <a:bodyPr rtlCol="0" anchor="ctr"/>
             <a:lstStyle/>
             <a:p>
-              <a:pPr algn="ctr"/>
+              <a:pPr algn="ctr">
+                <a:defRPr/>
+              </a:pPr>
               <a:endParaRPr/>
             </a:p>
           </p:txBody>
@@ -1566,8 +1048,8 @@
           </p:nvSpPr>
           <p:spPr bwMode="ltGray">
             <a:xfrm rot="5400000">
-              <a:off x="4023569" y="23069"/>
-              <a:ext cx="1096862" cy="9144000"/>
+              <a:off x="4023568" y="23068"/>
+              <a:ext cx="1096861" cy="9144000"/>
             </a:xfrm>
             <a:custGeom>
               <a:avLst/>
@@ -1576,7 +1058,7 @@
               <a:cxnLst/>
               <a:rect l="l" t="t" r="r" b="b"/>
               <a:pathLst>
-                <a:path w="1096862" h="9144000">
+                <a:path w="1096862" h="9144000" fill="norm" stroke="1" extrusionOk="0">
                   <a:moveTo>
                     <a:pt x="1096861" y="9136375"/>
                   </a:moveTo>
@@ -1647,7 +1129,9 @@
             <a:bodyPr rtlCol="0" anchor="ctr"/>
             <a:lstStyle/>
             <a:p>
-              <a:pPr lvl="0" algn="ctr"/>
+              <a:pPr lvl="0" algn="ctr">
+                <a:defRPr/>
+              </a:pPr>
               <a:endParaRPr/>
             </a:p>
           </p:txBody>
@@ -1663,16 +1147,19 @@
             <p:ph type="title" orient="vert"/>
           </p:nvPr>
         </p:nvSpPr>
-        <p:spPr>
+        <p:spPr bwMode="auto">
           <a:xfrm>
-            <a:off x="9751060" y="1150514"/>
-            <a:ext cx="1828324" cy="5021685"/>
+            <a:off x="9751059" y="1150513"/>
+            <a:ext cx="1828323" cy="5021685"/>
           </a:xfrm>
         </p:spPr>
         <p:txBody>
           <a:bodyPr vert="eaVert"/>
           <a:lstStyle/>
           <a:p>
+            <a:pPr>
+              <a:defRPr/>
+            </a:pPr>
             <a:r>
               <a:rPr lang="en-US"/>
               <a:t>Click to edit Master title style</a:t>
@@ -1691,10 +1178,10 @@
             <p:ph type="body" orient="vert" idx="1"/>
           </p:nvPr>
         </p:nvSpPr>
-        <p:spPr>
+        <p:spPr bwMode="auto">
           <a:xfrm>
-            <a:off x="1218882" y="1150514"/>
-            <a:ext cx="8227457" cy="5021685"/>
+            <a:off x="1218881" y="1150513"/>
+            <a:ext cx="8227456" cy="5021685"/>
           </a:xfrm>
         </p:spPr>
         <p:txBody>
@@ -1710,42 +1197,56 @@
               <a:defRPr/>
             </a:lvl7pPr>
             <a:lvl8pPr>
-              <a:defRPr baseline="0"/>
+              <a:defRPr/>
             </a:lvl8pPr>
             <a:lvl9pPr>
-              <a:defRPr baseline="0"/>
+              <a:defRPr/>
             </a:lvl9pPr>
           </a:lstStyle>
           <a:p>
-            <a:pPr lvl="0"/>
+            <a:pPr lvl="0">
+              <a:defRPr/>
+            </a:pPr>
             <a:r>
               <a:rPr lang="en-US"/>
               <a:t>Edit Master text styles</a:t>
             </a:r>
-          </a:p>
-          <a:p>
-            <a:pPr lvl="1"/>
+            <a:endParaRPr/>
+          </a:p>
+          <a:p>
+            <a:pPr lvl="1">
+              <a:defRPr/>
+            </a:pPr>
             <a:r>
               <a:rPr lang="en-US"/>
               <a:t>Second level</a:t>
             </a:r>
-          </a:p>
-          <a:p>
-            <a:pPr lvl="2"/>
+            <a:endParaRPr/>
+          </a:p>
+          <a:p>
+            <a:pPr lvl="2">
+              <a:defRPr/>
+            </a:pPr>
             <a:r>
               <a:rPr lang="en-US"/>
               <a:t>Third level</a:t>
             </a:r>
-          </a:p>
-          <a:p>
-            <a:pPr lvl="3"/>
+            <a:endParaRPr/>
+          </a:p>
+          <a:p>
+            <a:pPr lvl="3">
+              <a:defRPr/>
+            </a:pPr>
             <a:r>
               <a:rPr lang="en-US"/>
               <a:t>Fourth level</a:t>
             </a:r>
-          </a:p>
-          <a:p>
-            <a:pPr lvl="4"/>
+            <a:endParaRPr/>
+          </a:p>
+          <a:p>
+            <a:pPr lvl="4">
+              <a:defRPr/>
+            </a:pPr>
             <a:r>
               <a:rPr lang="en-US"/>
               <a:t>Fifth level</a:t>
@@ -1764,15 +1265,19 @@
             <p:ph type="ftr" sz="quarter" idx="11"/>
           </p:nvPr>
         </p:nvSpPr>
-        <p:spPr/>
+        <p:spPr bwMode="auto"/>
         <p:txBody>
           <a:bodyPr/>
           <a:lstStyle/>
           <a:p>
-            <a:r>
-              <a:rPr lang="en-US" dirty="0"/>
+            <a:pPr>
+              <a:defRPr/>
+            </a:pPr>
+            <a:r>
+              <a:rPr lang="en-US"/>
               <a:t>Add a footer</a:t>
             </a:r>
+            <a:endParaRPr/>
           </a:p>
         </p:txBody>
       </p:sp>
@@ -1786,14 +1291,17 @@
             <p:ph type="dt" sz="half" idx="10"/>
           </p:nvPr>
         </p:nvSpPr>
-        <p:spPr/>
+        <p:spPr bwMode="auto"/>
         <p:txBody>
           <a:bodyPr/>
           <a:lstStyle/>
           <a:p>
+            <a:pPr>
+              <a:defRPr/>
+            </a:pPr>
             <a:fld id="{0C79BD0D-E0B1-4CED-AC65-708AC79EB9CD}" type="datetime1">
               <a:rPr lang="en-US"/>
-              <a:t>11/11/2022</a:t>
+              <a:t/>
             </a:fld>
             <a:endParaRPr/>
           </a:p>
@@ -1809,46 +1317,32 @@
             <p:ph type="sldNum" sz="quarter" idx="12"/>
           </p:nvPr>
         </p:nvSpPr>
-        <p:spPr/>
+        <p:spPr bwMode="auto"/>
         <p:txBody>
           <a:bodyPr/>
           <a:lstStyle/>
           <a:p>
+            <a:pPr>
+              <a:defRPr/>
+            </a:pPr>
             <a:fld id="{34C99D79-8A4B-4031-B1E0-AF26F8EDF2BC}" type="slidenum">
               <a:rPr/>
-              <a:t>‹#›</a:t>
+              <a:t/>
             </a:fld>
             <a:endParaRPr/>
           </a:p>
         </p:txBody>
       </p:sp>
     </p:spTree>
-    <p:extLst>
-      <p:ext uri="{BB962C8B-B14F-4D97-AF65-F5344CB8AC3E}">
-        <p14:creationId xmlns:p14="http://schemas.microsoft.com/office/powerpoint/2010/main" val="81644822"/>
-      </p:ext>
-    </p:extLst>
   </p:cSld>
   <p:clrMapOvr>
     <a:masterClrMapping/>
   </p:clrMapOvr>
-  <mc:AlternateContent xmlns:mc="http://schemas.openxmlformats.org/markup-compatibility/2006" xmlns:p14="http://schemas.microsoft.com/office/powerpoint/2010/main">
-    <mc:Choice Requires="p14">
-      <p:transition spd="med" p14:dur="700">
-        <p:fade/>
-      </p:transition>
-    </mc:Choice>
-    <mc:Fallback xmlns="">
-      <p:transition spd="med">
-        <p:fade/>
-      </p:transition>
-    </mc:Fallback>
-  </mc:AlternateContent>
 </p:sldLayout>
 </file>
 
 <file path=ppt/slideLayouts/slideLayout2.xml><?xml version="1.0" encoding="utf-8"?>
-<p:sldLayout xmlns:a="http://schemas.openxmlformats.org/drawingml/2006/main" xmlns:r="http://schemas.openxmlformats.org/officeDocument/2006/relationships" xmlns:p="http://schemas.openxmlformats.org/presentationml/2006/main" type="obj" preserve="1">
+<p:sldLayout xmlns:a="http://schemas.openxmlformats.org/drawingml/2006/main" xmlns:r="http://schemas.openxmlformats.org/officeDocument/2006/relationships" xmlns:p="http://schemas.openxmlformats.org/presentationml/2006/main" xmlns:m="http://schemas.openxmlformats.org/officeDocument/2006/math" xmlns:w="http://schemas.openxmlformats.org/wordprocessingml/2006/main" matchingName="" preserve="1" showMasterPhAnim="0" type="obj" userDrawn="1">
   <p:cSld name="Title and Content">
     <p:spTree>
       <p:nvGrpSpPr>
@@ -1856,7 +1350,7 @@
         <p:cNvGrpSpPr/>
         <p:nvPr/>
       </p:nvGrpSpPr>
-      <p:grpSpPr>
+      <p:grpSpPr bwMode="auto">
         <a:xfrm>
           <a:off x="0" y="0"/>
           <a:ext cx="0" cy="0"/>
@@ -1874,11 +1368,14 @@
             <p:ph type="title"/>
           </p:nvPr>
         </p:nvSpPr>
-        <p:spPr/>
+        <p:spPr bwMode="auto"/>
         <p:txBody>
           <a:bodyPr/>
           <a:lstStyle/>
           <a:p>
+            <a:pPr>
+              <a:defRPr/>
+            </a:pPr>
             <a:r>
               <a:rPr lang="en-US"/>
               <a:t>Click to edit Master title style</a:t>
@@ -1897,7 +1394,7 @@
             <p:ph idx="1"/>
           </p:nvPr>
         </p:nvSpPr>
-        <p:spPr/>
+        <p:spPr bwMode="auto"/>
         <p:txBody>
           <a:bodyPr/>
           <a:lstStyle>
@@ -1918,35 +1415,49 @@
             </a:lvl9pPr>
           </a:lstStyle>
           <a:p>
-            <a:pPr lvl="0"/>
+            <a:pPr lvl="0">
+              <a:defRPr/>
+            </a:pPr>
             <a:r>
               <a:rPr lang="en-US"/>
               <a:t>Edit Master text styles</a:t>
             </a:r>
-          </a:p>
-          <a:p>
-            <a:pPr lvl="1"/>
+            <a:endParaRPr/>
+          </a:p>
+          <a:p>
+            <a:pPr lvl="1">
+              <a:defRPr/>
+            </a:pPr>
             <a:r>
               <a:rPr lang="en-US"/>
               <a:t>Second level</a:t>
             </a:r>
-          </a:p>
-          <a:p>
-            <a:pPr lvl="2"/>
+            <a:endParaRPr/>
+          </a:p>
+          <a:p>
+            <a:pPr lvl="2">
+              <a:defRPr/>
+            </a:pPr>
             <a:r>
               <a:rPr lang="en-US"/>
               <a:t>Third level</a:t>
             </a:r>
-          </a:p>
-          <a:p>
-            <a:pPr lvl="3"/>
+            <a:endParaRPr/>
+          </a:p>
+          <a:p>
+            <a:pPr lvl="3">
+              <a:defRPr/>
+            </a:pPr>
             <a:r>
               <a:rPr lang="en-US"/>
               <a:t>Fourth level</a:t>
             </a:r>
-          </a:p>
-          <a:p>
-            <a:pPr lvl="4"/>
+            <a:endParaRPr/>
+          </a:p>
+          <a:p>
+            <a:pPr lvl="4">
+              <a:defRPr/>
+            </a:pPr>
             <a:r>
               <a:rPr lang="en-US"/>
               <a:t>Fifth level</a:t>
@@ -1965,15 +1476,19 @@
             <p:ph type="ftr" sz="quarter" idx="11"/>
           </p:nvPr>
         </p:nvSpPr>
-        <p:spPr/>
+        <p:spPr bwMode="auto"/>
         <p:txBody>
           <a:bodyPr/>
           <a:lstStyle/>
           <a:p>
-            <a:r>
-              <a:rPr lang="en-US" dirty="0"/>
+            <a:pPr>
+              <a:defRPr/>
+            </a:pPr>
+            <a:r>
+              <a:rPr lang="en-US"/>
               <a:t>Add a footer</a:t>
             </a:r>
+            <a:endParaRPr/>
           </a:p>
         </p:txBody>
       </p:sp>
@@ -1987,14 +1502,17 @@
             <p:ph type="dt" sz="half" idx="10"/>
           </p:nvPr>
         </p:nvSpPr>
-        <p:spPr/>
+        <p:spPr bwMode="auto"/>
         <p:txBody>
           <a:bodyPr/>
           <a:lstStyle/>
           <a:p>
+            <a:pPr>
+              <a:defRPr/>
+            </a:pPr>
             <a:fld id="{0CC3EA6D-DF0B-4D4B-B359-5F1D1D0E30A4}" type="datetime1">
               <a:rPr lang="en-US"/>
-              <a:t>11/11/2022</a:t>
+              <a:t/>
             </a:fld>
             <a:endParaRPr/>
           </a:p>
@@ -2010,46 +1528,32 @@
             <p:ph type="sldNum" sz="quarter" idx="12"/>
           </p:nvPr>
         </p:nvSpPr>
-        <p:spPr/>
+        <p:spPr bwMode="auto"/>
         <p:txBody>
           <a:bodyPr/>
           <a:lstStyle/>
           <a:p>
+            <a:pPr>
+              <a:defRPr/>
+            </a:pPr>
             <a:fld id="{34C99D79-8A4B-4031-B1E0-AF26F8EDF2BC}" type="slidenum">
               <a:rPr/>
-              <a:t>‹#›</a:t>
+              <a:t/>
             </a:fld>
             <a:endParaRPr/>
           </a:p>
         </p:txBody>
       </p:sp>
     </p:spTree>
-    <p:extLst>
-      <p:ext uri="{BB962C8B-B14F-4D97-AF65-F5344CB8AC3E}">
-        <p14:creationId xmlns:p14="http://schemas.microsoft.com/office/powerpoint/2010/main" val="3435150780"/>
-      </p:ext>
-    </p:extLst>
   </p:cSld>
   <p:clrMapOvr>
     <a:masterClrMapping/>
   </p:clrMapOvr>
-  <mc:AlternateContent xmlns:mc="http://schemas.openxmlformats.org/markup-compatibility/2006" xmlns:p14="http://schemas.microsoft.com/office/powerpoint/2010/main">
-    <mc:Choice Requires="p14">
-      <p:transition spd="med" p14:dur="700">
-        <p:fade/>
-      </p:transition>
-    </mc:Choice>
-    <mc:Fallback xmlns="">
-      <p:transition spd="med">
-        <p:fade/>
-      </p:transition>
-    </mc:Fallback>
-  </mc:AlternateContent>
 </p:sldLayout>
 </file>
 
 <file path=ppt/slideLayouts/slideLayout3.xml><?xml version="1.0" encoding="utf-8"?>
-<p:sldLayout xmlns:a="http://schemas.openxmlformats.org/drawingml/2006/main" xmlns:r="http://schemas.openxmlformats.org/officeDocument/2006/relationships" xmlns:p="http://schemas.openxmlformats.org/presentationml/2006/main" showMasterSp="0" type="secHead" preserve="1">
+<p:sldLayout xmlns:a="http://schemas.openxmlformats.org/drawingml/2006/main" xmlns:r="http://schemas.openxmlformats.org/officeDocument/2006/relationships" xmlns:p="http://schemas.openxmlformats.org/presentationml/2006/main" xmlns:m="http://schemas.openxmlformats.org/officeDocument/2006/math" xmlns:w="http://schemas.openxmlformats.org/wordprocessingml/2006/main" matchingName="" preserve="1" showMasterPhAnim="0" showMasterSp="0" type="secHead" userDrawn="1">
   <p:cSld name="Section Header">
     <p:spTree>
       <p:nvGrpSpPr>
@@ -2057,7 +1561,7 @@
         <p:cNvGrpSpPr/>
         <p:nvPr/>
       </p:nvGrpSpPr>
-      <p:grpSpPr>
+      <p:grpSpPr bwMode="auto">
         <a:xfrm>
           <a:off x="0" y="0"/>
           <a:ext cx="0" cy="0"/>
@@ -2071,12 +1575,12 @@
           <p:cNvGrpSpPr/>
           <p:nvPr/>
         </p:nvGrpSpPr>
-        <p:grpSpPr>
+        <p:grpSpPr bwMode="auto">
           <a:xfrm>
-            <a:off x="0" y="3124415"/>
-            <a:ext cx="1622332" cy="805061"/>
-            <a:chOff x="0" y="2343311"/>
-            <a:chExt cx="1217066" cy="603796"/>
+            <a:off x="0" y="3124414"/>
+            <a:ext cx="1622331" cy="805060"/>
+            <a:chOff x="0" y="2343310"/>
+            <a:chExt cx="1217065" cy="603795"/>
           </a:xfrm>
         </p:grpSpPr>
         <p:sp>
@@ -2085,13 +1589,15 @@
             <p:cNvSpPr/>
             <p:nvPr/>
           </p:nvSpPr>
-          <p:spPr>
+          <p:spPr bwMode="auto">
             <a:xfrm>
-              <a:off x="787514" y="2347123"/>
-              <a:ext cx="429552" cy="599984"/>
+              <a:off x="787513" y="2347122"/>
+              <a:ext cx="429552" cy="599983"/>
             </a:xfrm>
             <a:prstGeom prst="roundRect">
-              <a:avLst/>
+              <a:avLst>
+                <a:gd name="adj" fmla="val 16667"/>
+              </a:avLst>
             </a:prstGeom>
             <a:solidFill>
               <a:schemeClr val="accent3"/>
@@ -2120,7 +1626,9 @@
             <a:bodyPr rtlCol="0" anchor="ctr"/>
             <a:lstStyle/>
             <a:p>
-              <a:pPr algn="ctr"/>
+              <a:pPr algn="ctr">
+                <a:defRPr/>
+              </a:pPr>
               <a:endParaRPr/>
             </a:p>
           </p:txBody>
@@ -2131,13 +1639,15 @@
             <p:cNvSpPr/>
             <p:nvPr/>
           </p:nvSpPr>
-          <p:spPr>
+          <p:spPr bwMode="auto">
             <a:xfrm>
-              <a:off x="286370" y="2347123"/>
-              <a:ext cx="429552" cy="599984"/>
+              <a:off x="286369" y="2347122"/>
+              <a:ext cx="429552" cy="599983"/>
             </a:xfrm>
             <a:prstGeom prst="roundRect">
-              <a:avLst/>
+              <a:avLst>
+                <a:gd name="adj" fmla="val 16667"/>
+              </a:avLst>
             </a:prstGeom>
             <a:solidFill>
               <a:schemeClr val="accent2"/>
@@ -2166,7 +1676,9 @@
             <a:bodyPr rtlCol="0" anchor="ctr"/>
             <a:lstStyle/>
             <a:p>
-              <a:pPr algn="ctr"/>
+              <a:pPr algn="ctr">
+                <a:defRPr/>
+              </a:pPr>
               <a:endParaRPr/>
             </a:p>
           </p:txBody>
@@ -2177,10 +1689,10 @@
             <p:cNvSpPr/>
             <p:nvPr/>
           </p:nvSpPr>
-          <p:spPr>
+          <p:spPr bwMode="auto">
             <a:xfrm rot="5400000">
-              <a:off x="-192604" y="2535915"/>
-              <a:ext cx="599986" cy="214778"/>
+              <a:off x="-192603" y="2535914"/>
+              <a:ext cx="599985" cy="214777"/>
             </a:xfrm>
             <a:prstGeom prst="round2SameRect">
               <a:avLst>
@@ -2215,7 +1727,9 @@
             <a:bodyPr rtlCol="0" anchor="ctr"/>
             <a:lstStyle/>
             <a:p>
-              <a:pPr algn="ctr"/>
+              <a:pPr algn="ctr">
+                <a:defRPr/>
+              </a:pPr>
               <a:endParaRPr/>
             </a:p>
           </p:txBody>
@@ -2227,12 +1741,12 @@
           <p:cNvGrpSpPr/>
           <p:nvPr/>
         </p:nvGrpSpPr>
-        <p:grpSpPr>
+        <p:grpSpPr bwMode="auto">
           <a:xfrm>
             <a:off x="0" y="5409216"/>
-            <a:ext cx="12188825" cy="1462483"/>
-            <a:chOff x="0" y="4056912"/>
-            <a:chExt cx="9144000" cy="1096862"/>
+            <a:ext cx="12188824" cy="1462482"/>
+            <a:chOff x="0" y="4056911"/>
+            <a:chExt cx="9144000" cy="1096861"/>
           </a:xfrm>
         </p:grpSpPr>
         <p:sp>
@@ -2243,8 +1757,8 @@
           </p:nvSpPr>
           <p:spPr bwMode="ltGray">
             <a:xfrm rot="5400000">
-              <a:off x="4119794" y="119293"/>
-              <a:ext cx="904412" cy="9144000"/>
+              <a:off x="4119793" y="119292"/>
+              <a:ext cx="904411" cy="9144000"/>
             </a:xfrm>
             <a:custGeom>
               <a:avLst/>
@@ -2253,7 +1767,7 @@
               <a:cxnLst/>
               <a:rect l="l" t="t" r="r" b="b"/>
               <a:pathLst>
-                <a:path w="904412" h="9144000">
+                <a:path w="904412" h="9144000" fill="norm" stroke="1" extrusionOk="0">
                   <a:moveTo>
                     <a:pt x="0" y="0"/>
                   </a:moveTo>
@@ -2277,7 +1791,7 @@
             </a:custGeom>
             <a:solidFill>
               <a:schemeClr val="tx1">
-                <a:alpha val="8000"/>
+                <a:alpha val="7999"/>
               </a:schemeClr>
             </a:solidFill>
             <a:ln>
@@ -2304,7 +1818,9 @@
             <a:bodyPr rtlCol="0" anchor="ctr"/>
             <a:lstStyle/>
             <a:p>
-              <a:pPr algn="ctr"/>
+              <a:pPr algn="ctr">
+                <a:defRPr/>
+              </a:pPr>
               <a:endParaRPr/>
             </a:p>
           </p:txBody>
@@ -2317,8 +1833,8 @@
           </p:nvSpPr>
           <p:spPr bwMode="ltGray">
             <a:xfrm rot="5400000">
-              <a:off x="4023569" y="33343"/>
-              <a:ext cx="1096862" cy="9144000"/>
+              <a:off x="4023568" y="33342"/>
+              <a:ext cx="1096861" cy="9144000"/>
             </a:xfrm>
             <a:custGeom>
               <a:avLst/>
@@ -2327,7 +1843,7 @@
               <a:cxnLst/>
               <a:rect l="l" t="t" r="r" b="b"/>
               <a:pathLst>
-                <a:path w="1096862" h="9144000">
+                <a:path w="1096862" h="9144000" fill="norm" stroke="1" extrusionOk="0">
                   <a:moveTo>
                     <a:pt x="1096861" y="9136375"/>
                   </a:moveTo>
@@ -2398,7 +1914,9 @@
             <a:bodyPr rtlCol="0" anchor="ctr"/>
             <a:lstStyle/>
             <a:p>
-              <a:pPr lvl="0" algn="ctr"/>
+              <a:pPr lvl="0" algn="ctr">
+                <a:defRPr/>
+              </a:pPr>
               <a:endParaRPr/>
             </a:p>
           </p:txBody>
@@ -2414,10 +1932,10 @@
             <p:ph type="title"/>
           </p:nvPr>
         </p:nvSpPr>
-        <p:spPr>
+        <p:spPr bwMode="auto">
           <a:xfrm>
-            <a:off x="1828324" y="1932518"/>
-            <a:ext cx="9141619" cy="2105367"/>
+            <a:off x="1828323" y="1932517"/>
+            <a:ext cx="9141618" cy="2105366"/>
           </a:xfrm>
         </p:spPr>
         <p:txBody>
@@ -2426,10 +1944,13 @@
           </a:bodyPr>
           <a:lstStyle>
             <a:lvl1pPr algn="l">
-              <a:defRPr sz="6000" b="0" cap="none" baseline="0"/>
+              <a:defRPr sz="6000" b="0" cap="none"/>
             </a:lvl1pPr>
           </a:lstStyle>
           <a:p>
+            <a:pPr>
+              <a:defRPr/>
+            </a:pPr>
             <a:r>
               <a:rPr lang="en-US"/>
               <a:t>Click to edit Master title style</a:t>
@@ -2448,10 +1969,10 @@
             <p:ph type="body" idx="1"/>
           </p:nvPr>
         </p:nvSpPr>
-        <p:spPr>
+        <p:spPr bwMode="auto">
           <a:xfrm>
-            <a:off x="1828324" y="4084264"/>
-            <a:ext cx="9141619" cy="933297"/>
+            <a:off x="1828323" y="4084263"/>
+            <a:ext cx="9141618" cy="933296"/>
           </a:xfrm>
         </p:spPr>
         <p:txBody>
@@ -2551,11 +2072,14 @@
             </a:lvl9pPr>
           </a:lstStyle>
           <a:p>
-            <a:pPr lvl="0"/>
+            <a:pPr lvl="0">
+              <a:defRPr/>
+            </a:pPr>
             <a:r>
               <a:rPr lang="en-US"/>
               <a:t>Edit Master text styles</a:t>
             </a:r>
+            <a:endParaRPr/>
           </a:p>
         </p:txBody>
       </p:sp>
@@ -2569,15 +2093,19 @@
             <p:ph type="ftr" sz="quarter" idx="11"/>
           </p:nvPr>
         </p:nvSpPr>
-        <p:spPr/>
+        <p:spPr bwMode="auto"/>
         <p:txBody>
           <a:bodyPr/>
           <a:lstStyle/>
           <a:p>
-            <a:r>
-              <a:rPr lang="en-US" dirty="0"/>
+            <a:pPr>
+              <a:defRPr/>
+            </a:pPr>
+            <a:r>
+              <a:rPr lang="en-US"/>
               <a:t>Add a footer</a:t>
             </a:r>
+            <a:endParaRPr/>
           </a:p>
         </p:txBody>
       </p:sp>
@@ -2591,14 +2119,17 @@
             <p:ph type="dt" sz="half" idx="10"/>
           </p:nvPr>
         </p:nvSpPr>
-        <p:spPr/>
+        <p:spPr bwMode="auto"/>
         <p:txBody>
           <a:bodyPr/>
           <a:lstStyle/>
           <a:p>
+            <a:pPr>
+              <a:defRPr/>
+            </a:pPr>
             <a:fld id="{977EDB99-15BC-4479-BAC5-1E502E66917A}" type="datetime1">
               <a:rPr lang="en-US"/>
-              <a:t>11/11/2022</a:t>
+              <a:t/>
             </a:fld>
             <a:endParaRPr/>
           </a:p>
@@ -2614,46 +2145,32 @@
             <p:ph type="sldNum" sz="quarter" idx="12"/>
           </p:nvPr>
         </p:nvSpPr>
-        <p:spPr/>
+        <p:spPr bwMode="auto"/>
         <p:txBody>
           <a:bodyPr/>
           <a:lstStyle/>
           <a:p>
+            <a:pPr>
+              <a:defRPr/>
+            </a:pPr>
             <a:fld id="{34C99D79-8A4B-4031-B1E0-AF26F8EDF2BC}" type="slidenum">
               <a:rPr/>
-              <a:t>‹#›</a:t>
+              <a:t/>
             </a:fld>
             <a:endParaRPr/>
           </a:p>
         </p:txBody>
       </p:sp>
     </p:spTree>
-    <p:extLst>
-      <p:ext uri="{BB962C8B-B14F-4D97-AF65-F5344CB8AC3E}">
-        <p14:creationId xmlns:p14="http://schemas.microsoft.com/office/powerpoint/2010/main" val="1435693446"/>
-      </p:ext>
-    </p:extLst>
   </p:cSld>
   <p:clrMapOvr>
     <a:masterClrMapping/>
   </p:clrMapOvr>
-  <mc:AlternateContent xmlns:mc="http://schemas.openxmlformats.org/markup-compatibility/2006" xmlns:p14="http://schemas.microsoft.com/office/powerpoint/2010/main">
-    <mc:Choice Requires="p14">
-      <p:transition spd="med" p14:dur="700">
-        <p:fade/>
-      </p:transition>
-    </mc:Choice>
-    <mc:Fallback xmlns="">
-      <p:transition spd="med">
-        <p:fade/>
-      </p:transition>
-    </mc:Fallback>
-  </mc:AlternateContent>
 </p:sldLayout>
 </file>
 
 <file path=ppt/slideLayouts/slideLayout4.xml><?xml version="1.0" encoding="utf-8"?>
-<p:sldLayout xmlns:a="http://schemas.openxmlformats.org/drawingml/2006/main" xmlns:r="http://schemas.openxmlformats.org/officeDocument/2006/relationships" xmlns:p="http://schemas.openxmlformats.org/presentationml/2006/main" type="twoObj" preserve="1">
+<p:sldLayout xmlns:a="http://schemas.openxmlformats.org/drawingml/2006/main" xmlns:r="http://schemas.openxmlformats.org/officeDocument/2006/relationships" xmlns:p="http://schemas.openxmlformats.org/presentationml/2006/main" xmlns:m="http://schemas.openxmlformats.org/officeDocument/2006/math" xmlns:w="http://schemas.openxmlformats.org/wordprocessingml/2006/main" matchingName="" preserve="1" showMasterPhAnim="0" type="twoObj" userDrawn="1">
   <p:cSld name="Two Content">
     <p:spTree>
       <p:nvGrpSpPr>
@@ -2661,7 +2178,7 @@
         <p:cNvGrpSpPr/>
         <p:nvPr/>
       </p:nvGrpSpPr>
-      <p:grpSpPr>
+      <p:grpSpPr bwMode="auto">
         <a:xfrm>
           <a:off x="0" y="0"/>
           <a:ext cx="0" cy="0"/>
@@ -2679,16 +2196,19 @@
             <p:ph type="title"/>
           </p:nvPr>
         </p:nvSpPr>
-        <p:spPr>
+        <p:spPr bwMode="auto">
           <a:xfrm>
-            <a:off x="1141412" y="152400"/>
-            <a:ext cx="9751060" cy="1295400"/>
+            <a:off x="1141411" y="152399"/>
+            <a:ext cx="9751059" cy="1295399"/>
           </a:xfrm>
         </p:spPr>
         <p:txBody>
           <a:bodyPr/>
           <a:lstStyle/>
           <a:p>
+            <a:pPr>
+              <a:defRPr/>
+            </a:pPr>
             <a:r>
               <a:rPr lang="en-US"/>
               <a:t>Click to edit Master title style</a:t>
@@ -2707,10 +2227,10 @@
             <p:ph sz="half" idx="1"/>
           </p:nvPr>
         </p:nvSpPr>
-        <p:spPr>
+        <p:spPr bwMode="auto">
           <a:xfrm>
-            <a:off x="1141412" y="1600200"/>
-            <a:ext cx="4875530" cy="4572000"/>
+            <a:off x="1141411" y="1600200"/>
+            <a:ext cx="4875529" cy="4572000"/>
           </a:xfrm>
         </p:spPr>
         <p:txBody>
@@ -2747,35 +2267,49 @@
             </a:lvl9pPr>
           </a:lstStyle>
           <a:p>
-            <a:pPr lvl="0"/>
+            <a:pPr lvl="0">
+              <a:defRPr/>
+            </a:pPr>
             <a:r>
               <a:rPr lang="en-US"/>
               <a:t>Edit Master text styles</a:t>
             </a:r>
-          </a:p>
-          <a:p>
-            <a:pPr lvl="1"/>
+            <a:endParaRPr/>
+          </a:p>
+          <a:p>
+            <a:pPr lvl="1">
+              <a:defRPr/>
+            </a:pPr>
             <a:r>
               <a:rPr lang="en-US"/>
               <a:t>Second level</a:t>
             </a:r>
-          </a:p>
-          <a:p>
-            <a:pPr lvl="2"/>
+            <a:endParaRPr/>
+          </a:p>
+          <a:p>
+            <a:pPr lvl="2">
+              <a:defRPr/>
+            </a:pPr>
             <a:r>
               <a:rPr lang="en-US"/>
               <a:t>Third level</a:t>
             </a:r>
-          </a:p>
-          <a:p>
-            <a:pPr lvl="3"/>
+            <a:endParaRPr/>
+          </a:p>
+          <a:p>
+            <a:pPr lvl="3">
+              <a:defRPr/>
+            </a:pPr>
             <a:r>
               <a:rPr lang="en-US"/>
               <a:t>Fourth level</a:t>
             </a:r>
-          </a:p>
-          <a:p>
-            <a:pPr lvl="4"/>
+            <a:endParaRPr/>
+          </a:p>
+          <a:p>
+            <a:pPr lvl="4">
+              <a:defRPr/>
+            </a:pPr>
             <a:r>
               <a:rPr lang="en-US"/>
               <a:t>Fifth level</a:t>
@@ -2794,10 +2328,10 @@
             <p:ph sz="half" idx="2"/>
           </p:nvPr>
         </p:nvSpPr>
-        <p:spPr>
+        <p:spPr bwMode="auto">
           <a:xfrm>
-            <a:off x="6094412" y="1600200"/>
-            <a:ext cx="4875530" cy="4572000"/>
+            <a:off x="6094411" y="1600200"/>
+            <a:ext cx="4875529" cy="4572000"/>
           </a:xfrm>
         </p:spPr>
         <p:txBody>
@@ -2834,35 +2368,49 @@
             </a:lvl9pPr>
           </a:lstStyle>
           <a:p>
-            <a:pPr lvl="0"/>
+            <a:pPr lvl="0">
+              <a:defRPr/>
+            </a:pPr>
             <a:r>
               <a:rPr lang="en-US"/>
               <a:t>Edit Master text styles</a:t>
             </a:r>
-          </a:p>
-          <a:p>
-            <a:pPr lvl="1"/>
+            <a:endParaRPr/>
+          </a:p>
+          <a:p>
+            <a:pPr lvl="1">
+              <a:defRPr/>
+            </a:pPr>
             <a:r>
               <a:rPr lang="en-US"/>
               <a:t>Second level</a:t>
             </a:r>
-          </a:p>
-          <a:p>
-            <a:pPr lvl="2"/>
+            <a:endParaRPr/>
+          </a:p>
+          <a:p>
+            <a:pPr lvl="2">
+              <a:defRPr/>
+            </a:pPr>
             <a:r>
               <a:rPr lang="en-US"/>
               <a:t>Third level</a:t>
             </a:r>
-          </a:p>
-          <a:p>
-            <a:pPr lvl="3"/>
+            <a:endParaRPr/>
+          </a:p>
+          <a:p>
+            <a:pPr lvl="3">
+              <a:defRPr/>
+            </a:pPr>
             <a:r>
               <a:rPr lang="en-US"/>
               <a:t>Fourth level</a:t>
             </a:r>
-          </a:p>
-          <a:p>
-            <a:pPr lvl="4"/>
+            <a:endParaRPr/>
+          </a:p>
+          <a:p>
+            <a:pPr lvl="4">
+              <a:defRPr/>
+            </a:pPr>
             <a:r>
               <a:rPr lang="en-US"/>
               <a:t>Fifth level</a:t>
@@ -2881,15 +2429,19 @@
             <p:ph type="ftr" sz="quarter" idx="11"/>
           </p:nvPr>
         </p:nvSpPr>
-        <p:spPr/>
+        <p:spPr bwMode="auto"/>
         <p:txBody>
           <a:bodyPr/>
           <a:lstStyle/>
           <a:p>
-            <a:r>
-              <a:rPr lang="en-US" dirty="0"/>
+            <a:pPr>
+              <a:defRPr/>
+            </a:pPr>
+            <a:r>
+              <a:rPr lang="en-US"/>
               <a:t>Add a footer</a:t>
             </a:r>
+            <a:endParaRPr/>
           </a:p>
         </p:txBody>
       </p:sp>
@@ -2903,14 +2455,17 @@
             <p:ph type="dt" sz="half" idx="10"/>
           </p:nvPr>
         </p:nvSpPr>
-        <p:spPr/>
+        <p:spPr bwMode="auto"/>
         <p:txBody>
           <a:bodyPr/>
           <a:lstStyle/>
           <a:p>
+            <a:pPr>
+              <a:defRPr/>
+            </a:pPr>
             <a:fld id="{4067C2A3-CD19-48AB-9F64-ECCF75182EDD}" type="datetime1">
               <a:rPr lang="en-US"/>
-              <a:t>11/11/2022</a:t>
+              <a:t/>
             </a:fld>
             <a:endParaRPr/>
           </a:p>
@@ -2926,46 +2481,32 @@
             <p:ph type="sldNum" sz="quarter" idx="12"/>
           </p:nvPr>
         </p:nvSpPr>
-        <p:spPr/>
+        <p:spPr bwMode="auto"/>
         <p:txBody>
           <a:bodyPr/>
           <a:lstStyle/>
           <a:p>
+            <a:pPr>
+              <a:defRPr/>
+            </a:pPr>
             <a:fld id="{34C99D79-8A4B-4031-B1E0-AF26F8EDF2BC}" type="slidenum">
               <a:rPr/>
-              <a:t>‹#›</a:t>
+              <a:t/>
             </a:fld>
             <a:endParaRPr/>
           </a:p>
         </p:txBody>
       </p:sp>
     </p:spTree>
-    <p:extLst>
-      <p:ext uri="{BB962C8B-B14F-4D97-AF65-F5344CB8AC3E}">
-        <p14:creationId xmlns:p14="http://schemas.microsoft.com/office/powerpoint/2010/main" val="1297796297"/>
-      </p:ext>
-    </p:extLst>
   </p:cSld>
   <p:clrMapOvr>
     <a:masterClrMapping/>
   </p:clrMapOvr>
-  <mc:AlternateContent xmlns:mc="http://schemas.openxmlformats.org/markup-compatibility/2006" xmlns:p14="http://schemas.microsoft.com/office/powerpoint/2010/main">
-    <mc:Choice Requires="p14">
-      <p:transition spd="med" p14:dur="700">
-        <p:fade/>
-      </p:transition>
-    </mc:Choice>
-    <mc:Fallback xmlns="">
-      <p:transition spd="med">
-        <p:fade/>
-      </p:transition>
-    </mc:Fallback>
-  </mc:AlternateContent>
 </p:sldLayout>
 </file>
 
 <file path=ppt/slideLayouts/slideLayout5.xml><?xml version="1.0" encoding="utf-8"?>
-<p:sldLayout xmlns:a="http://schemas.openxmlformats.org/drawingml/2006/main" xmlns:r="http://schemas.openxmlformats.org/officeDocument/2006/relationships" xmlns:p="http://schemas.openxmlformats.org/presentationml/2006/main" type="twoTxTwoObj" preserve="1">
+<p:sldLayout xmlns:a="http://schemas.openxmlformats.org/drawingml/2006/main" xmlns:r="http://schemas.openxmlformats.org/officeDocument/2006/relationships" xmlns:p="http://schemas.openxmlformats.org/presentationml/2006/main" xmlns:m="http://schemas.openxmlformats.org/officeDocument/2006/math" xmlns:w="http://schemas.openxmlformats.org/wordprocessingml/2006/main" matchingName="" preserve="1" showMasterPhAnim="0" type="twoTxTwoObj" userDrawn="1">
   <p:cSld name="Comparison">
     <p:spTree>
       <p:nvGrpSpPr>
@@ -2973,7 +2514,7 @@
         <p:cNvGrpSpPr/>
         <p:nvPr/>
       </p:nvGrpSpPr>
-      <p:grpSpPr>
+      <p:grpSpPr bwMode="auto">
         <a:xfrm>
           <a:off x="0" y="0"/>
           <a:ext cx="0" cy="0"/>
@@ -2991,10 +2532,10 @@
             <p:ph type="title"/>
           </p:nvPr>
         </p:nvSpPr>
-        <p:spPr>
+        <p:spPr bwMode="auto">
           <a:xfrm>
-            <a:off x="1141412" y="152400"/>
-            <a:ext cx="9751060" cy="1295400"/>
+            <a:off x="1141411" y="152399"/>
+            <a:ext cx="9751059" cy="1295399"/>
           </a:xfrm>
         </p:spPr>
         <p:txBody>
@@ -3005,6 +2546,9 @@
             </a:lvl1pPr>
           </a:lstStyle>
           <a:p>
+            <a:pPr>
+              <a:defRPr/>
+            </a:pPr>
             <a:r>
               <a:rPr lang="en-US"/>
               <a:t>Click to edit Master title style</a:t>
@@ -3023,10 +2567,10 @@
             <p:ph type="body" idx="1"/>
           </p:nvPr>
         </p:nvSpPr>
-        <p:spPr>
+        <p:spPr bwMode="auto">
           <a:xfrm>
-            <a:off x="1141412" y="1524000"/>
-            <a:ext cx="4875530" cy="816429"/>
+            <a:off x="1141411" y="1523999"/>
+            <a:ext cx="4875529" cy="816428"/>
           </a:xfrm>
         </p:spPr>
         <p:txBody>
@@ -3078,11 +2622,14 @@
             </a:lvl9pPr>
           </a:lstStyle>
           <a:p>
-            <a:pPr lvl="0"/>
+            <a:pPr lvl="0">
+              <a:defRPr/>
+            </a:pPr>
             <a:r>
               <a:rPr lang="en-US"/>
               <a:t>Edit Master text styles</a:t>
             </a:r>
+            <a:endParaRPr/>
           </a:p>
         </p:txBody>
       </p:sp>
@@ -3096,10 +2643,10 @@
             <p:ph sz="half" idx="2"/>
           </p:nvPr>
         </p:nvSpPr>
-        <p:spPr>
+        <p:spPr bwMode="auto">
           <a:xfrm>
-            <a:off x="1141412" y="2413000"/>
-            <a:ext cx="4875530" cy="3759199"/>
+            <a:off x="1141411" y="2412999"/>
+            <a:ext cx="4875529" cy="3759198"/>
           </a:xfrm>
         </p:spPr>
         <p:txBody>
@@ -3129,42 +2676,56 @@
               <a:defRPr sz="2000"/>
             </a:lvl7pPr>
             <a:lvl8pPr>
-              <a:defRPr sz="2000" baseline="0"/>
+              <a:defRPr sz="2000"/>
             </a:lvl8pPr>
             <a:lvl9pPr>
-              <a:defRPr sz="2000" baseline="0"/>
+              <a:defRPr sz="2000"/>
             </a:lvl9pPr>
           </a:lstStyle>
           <a:p>
-            <a:pPr lvl="0"/>
+            <a:pPr lvl="0">
+              <a:defRPr/>
+            </a:pPr>
             <a:r>
               <a:rPr lang="en-US"/>
               <a:t>Edit Master text styles</a:t>
             </a:r>
-          </a:p>
-          <a:p>
-            <a:pPr lvl="1"/>
+            <a:endParaRPr/>
+          </a:p>
+          <a:p>
+            <a:pPr lvl="1">
+              <a:defRPr/>
+            </a:pPr>
             <a:r>
               <a:rPr lang="en-US"/>
               <a:t>Second level</a:t>
             </a:r>
-          </a:p>
-          <a:p>
-            <a:pPr lvl="2"/>
+            <a:endParaRPr/>
+          </a:p>
+          <a:p>
+            <a:pPr lvl="2">
+              <a:defRPr/>
+            </a:pPr>
             <a:r>
               <a:rPr lang="en-US"/>
               <a:t>Third level</a:t>
             </a:r>
-          </a:p>
-          <a:p>
-            <a:pPr lvl="3"/>
+            <a:endParaRPr/>
+          </a:p>
+          <a:p>
+            <a:pPr lvl="3">
+              <a:defRPr/>
+            </a:pPr>
             <a:r>
               <a:rPr lang="en-US"/>
               <a:t>Fourth level</a:t>
             </a:r>
-          </a:p>
-          <a:p>
-            <a:pPr lvl="4"/>
+            <a:endParaRPr/>
+          </a:p>
+          <a:p>
+            <a:pPr lvl="4">
+              <a:defRPr/>
+            </a:pPr>
             <a:r>
               <a:rPr lang="en-US"/>
               <a:t>Fifth level</a:t>
@@ -3183,10 +2744,10 @@
             <p:ph type="body" sz="quarter" idx="3"/>
           </p:nvPr>
         </p:nvSpPr>
-        <p:spPr>
+        <p:spPr bwMode="auto">
           <a:xfrm>
-            <a:off x="6094412" y="1524000"/>
-            <a:ext cx="4875530" cy="816429"/>
+            <a:off x="6094411" y="1523999"/>
+            <a:ext cx="4875529" cy="816428"/>
           </a:xfrm>
         </p:spPr>
         <p:txBody>
@@ -3238,11 +2799,14 @@
             </a:lvl9pPr>
           </a:lstStyle>
           <a:p>
-            <a:pPr lvl="0"/>
+            <a:pPr lvl="0">
+              <a:defRPr/>
+            </a:pPr>
             <a:r>
               <a:rPr lang="en-US"/>
               <a:t>Edit Master text styles</a:t>
             </a:r>
+            <a:endParaRPr/>
           </a:p>
         </p:txBody>
       </p:sp>
@@ -3256,10 +2820,10 @@
             <p:ph sz="quarter" idx="4"/>
           </p:nvPr>
         </p:nvSpPr>
-        <p:spPr>
+        <p:spPr bwMode="auto">
           <a:xfrm>
-            <a:off x="6094412" y="2413000"/>
-            <a:ext cx="4875530" cy="3759199"/>
+            <a:off x="6094411" y="2412999"/>
+            <a:ext cx="4875529" cy="3759198"/>
           </a:xfrm>
         </p:spPr>
         <p:txBody>
@@ -3289,42 +2853,56 @@
               <a:defRPr sz="2000"/>
             </a:lvl7pPr>
             <a:lvl8pPr>
-              <a:defRPr sz="2000" baseline="0"/>
+              <a:defRPr sz="2000"/>
             </a:lvl8pPr>
             <a:lvl9pPr>
-              <a:defRPr sz="2000" baseline="0"/>
+              <a:defRPr sz="2000"/>
             </a:lvl9pPr>
           </a:lstStyle>
           <a:p>
-            <a:pPr lvl="0"/>
+            <a:pPr lvl="0">
+              <a:defRPr/>
+            </a:pPr>
             <a:r>
               <a:rPr lang="en-US"/>
               <a:t>Edit Master text styles</a:t>
             </a:r>
-          </a:p>
-          <a:p>
-            <a:pPr lvl="1"/>
+            <a:endParaRPr/>
+          </a:p>
+          <a:p>
+            <a:pPr lvl="1">
+              <a:defRPr/>
+            </a:pPr>
             <a:r>
               <a:rPr lang="en-US"/>
               <a:t>Second level</a:t>
             </a:r>
-          </a:p>
-          <a:p>
-            <a:pPr lvl="2"/>
+            <a:endParaRPr/>
+          </a:p>
+          <a:p>
+            <a:pPr lvl="2">
+              <a:defRPr/>
+            </a:pPr>
             <a:r>
               <a:rPr lang="en-US"/>
               <a:t>Third level</a:t>
             </a:r>
-          </a:p>
-          <a:p>
-            <a:pPr lvl="3"/>
+            <a:endParaRPr/>
+          </a:p>
+          <a:p>
+            <a:pPr lvl="3">
+              <a:defRPr/>
+            </a:pPr>
             <a:r>
               <a:rPr lang="en-US"/>
               <a:t>Fourth level</a:t>
             </a:r>
-          </a:p>
-          <a:p>
-            <a:pPr lvl="4"/>
+            <a:endParaRPr/>
+          </a:p>
+          <a:p>
+            <a:pPr lvl="4">
+              <a:defRPr/>
+            </a:pPr>
             <a:r>
               <a:rPr lang="en-US"/>
               <a:t>Fifth level</a:t>
@@ -3343,15 +2921,19 @@
             <p:ph type="ftr" sz="quarter" idx="11"/>
           </p:nvPr>
         </p:nvSpPr>
-        <p:spPr/>
+        <p:spPr bwMode="auto"/>
         <p:txBody>
           <a:bodyPr/>
           <a:lstStyle/>
           <a:p>
-            <a:r>
-              <a:rPr lang="en-US" dirty="0"/>
+            <a:pPr>
+              <a:defRPr/>
+            </a:pPr>
+            <a:r>
+              <a:rPr lang="en-US"/>
               <a:t>Add a footer</a:t>
             </a:r>
+            <a:endParaRPr/>
           </a:p>
         </p:txBody>
       </p:sp>
@@ -3365,14 +2947,17 @@
             <p:ph type="dt" sz="half" idx="10"/>
           </p:nvPr>
         </p:nvSpPr>
-        <p:spPr/>
+        <p:spPr bwMode="auto"/>
         <p:txBody>
           <a:bodyPr/>
           <a:lstStyle/>
           <a:p>
+            <a:pPr>
+              <a:defRPr/>
+            </a:pPr>
             <a:fld id="{0363E8C1-7C87-4705-AB97-8CD17D208E3F}" type="datetime1">
               <a:rPr lang="en-US"/>
-              <a:t>11/11/2022</a:t>
+              <a:t/>
             </a:fld>
             <a:endParaRPr/>
           </a:p>
@@ -3388,46 +2973,32 @@
             <p:ph type="sldNum" sz="quarter" idx="12"/>
           </p:nvPr>
         </p:nvSpPr>
-        <p:spPr/>
+        <p:spPr bwMode="auto"/>
         <p:txBody>
           <a:bodyPr/>
           <a:lstStyle/>
           <a:p>
+            <a:pPr>
+              <a:defRPr/>
+            </a:pPr>
             <a:fld id="{34C99D79-8A4B-4031-B1E0-AF26F8EDF2BC}" type="slidenum">
               <a:rPr/>
-              <a:t>‹#›</a:t>
+              <a:t/>
             </a:fld>
             <a:endParaRPr/>
           </a:p>
         </p:txBody>
       </p:sp>
     </p:spTree>
-    <p:extLst>
-      <p:ext uri="{BB962C8B-B14F-4D97-AF65-F5344CB8AC3E}">
-        <p14:creationId xmlns:p14="http://schemas.microsoft.com/office/powerpoint/2010/main" val="487039940"/>
-      </p:ext>
-    </p:extLst>
   </p:cSld>
   <p:clrMapOvr>
     <a:masterClrMapping/>
   </p:clrMapOvr>
-  <mc:AlternateContent xmlns:mc="http://schemas.openxmlformats.org/markup-compatibility/2006" xmlns:p14="http://schemas.microsoft.com/office/powerpoint/2010/main">
-    <mc:Choice Requires="p14">
-      <p:transition spd="med" p14:dur="700">
-        <p:fade/>
-      </p:transition>
-    </mc:Choice>
-    <mc:Fallback xmlns="">
-      <p:transition spd="med">
-        <p:fade/>
-      </p:transition>
-    </mc:Fallback>
-  </mc:AlternateContent>
 </p:sldLayout>
 </file>
 
 <file path=ppt/slideLayouts/slideLayout6.xml><?xml version="1.0" encoding="utf-8"?>
-<p:sldLayout xmlns:a="http://schemas.openxmlformats.org/drawingml/2006/main" xmlns:r="http://schemas.openxmlformats.org/officeDocument/2006/relationships" xmlns:p="http://schemas.openxmlformats.org/presentationml/2006/main" type="titleOnly" preserve="1">
+<p:sldLayout xmlns:a="http://schemas.openxmlformats.org/drawingml/2006/main" xmlns:r="http://schemas.openxmlformats.org/officeDocument/2006/relationships" xmlns:p="http://schemas.openxmlformats.org/presentationml/2006/main" xmlns:m="http://schemas.openxmlformats.org/officeDocument/2006/math" xmlns:w="http://schemas.openxmlformats.org/wordprocessingml/2006/main" matchingName="" preserve="1" showMasterPhAnim="0" type="titleOnly" userDrawn="1">
   <p:cSld name="Title Only">
     <p:spTree>
       <p:nvGrpSpPr>
@@ -3435,7 +3006,7 @@
         <p:cNvGrpSpPr/>
         <p:nvPr/>
       </p:nvGrpSpPr>
-      <p:grpSpPr>
+      <p:grpSpPr bwMode="auto">
         <a:xfrm>
           <a:off x="0" y="0"/>
           <a:ext cx="0" cy="0"/>
@@ -3453,11 +3024,14 @@
             <p:ph type="title"/>
           </p:nvPr>
         </p:nvSpPr>
-        <p:spPr/>
+        <p:spPr bwMode="auto"/>
         <p:txBody>
           <a:bodyPr/>
           <a:lstStyle/>
           <a:p>
+            <a:pPr>
+              <a:defRPr/>
+            </a:pPr>
             <a:r>
               <a:rPr lang="en-US"/>
               <a:t>Click to edit Master title style</a:t>
@@ -3476,15 +3050,19 @@
             <p:ph type="ftr" sz="quarter" idx="11"/>
           </p:nvPr>
         </p:nvSpPr>
-        <p:spPr/>
+        <p:spPr bwMode="auto"/>
         <p:txBody>
           <a:bodyPr/>
           <a:lstStyle/>
           <a:p>
-            <a:r>
-              <a:rPr lang="en-US" dirty="0"/>
+            <a:pPr>
+              <a:defRPr/>
+            </a:pPr>
+            <a:r>
+              <a:rPr lang="en-US"/>
               <a:t>Add a footer</a:t>
             </a:r>
+            <a:endParaRPr/>
           </a:p>
         </p:txBody>
       </p:sp>
@@ -3498,14 +3076,17 @@
             <p:ph type="dt" sz="half" idx="10"/>
           </p:nvPr>
         </p:nvSpPr>
-        <p:spPr/>
+        <p:spPr bwMode="auto"/>
         <p:txBody>
           <a:bodyPr/>
           <a:lstStyle/>
           <a:p>
+            <a:pPr>
+              <a:defRPr/>
+            </a:pPr>
             <a:fld id="{E20C624E-DF92-4841-B9B9-DD11AA239B85}" type="datetime1">
               <a:rPr lang="en-US"/>
-              <a:t>11/11/2022</a:t>
+              <a:t/>
             </a:fld>
             <a:endParaRPr/>
           </a:p>
@@ -3521,46 +3102,32 @@
             <p:ph type="sldNum" sz="quarter" idx="12"/>
           </p:nvPr>
         </p:nvSpPr>
-        <p:spPr/>
+        <p:spPr bwMode="auto"/>
         <p:txBody>
           <a:bodyPr/>
           <a:lstStyle/>
           <a:p>
+            <a:pPr>
+              <a:defRPr/>
+            </a:pPr>
             <a:fld id="{34C99D79-8A4B-4031-B1E0-AF26F8EDF2BC}" type="slidenum">
               <a:rPr/>
-              <a:t>‹#›</a:t>
+              <a:t/>
             </a:fld>
             <a:endParaRPr/>
           </a:p>
         </p:txBody>
       </p:sp>
     </p:spTree>
-    <p:extLst>
-      <p:ext uri="{BB962C8B-B14F-4D97-AF65-F5344CB8AC3E}">
-        <p14:creationId xmlns:p14="http://schemas.microsoft.com/office/powerpoint/2010/main" val="96903192"/>
-      </p:ext>
-    </p:extLst>
   </p:cSld>
   <p:clrMapOvr>
     <a:masterClrMapping/>
   </p:clrMapOvr>
-  <mc:AlternateContent xmlns:mc="http://schemas.openxmlformats.org/markup-compatibility/2006" xmlns:p14="http://schemas.microsoft.com/office/powerpoint/2010/main">
-    <mc:Choice Requires="p14">
-      <p:transition spd="med" p14:dur="700">
-        <p:fade/>
-      </p:transition>
-    </mc:Choice>
-    <mc:Fallback xmlns="">
-      <p:transition spd="med">
-        <p:fade/>
-      </p:transition>
-    </mc:Fallback>
-  </mc:AlternateContent>
 </p:sldLayout>
 </file>
 
 <file path=ppt/slideLayouts/slideLayout7.xml><?xml version="1.0" encoding="utf-8"?>
-<p:sldLayout xmlns:a="http://schemas.openxmlformats.org/drawingml/2006/main" xmlns:r="http://schemas.openxmlformats.org/officeDocument/2006/relationships" xmlns:p="http://schemas.openxmlformats.org/presentationml/2006/main" showMasterSp="0" type="blank" preserve="1">
+<p:sldLayout xmlns:a="http://schemas.openxmlformats.org/drawingml/2006/main" xmlns:r="http://schemas.openxmlformats.org/officeDocument/2006/relationships" xmlns:p="http://schemas.openxmlformats.org/presentationml/2006/main" xmlns:m="http://schemas.openxmlformats.org/officeDocument/2006/math" xmlns:w="http://schemas.openxmlformats.org/wordprocessingml/2006/main" matchingName="" preserve="1" showMasterPhAnim="0" showMasterSp="0" type="blank" userDrawn="1">
   <p:cSld name="Blank">
     <p:spTree>
       <p:nvGrpSpPr>
@@ -3568,7 +3135,7 @@
         <p:cNvGrpSpPr/>
         <p:nvPr/>
       </p:nvGrpSpPr>
-      <p:grpSpPr>
+      <p:grpSpPr bwMode="auto">
         <a:xfrm>
           <a:off x="0" y="0"/>
           <a:ext cx="0" cy="0"/>
@@ -3582,12 +3149,12 @@
           <p:cNvGrpSpPr/>
           <p:nvPr/>
         </p:nvGrpSpPr>
-        <p:grpSpPr>
+        <p:grpSpPr bwMode="auto">
           <a:xfrm>
             <a:off x="0" y="5409216"/>
-            <a:ext cx="12188825" cy="1462483"/>
-            <a:chOff x="0" y="4056912"/>
-            <a:chExt cx="9144000" cy="1096862"/>
+            <a:ext cx="12188824" cy="1462482"/>
+            <a:chOff x="0" y="4056911"/>
+            <a:chExt cx="9144000" cy="1096861"/>
           </a:xfrm>
         </p:grpSpPr>
         <p:sp>
@@ -3598,8 +3165,8 @@
           </p:nvSpPr>
           <p:spPr bwMode="ltGray">
             <a:xfrm rot="5400000">
-              <a:off x="4119794" y="119293"/>
-              <a:ext cx="904412" cy="9144000"/>
+              <a:off x="4119793" y="119292"/>
+              <a:ext cx="904411" cy="9144000"/>
             </a:xfrm>
             <a:custGeom>
               <a:avLst/>
@@ -3608,7 +3175,7 @@
               <a:cxnLst/>
               <a:rect l="l" t="t" r="r" b="b"/>
               <a:pathLst>
-                <a:path w="904412" h="9144000">
+                <a:path w="904412" h="9144000" fill="norm" stroke="1" extrusionOk="0">
                   <a:moveTo>
                     <a:pt x="0" y="0"/>
                   </a:moveTo>
@@ -3632,7 +3199,7 @@
             </a:custGeom>
             <a:solidFill>
               <a:schemeClr val="tx1">
-                <a:alpha val="8000"/>
+                <a:alpha val="7999"/>
               </a:schemeClr>
             </a:solidFill>
             <a:ln>
@@ -3659,7 +3226,9 @@
             <a:bodyPr rtlCol="0" anchor="ctr"/>
             <a:lstStyle/>
             <a:p>
-              <a:pPr algn="ctr"/>
+              <a:pPr algn="ctr">
+                <a:defRPr/>
+              </a:pPr>
               <a:endParaRPr/>
             </a:p>
           </p:txBody>
@@ -3672,8 +3241,8 @@
           </p:nvSpPr>
           <p:spPr bwMode="ltGray">
             <a:xfrm rot="5400000">
-              <a:off x="4023569" y="33343"/>
-              <a:ext cx="1096862" cy="9144000"/>
+              <a:off x="4023568" y="33342"/>
+              <a:ext cx="1096861" cy="9144000"/>
             </a:xfrm>
             <a:custGeom>
               <a:avLst/>
@@ -3682,7 +3251,7 @@
               <a:cxnLst/>
               <a:rect l="l" t="t" r="r" b="b"/>
               <a:pathLst>
-                <a:path w="1096862" h="9144000">
+                <a:path w="1096862" h="9144000" fill="norm" stroke="1" extrusionOk="0">
                   <a:moveTo>
                     <a:pt x="1096861" y="9136375"/>
                   </a:moveTo>
@@ -3753,7 +3322,9 @@
             <a:bodyPr rtlCol="0" anchor="ctr"/>
             <a:lstStyle/>
             <a:p>
-              <a:pPr lvl="0" algn="ctr"/>
+              <a:pPr lvl="0" algn="ctr">
+                <a:defRPr/>
+              </a:pPr>
               <a:endParaRPr/>
             </a:p>
           </p:txBody>
@@ -3769,15 +3340,19 @@
             <p:ph type="ftr" sz="quarter" idx="11"/>
           </p:nvPr>
         </p:nvSpPr>
-        <p:spPr/>
+        <p:spPr bwMode="auto"/>
         <p:txBody>
           <a:bodyPr/>
           <a:lstStyle/>
           <a:p>
-            <a:r>
-              <a:rPr lang="en-US" dirty="0"/>
+            <a:pPr>
+              <a:defRPr/>
+            </a:pPr>
+            <a:r>
+              <a:rPr lang="en-US"/>
               <a:t>Add a footer</a:t>
             </a:r>
+            <a:endParaRPr/>
           </a:p>
         </p:txBody>
       </p:sp>
@@ -3791,14 +3366,17 @@
             <p:ph type="dt" sz="half" idx="10"/>
           </p:nvPr>
         </p:nvSpPr>
-        <p:spPr/>
+        <p:spPr bwMode="auto"/>
         <p:txBody>
           <a:bodyPr/>
           <a:lstStyle/>
           <a:p>
+            <a:pPr>
+              <a:defRPr/>
+            </a:pPr>
             <a:fld id="{FBDA3AE1-4360-4D5B-BDBC-656B872DD533}" type="datetime1">
               <a:rPr lang="en-US"/>
-              <a:t>11/11/2022</a:t>
+              <a:t/>
             </a:fld>
             <a:endParaRPr/>
           </a:p>
@@ -3814,46 +3392,32 @@
             <p:ph type="sldNum" sz="quarter" idx="12"/>
           </p:nvPr>
         </p:nvSpPr>
-        <p:spPr/>
+        <p:spPr bwMode="auto"/>
         <p:txBody>
           <a:bodyPr/>
           <a:lstStyle/>
           <a:p>
+            <a:pPr>
+              <a:defRPr/>
+            </a:pPr>
             <a:fld id="{34C99D79-8A4B-4031-B1E0-AF26F8EDF2BC}" type="slidenum">
               <a:rPr/>
-              <a:t>‹#›</a:t>
+              <a:t/>
             </a:fld>
             <a:endParaRPr/>
           </a:p>
         </p:txBody>
       </p:sp>
     </p:spTree>
-    <p:extLst>
-      <p:ext uri="{BB962C8B-B14F-4D97-AF65-F5344CB8AC3E}">
-        <p14:creationId xmlns:p14="http://schemas.microsoft.com/office/powerpoint/2010/main" val="2225395563"/>
-      </p:ext>
-    </p:extLst>
   </p:cSld>
   <p:clrMapOvr>
     <a:masterClrMapping/>
   </p:clrMapOvr>
-  <mc:AlternateContent xmlns:mc="http://schemas.openxmlformats.org/markup-compatibility/2006" xmlns:p14="http://schemas.microsoft.com/office/powerpoint/2010/main">
-    <mc:Choice Requires="p14">
-      <p:transition spd="med" p14:dur="700">
-        <p:fade/>
-      </p:transition>
-    </mc:Choice>
-    <mc:Fallback xmlns="">
-      <p:transition spd="med">
-        <p:fade/>
-      </p:transition>
-    </mc:Fallback>
-  </mc:AlternateContent>
 </p:sldLayout>
 </file>
 
 <file path=ppt/slideLayouts/slideLayout8.xml><?xml version="1.0" encoding="utf-8"?>
-<p:sldLayout xmlns:a="http://schemas.openxmlformats.org/drawingml/2006/main" xmlns:r="http://schemas.openxmlformats.org/officeDocument/2006/relationships" xmlns:p="http://schemas.openxmlformats.org/presentationml/2006/main" type="objTx" preserve="1">
+<p:sldLayout xmlns:a="http://schemas.openxmlformats.org/drawingml/2006/main" xmlns:r="http://schemas.openxmlformats.org/officeDocument/2006/relationships" xmlns:p="http://schemas.openxmlformats.org/presentationml/2006/main" xmlns:m="http://schemas.openxmlformats.org/officeDocument/2006/math" xmlns:w="http://schemas.openxmlformats.org/wordprocessingml/2006/main" matchingName="" preserve="1" showMasterPhAnim="0" type="objTx" userDrawn="1">
   <p:cSld name="Content with Caption">
     <p:spTree>
       <p:nvGrpSpPr>
@@ -3861,7 +3425,7 @@
         <p:cNvGrpSpPr/>
         <p:nvPr/>
       </p:nvGrpSpPr>
-      <p:grpSpPr>
+      <p:grpSpPr bwMode="auto">
         <a:xfrm>
           <a:off x="0" y="0"/>
           <a:ext cx="0" cy="0"/>
@@ -3879,7 +3443,7 @@
             <p:ph type="title"/>
           </p:nvPr>
         </p:nvSpPr>
-        <p:spPr/>
+        <p:spPr bwMode="auto"/>
         <p:txBody>
           <a:bodyPr anchor="b">
             <a:normAutofit/>
@@ -3890,6 +3454,9 @@
             </a:lvl1pPr>
           </a:lstStyle>
           <a:p>
+            <a:pPr>
+              <a:defRPr/>
+            </a:pPr>
             <a:r>
               <a:rPr lang="en-US"/>
               <a:t>Click to edit Master title style</a:t>
@@ -3908,9 +3475,9 @@
             <p:ph idx="1"/>
           </p:nvPr>
         </p:nvSpPr>
-        <p:spPr>
+        <p:spPr bwMode="auto">
           <a:xfrm>
-            <a:off x="4875530" y="1600200"/>
+            <a:off x="4875529" y="1600200"/>
             <a:ext cx="6094413" cy="4572000"/>
           </a:xfrm>
         </p:spPr>
@@ -3948,35 +3515,49 @@
             </a:lvl9pPr>
           </a:lstStyle>
           <a:p>
-            <a:pPr lvl="0"/>
+            <a:pPr lvl="0">
+              <a:defRPr/>
+            </a:pPr>
             <a:r>
               <a:rPr lang="en-US"/>
               <a:t>Edit Master text styles</a:t>
             </a:r>
-          </a:p>
-          <a:p>
-            <a:pPr lvl="1"/>
+            <a:endParaRPr/>
+          </a:p>
+          <a:p>
+            <a:pPr lvl="1">
+              <a:defRPr/>
+            </a:pPr>
             <a:r>
               <a:rPr lang="en-US"/>
               <a:t>Second level</a:t>
             </a:r>
-          </a:p>
-          <a:p>
-            <a:pPr lvl="2"/>
+            <a:endParaRPr/>
+          </a:p>
+          <a:p>
+            <a:pPr lvl="2">
+              <a:defRPr/>
+            </a:pPr>
             <a:r>
               <a:rPr lang="en-US"/>
               <a:t>Third level</a:t>
             </a:r>
-          </a:p>
-          <a:p>
-            <a:pPr lvl="3"/>
+            <a:endParaRPr/>
+          </a:p>
+          <a:p>
+            <a:pPr lvl="3">
+              <a:defRPr/>
+            </a:pPr>
             <a:r>
               <a:rPr lang="en-US"/>
               <a:t>Fourth level</a:t>
             </a:r>
-          </a:p>
-          <a:p>
-            <a:pPr lvl="4"/>
+            <a:endParaRPr/>
+          </a:p>
+          <a:p>
+            <a:pPr lvl="4">
+              <a:defRPr/>
+            </a:pPr>
             <a:r>
               <a:rPr lang="en-US"/>
               <a:t>Fifth level</a:t>
@@ -3995,10 +3576,10 @@
             <p:ph type="body" sz="half" idx="2"/>
           </p:nvPr>
         </p:nvSpPr>
-        <p:spPr>
+        <p:spPr bwMode="auto">
           <a:xfrm>
-            <a:off x="1218883" y="1600202"/>
-            <a:ext cx="3453500" cy="4571999"/>
+            <a:off x="1218882" y="1600201"/>
+            <a:ext cx="3453499" cy="4571998"/>
           </a:xfrm>
         </p:spPr>
         <p:txBody>
@@ -4050,11 +3631,14 @@
             </a:lvl9pPr>
           </a:lstStyle>
           <a:p>
-            <a:pPr lvl="0"/>
+            <a:pPr lvl="0">
+              <a:defRPr/>
+            </a:pPr>
             <a:r>
               <a:rPr lang="en-US"/>
               <a:t>Edit Master text styles</a:t>
             </a:r>
+            <a:endParaRPr/>
           </a:p>
         </p:txBody>
       </p:sp>
@@ -4068,15 +3652,19 @@
             <p:ph type="ftr" sz="quarter" idx="11"/>
           </p:nvPr>
         </p:nvSpPr>
-        <p:spPr/>
+        <p:spPr bwMode="auto"/>
         <p:txBody>
           <a:bodyPr/>
           <a:lstStyle/>
           <a:p>
-            <a:r>
-              <a:rPr lang="en-US" dirty="0"/>
+            <a:pPr>
+              <a:defRPr/>
+            </a:pPr>
+            <a:r>
+              <a:rPr lang="en-US"/>
               <a:t>Add a footer</a:t>
             </a:r>
+            <a:endParaRPr/>
           </a:p>
         </p:txBody>
       </p:sp>
@@ -4090,14 +3678,17 @@
             <p:ph type="dt" sz="half" idx="10"/>
           </p:nvPr>
         </p:nvSpPr>
-        <p:spPr/>
+        <p:spPr bwMode="auto"/>
         <p:txBody>
           <a:bodyPr/>
           <a:lstStyle/>
           <a:p>
+            <a:pPr>
+              <a:defRPr/>
+            </a:pPr>
             <a:fld id="{20990708-46A4-4851-883E-8DFB8939107E}" type="datetime1">
               <a:rPr lang="en-US"/>
-              <a:t>11/11/2022</a:t>
+              <a:t/>
             </a:fld>
             <a:endParaRPr/>
           </a:p>
@@ -4113,46 +3704,32 @@
             <p:ph type="sldNum" sz="quarter" idx="12"/>
           </p:nvPr>
         </p:nvSpPr>
-        <p:spPr/>
+        <p:spPr bwMode="auto"/>
         <p:txBody>
           <a:bodyPr/>
           <a:lstStyle/>
           <a:p>
+            <a:pPr>
+              <a:defRPr/>
+            </a:pPr>
             <a:fld id="{34C99D79-8A4B-4031-B1E0-AF26F8EDF2BC}" type="slidenum">
               <a:rPr/>
-              <a:t>‹#›</a:t>
+              <a:t/>
             </a:fld>
             <a:endParaRPr/>
           </a:p>
         </p:txBody>
       </p:sp>
     </p:spTree>
-    <p:extLst>
-      <p:ext uri="{BB962C8B-B14F-4D97-AF65-F5344CB8AC3E}">
-        <p14:creationId xmlns:p14="http://schemas.microsoft.com/office/powerpoint/2010/main" val="3483960618"/>
-      </p:ext>
-    </p:extLst>
   </p:cSld>
   <p:clrMapOvr>
     <a:masterClrMapping/>
   </p:clrMapOvr>
-  <mc:AlternateContent xmlns:mc="http://schemas.openxmlformats.org/markup-compatibility/2006" xmlns:p14="http://schemas.microsoft.com/office/powerpoint/2010/main">
-    <mc:Choice Requires="p14">
-      <p:transition spd="med" p14:dur="700">
-        <p:fade/>
-      </p:transition>
-    </mc:Choice>
-    <mc:Fallback xmlns="">
-      <p:transition spd="med">
-        <p:fade/>
-      </p:transition>
-    </mc:Fallback>
-  </mc:AlternateContent>
 </p:sldLayout>
 </file>
 
 <file path=ppt/slideLayouts/slideLayout9.xml><?xml version="1.0" encoding="utf-8"?>
-<p:sldLayout xmlns:a="http://schemas.openxmlformats.org/drawingml/2006/main" xmlns:r="http://schemas.openxmlformats.org/officeDocument/2006/relationships" xmlns:p="http://schemas.openxmlformats.org/presentationml/2006/main" type="picTx" preserve="1">
+<p:sldLayout xmlns:a="http://schemas.openxmlformats.org/drawingml/2006/main" xmlns:r="http://schemas.openxmlformats.org/officeDocument/2006/relationships" xmlns:p="http://schemas.openxmlformats.org/presentationml/2006/main" xmlns:m="http://schemas.openxmlformats.org/officeDocument/2006/math" xmlns:w="http://schemas.openxmlformats.org/wordprocessingml/2006/main" matchingName="" preserve="1" showMasterPhAnim="0" type="picTx" userDrawn="1">
   <p:cSld name="Picture with Caption">
     <p:spTree>
       <p:nvGrpSpPr>
@@ -4160,7 +3737,7 @@
         <p:cNvGrpSpPr/>
         <p:nvPr/>
       </p:nvGrpSpPr>
-      <p:grpSpPr>
+      <p:grpSpPr bwMode="auto">
         <a:xfrm>
           <a:off x="0" y="0"/>
           <a:ext cx="0" cy="0"/>
@@ -4178,7 +3755,7 @@
             <p:ph type="title"/>
           </p:nvPr>
         </p:nvSpPr>
-        <p:spPr/>
+        <p:spPr bwMode="auto"/>
         <p:txBody>
           <a:bodyPr anchor="b">
             <a:normAutofit/>
@@ -4189,6 +3766,9 @@
             </a:lvl1pPr>
           </a:lstStyle>
           <a:p>
+            <a:pPr>
+              <a:defRPr/>
+            </a:pPr>
             <a:r>
               <a:rPr lang="en-US"/>
               <a:t>Click to edit Master title style</a:t>
@@ -4207,10 +3787,10 @@
             <p:ph type="pic" idx="1"/>
           </p:nvPr>
         </p:nvSpPr>
-        <p:spPr>
+        <p:spPr bwMode="auto">
           <a:xfrm>
-            <a:off x="1218887" y="1600200"/>
-            <a:ext cx="6703850" cy="3657600"/>
+            <a:off x="1218886" y="1600200"/>
+            <a:ext cx="6703849" cy="3657600"/>
           </a:xfrm>
           <a:prstGeom prst="roundRect">
             <a:avLst>
@@ -4261,6 +3841,9 @@
             </a:lvl9pPr>
           </a:lstStyle>
           <a:p>
+            <a:pPr>
+              <a:defRPr/>
+            </a:pPr>
             <a:r>
               <a:rPr lang="en-US"/>
               <a:t>Click icon to add picture</a:t>
@@ -4279,10 +3862,10 @@
             <p:ph type="body" sz="half" idx="2"/>
           </p:nvPr>
         </p:nvSpPr>
-        <p:spPr>
+        <p:spPr bwMode="auto">
           <a:xfrm>
-            <a:off x="8125883" y="1600200"/>
-            <a:ext cx="2844059" cy="3759200"/>
+            <a:off x="8125882" y="1600200"/>
+            <a:ext cx="2844058" cy="3759199"/>
           </a:xfrm>
         </p:spPr>
         <p:txBody>
@@ -4334,11 +3917,14 @@
             </a:lvl9pPr>
           </a:lstStyle>
           <a:p>
-            <a:pPr lvl="0"/>
+            <a:pPr lvl="0">
+              <a:defRPr/>
+            </a:pPr>
             <a:r>
               <a:rPr lang="en-US"/>
               <a:t>Edit Master text styles</a:t>
             </a:r>
+            <a:endParaRPr/>
           </a:p>
         </p:txBody>
       </p:sp>
@@ -4352,15 +3938,19 @@
             <p:ph type="ftr" sz="quarter" idx="11"/>
           </p:nvPr>
         </p:nvSpPr>
-        <p:spPr/>
+        <p:spPr bwMode="auto"/>
         <p:txBody>
           <a:bodyPr/>
           <a:lstStyle/>
           <a:p>
-            <a:r>
-              <a:rPr lang="en-US" dirty="0"/>
+            <a:pPr>
+              <a:defRPr/>
+            </a:pPr>
+            <a:r>
+              <a:rPr lang="en-US"/>
               <a:t>Add a footer</a:t>
             </a:r>
+            <a:endParaRPr/>
           </a:p>
         </p:txBody>
       </p:sp>
@@ -4374,14 +3964,17 @@
             <p:ph type="dt" sz="half" idx="10"/>
           </p:nvPr>
         </p:nvSpPr>
-        <p:spPr/>
+        <p:spPr bwMode="auto"/>
         <p:txBody>
           <a:bodyPr/>
           <a:lstStyle/>
           <a:p>
+            <a:pPr>
+              <a:defRPr/>
+            </a:pPr>
             <a:fld id="{AE88EFFC-86AE-4294-A319-CAFC2651994B}" type="datetime1">
               <a:rPr lang="en-US"/>
-              <a:t>11/11/2022</a:t>
+              <a:t/>
             </a:fld>
             <a:endParaRPr/>
           </a:p>
@@ -4397,47 +3990,33 @@
             <p:ph type="sldNum" sz="quarter" idx="12"/>
           </p:nvPr>
         </p:nvSpPr>
-        <p:spPr/>
+        <p:spPr bwMode="auto"/>
         <p:txBody>
           <a:bodyPr/>
           <a:lstStyle/>
           <a:p>
+            <a:pPr>
+              <a:defRPr/>
+            </a:pPr>
             <a:fld id="{34C99D79-8A4B-4031-B1E0-AF26F8EDF2BC}" type="slidenum">
               <a:rPr/>
-              <a:t>‹#›</a:t>
+              <a:t/>
             </a:fld>
             <a:endParaRPr/>
           </a:p>
         </p:txBody>
       </p:sp>
     </p:spTree>
-    <p:extLst>
-      <p:ext uri="{BB962C8B-B14F-4D97-AF65-F5344CB8AC3E}">
-        <p14:creationId xmlns:p14="http://schemas.microsoft.com/office/powerpoint/2010/main" val="1442985026"/>
-      </p:ext>
-    </p:extLst>
   </p:cSld>
   <p:clrMapOvr>
     <a:masterClrMapping/>
   </p:clrMapOvr>
-  <mc:AlternateContent xmlns:mc="http://schemas.openxmlformats.org/markup-compatibility/2006" xmlns:p14="http://schemas.microsoft.com/office/powerpoint/2010/main">
-    <mc:Choice Requires="p14">
-      <p:transition spd="med" p14:dur="700">
-        <p:fade/>
-      </p:transition>
-    </mc:Choice>
-    <mc:Fallback xmlns="">
-      <p:transition spd="med">
-        <p:fade/>
-      </p:transition>
-    </mc:Fallback>
-  </mc:AlternateContent>
 </p:sldLayout>
 </file>
 
 <file path=ppt/slideMasters/slideMaster1.xml><?xml version="1.0" encoding="utf-8"?>
-<p:sldMaster xmlns:a="http://schemas.openxmlformats.org/drawingml/2006/main" xmlns:r="http://schemas.openxmlformats.org/officeDocument/2006/relationships" xmlns:p="http://schemas.openxmlformats.org/presentationml/2006/main">
-  <p:cSld>
+<p:sldMaster xmlns:a="http://schemas.openxmlformats.org/drawingml/2006/main" xmlns:r="http://schemas.openxmlformats.org/officeDocument/2006/relationships" xmlns:p="http://schemas.openxmlformats.org/presentationml/2006/main" xmlns:m="http://schemas.openxmlformats.org/officeDocument/2006/math" xmlns:w="http://schemas.openxmlformats.org/wordprocessingml/2006/main" preserve="0">
+  <p:cSld name="">
     <p:bg>
       <p:bgRef idx="1001">
         <a:schemeClr val="bg1"/>
@@ -4449,7 +4028,7 @@
         <p:cNvGrpSpPr/>
         <p:nvPr/>
       </p:nvGrpSpPr>
-      <p:grpSpPr>
+      <p:grpSpPr bwMode="auto">
         <a:xfrm>
           <a:off x="0" y="0"/>
           <a:ext cx="0" cy="0"/>
@@ -4463,12 +4042,12 @@
           <p:cNvGrpSpPr/>
           <p:nvPr/>
         </p:nvGrpSpPr>
-        <p:grpSpPr>
+        <p:grpSpPr bwMode="auto">
           <a:xfrm>
             <a:off x="0" y="5409216"/>
-            <a:ext cx="12188825" cy="1462483"/>
-            <a:chOff x="0" y="4056912"/>
-            <a:chExt cx="9144000" cy="1096862"/>
+            <a:ext cx="12188824" cy="1462482"/>
+            <a:chOff x="0" y="4056911"/>
+            <a:chExt cx="9144000" cy="1096861"/>
           </a:xfrm>
         </p:grpSpPr>
         <p:sp>
@@ -4479,8 +4058,8 @@
           </p:nvSpPr>
           <p:spPr bwMode="ltGray">
             <a:xfrm rot="5400000">
-              <a:off x="4119794" y="119293"/>
-              <a:ext cx="904412" cy="9144000"/>
+              <a:off x="4119793" y="119292"/>
+              <a:ext cx="904411" cy="9144000"/>
             </a:xfrm>
             <a:custGeom>
               <a:avLst/>
@@ -4489,7 +4068,7 @@
               <a:cxnLst/>
               <a:rect l="l" t="t" r="r" b="b"/>
               <a:pathLst>
-                <a:path w="904412" h="9144000">
+                <a:path w="904412" h="9144000" fill="norm" stroke="1" extrusionOk="0">
                   <a:moveTo>
                     <a:pt x="0" y="0"/>
                   </a:moveTo>
@@ -4513,7 +4092,7 @@
             </a:custGeom>
             <a:solidFill>
               <a:schemeClr val="tx1">
-                <a:alpha val="8000"/>
+                <a:alpha val="7999"/>
               </a:schemeClr>
             </a:solidFill>
             <a:ln>
@@ -4540,7 +4119,9 @@
             <a:bodyPr rtlCol="0" anchor="ctr"/>
             <a:lstStyle/>
             <a:p>
-              <a:pPr algn="ctr"/>
+              <a:pPr algn="ctr">
+                <a:defRPr/>
+              </a:pPr>
               <a:endParaRPr/>
             </a:p>
           </p:txBody>
@@ -4553,8 +4134,8 @@
           </p:nvSpPr>
           <p:spPr bwMode="ltGray">
             <a:xfrm rot="5400000">
-              <a:off x="4023569" y="33343"/>
-              <a:ext cx="1096862" cy="9144000"/>
+              <a:off x="4023568" y="33342"/>
+              <a:ext cx="1096861" cy="9144000"/>
             </a:xfrm>
             <a:custGeom>
               <a:avLst/>
@@ -4563,7 +4144,7 @@
               <a:cxnLst/>
               <a:rect l="l" t="t" r="r" b="b"/>
               <a:pathLst>
-                <a:path w="1096862" h="9144000">
+                <a:path w="1096862" h="9144000" fill="norm" stroke="1" extrusionOk="0">
                   <a:moveTo>
                     <a:pt x="1096861" y="9136375"/>
                   </a:moveTo>
@@ -4634,7 +4215,9 @@
             <a:bodyPr rtlCol="0" anchor="ctr"/>
             <a:lstStyle/>
             <a:p>
-              <a:pPr lvl="0" algn="ctr"/>
+              <a:pPr lvl="0" algn="ctr">
+                <a:defRPr/>
+              </a:pPr>
               <a:endParaRPr/>
             </a:p>
           </p:txBody>
@@ -4646,12 +4229,12 @@
           <p:cNvGrpSpPr/>
           <p:nvPr/>
         </p:nvGrpSpPr>
-        <p:grpSpPr>
+        <p:grpSpPr bwMode="auto">
           <a:xfrm>
-            <a:off x="1" y="800551"/>
-            <a:ext cx="1063023" cy="524183"/>
-            <a:chOff x="0" y="452558"/>
-            <a:chExt cx="914400" cy="524182"/>
+            <a:off x="0" y="800550"/>
+            <a:ext cx="1063022" cy="524182"/>
+            <a:chOff x="0" y="452557"/>
+            <a:chExt cx="914400" cy="524181"/>
           </a:xfrm>
         </p:grpSpPr>
         <p:sp>
@@ -4660,13 +4243,15 @@
             <p:cNvSpPr/>
             <p:nvPr/>
           </p:nvSpPr>
-          <p:spPr>
+          <p:spPr bwMode="auto">
             <a:xfrm>
-              <a:off x="591671" y="452558"/>
-              <a:ext cx="322729" cy="524180"/>
+              <a:off x="591670" y="452557"/>
+              <a:ext cx="322728" cy="524179"/>
             </a:xfrm>
             <a:prstGeom prst="roundRect">
-              <a:avLst/>
+              <a:avLst>
+                <a:gd name="adj" fmla="val 16667"/>
+              </a:avLst>
             </a:prstGeom>
             <a:solidFill>
               <a:schemeClr val="accent3"/>
@@ -4695,7 +4280,9 @@
             <a:bodyPr rtlCol="0" anchor="ctr"/>
             <a:lstStyle/>
             <a:p>
-              <a:pPr algn="ctr"/>
+              <a:pPr algn="ctr">
+                <a:defRPr/>
+              </a:pPr>
               <a:endParaRPr/>
             </a:p>
           </p:txBody>
@@ -4706,13 +4293,15 @@
             <p:cNvSpPr/>
             <p:nvPr/>
           </p:nvSpPr>
-          <p:spPr>
+          <p:spPr bwMode="auto">
             <a:xfrm>
-              <a:off x="215154" y="452558"/>
-              <a:ext cx="322729" cy="524180"/>
+              <a:off x="215154" y="452557"/>
+              <a:ext cx="322728" cy="524179"/>
             </a:xfrm>
             <a:prstGeom prst="roundRect">
-              <a:avLst/>
+              <a:avLst>
+                <a:gd name="adj" fmla="val 16667"/>
+              </a:avLst>
             </a:prstGeom>
             <a:solidFill>
               <a:schemeClr val="accent2"/>
@@ -4741,7 +4330,9 @@
             <a:bodyPr rtlCol="0" anchor="ctr"/>
             <a:lstStyle/>
             <a:p>
-              <a:pPr algn="ctr"/>
+              <a:pPr algn="ctr">
+                <a:defRPr/>
+              </a:pPr>
               <a:endParaRPr/>
             </a:p>
           </p:txBody>
@@ -4752,10 +4343,10 @@
             <p:cNvSpPr/>
             <p:nvPr/>
           </p:nvSpPr>
-          <p:spPr>
+          <p:spPr bwMode="auto">
             <a:xfrm rot="5400000">
-              <a:off x="-181408" y="633966"/>
-              <a:ext cx="524182" cy="161366"/>
+              <a:off x="-181407" y="633965"/>
+              <a:ext cx="524181" cy="161365"/>
             </a:xfrm>
             <a:prstGeom prst="round2SameRect">
               <a:avLst>
@@ -4790,7 +4381,9 @@
             <a:bodyPr rtlCol="0" anchor="ctr"/>
             <a:lstStyle/>
             <a:p>
-              <a:pPr algn="ctr"/>
+              <a:pPr algn="ctr">
+                <a:defRPr/>
+              </a:pPr>
               <a:endParaRPr/>
             </a:p>
           </p:txBody>
@@ -4806,21 +4399,24 @@
             <p:ph type="title"/>
           </p:nvPr>
         </p:nvSpPr>
-        <p:spPr>
+        <p:spPr bwMode="auto">
           <a:xfrm>
-            <a:off x="1218883" y="152400"/>
-            <a:ext cx="9751060" cy="1295400"/>
+            <a:off x="1218882" y="152399"/>
+            <a:ext cx="9751059" cy="1295399"/>
           </a:xfrm>
           <a:prstGeom prst="rect">
             <a:avLst/>
           </a:prstGeom>
         </p:spPr>
         <p:txBody>
-          <a:bodyPr vert="horz" lIns="121899" tIns="60949" rIns="121899" bIns="60949" rtlCol="0" anchor="b">
+          <a:bodyPr vert="horz" lIns="121898" tIns="60949" rIns="121898" bIns="60949" rtlCol="0" anchor="b">
             <a:normAutofit/>
           </a:bodyPr>
           <a:lstStyle/>
           <a:p>
+            <a:pPr>
+              <a:defRPr/>
+            </a:pPr>
             <a:r>
               <a:rPr lang="en-US"/>
               <a:t>Click to edit Master title style</a:t>
@@ -4839,55 +4435,69 @@
             <p:ph type="body" idx="1"/>
           </p:nvPr>
         </p:nvSpPr>
-        <p:spPr>
+        <p:spPr bwMode="auto">
           <a:xfrm>
-            <a:off x="1218883" y="1600200"/>
-            <a:ext cx="9751060" cy="4572000"/>
+            <a:off x="1218882" y="1600200"/>
+            <a:ext cx="9751059" cy="4572000"/>
           </a:xfrm>
           <a:prstGeom prst="rect">
             <a:avLst/>
           </a:prstGeom>
         </p:spPr>
         <p:txBody>
-          <a:bodyPr vert="horz" lIns="121899" tIns="60949" rIns="121899" bIns="60949" rtlCol="0">
+          <a:bodyPr vert="horz" lIns="121898" tIns="60949" rIns="121898" bIns="60949" rtlCol="0">
             <a:normAutofit/>
           </a:bodyPr>
           <a:lstStyle/>
           <a:p>
-            <a:pPr lvl="0"/>
+            <a:pPr lvl="0">
+              <a:defRPr/>
+            </a:pPr>
             <a:r>
               <a:rPr lang="en-US"/>
               <a:t>Edit Master text styles</a:t>
             </a:r>
-          </a:p>
-          <a:p>
-            <a:pPr lvl="1"/>
+            <a:endParaRPr/>
+          </a:p>
+          <a:p>
+            <a:pPr lvl="1">
+              <a:defRPr/>
+            </a:pPr>
             <a:r>
               <a:rPr lang="en-US"/>
               <a:t>Second level</a:t>
             </a:r>
-          </a:p>
-          <a:p>
-            <a:pPr lvl="2"/>
+            <a:endParaRPr/>
+          </a:p>
+          <a:p>
+            <a:pPr lvl="2">
+              <a:defRPr/>
+            </a:pPr>
             <a:r>
               <a:rPr lang="en-US"/>
               <a:t>Third level</a:t>
             </a:r>
-          </a:p>
-          <a:p>
-            <a:pPr lvl="3"/>
+            <a:endParaRPr/>
+          </a:p>
+          <a:p>
+            <a:pPr lvl="3">
+              <a:defRPr/>
+            </a:pPr>
             <a:r>
               <a:rPr lang="en-US"/>
               <a:t>Fourth level</a:t>
             </a:r>
-          </a:p>
-          <a:p>
-            <a:pPr lvl="4"/>
+            <a:endParaRPr/>
+          </a:p>
+          <a:p>
+            <a:pPr lvl="4">
+              <a:defRPr/>
+            </a:pPr>
             <a:r>
               <a:rPr lang="en-US"/>
               <a:t>Fifth level</a:t>
             </a:r>
-            <a:endParaRPr dirty="0"/>
+            <a:endParaRPr/>
           </a:p>
         </p:txBody>
       </p:sp>
@@ -4901,17 +4511,17 @@
             <p:ph type="ftr" sz="quarter" idx="3"/>
           </p:nvPr>
         </p:nvSpPr>
-        <p:spPr>
+        <p:spPr bwMode="auto">
           <a:xfrm>
-            <a:off x="1218883" y="6448425"/>
-            <a:ext cx="8288401" cy="180976"/>
+            <a:off x="1218882" y="6448424"/>
+            <a:ext cx="8288400" cy="180975"/>
           </a:xfrm>
           <a:prstGeom prst="rect">
             <a:avLst/>
           </a:prstGeom>
         </p:spPr>
         <p:txBody>
-          <a:bodyPr vert="horz" lIns="121899" tIns="60949" rIns="121899" bIns="60949" rtlCol="0" anchor="ctr"/>
+          <a:bodyPr vert="horz" lIns="121898" tIns="60949" rIns="121898" bIns="60949" rtlCol="0" anchor="ctr"/>
           <a:lstStyle>
             <a:lvl1pPr algn="l">
               <a:defRPr sz="1200">
@@ -4922,10 +4532,14 @@
             </a:lvl1pPr>
           </a:lstStyle>
           <a:p>
-            <a:r>
-              <a:rPr lang="en-US" dirty="0"/>
+            <a:pPr>
+              <a:defRPr/>
+            </a:pPr>
+            <a:r>
+              <a:rPr lang="en-US"/>
               <a:t>Add a footer</a:t>
             </a:r>
+            <a:endParaRPr/>
           </a:p>
         </p:txBody>
       </p:sp>
@@ -4939,17 +4553,17 @@
             <p:ph type="dt" sz="half" idx="2"/>
           </p:nvPr>
         </p:nvSpPr>
-        <p:spPr>
+        <p:spPr bwMode="auto">
           <a:xfrm>
-            <a:off x="9547913" y="6448425"/>
-            <a:ext cx="1422030" cy="180976"/>
+            <a:off x="9547912" y="6448424"/>
+            <a:ext cx="1422029" cy="180975"/>
           </a:xfrm>
           <a:prstGeom prst="rect">
             <a:avLst/>
           </a:prstGeom>
         </p:spPr>
         <p:txBody>
-          <a:bodyPr vert="horz" lIns="121899" tIns="60949" rIns="121899" bIns="60949" rtlCol="0" anchor="ctr"/>
+          <a:bodyPr vert="horz" lIns="121898" tIns="60949" rIns="121898" bIns="60949" rtlCol="0" anchor="ctr"/>
           <a:lstStyle>
             <a:lvl1pPr algn="r">
               <a:defRPr sz="1200">
@@ -4960,12 +4574,14 @@
             </a:lvl1pPr>
           </a:lstStyle>
           <a:p>
+            <a:pPr>
+              <a:defRPr/>
+            </a:pPr>
             <a:fld id="{D29E8617-6EA8-4B97-A5E8-E18E98765EE2}" type="datetime1">
               <a:rPr lang="en-US"/>
-              <a:pPr/>
-              <a:t>11/11/2022</a:t>
+              <a:t/>
             </a:fld>
-            <a:endParaRPr dirty="0"/>
+            <a:endParaRPr/>
           </a:p>
         </p:txBody>
       </p:sp>
@@ -4979,17 +4595,17 @@
             <p:ph type="sldNum" sz="quarter" idx="4"/>
           </p:nvPr>
         </p:nvSpPr>
-        <p:spPr>
+        <p:spPr bwMode="auto">
           <a:xfrm>
-            <a:off x="11071516" y="6448425"/>
-            <a:ext cx="812588" cy="180976"/>
+            <a:off x="11071515" y="6448424"/>
+            <a:ext cx="812587" cy="180975"/>
           </a:xfrm>
           <a:prstGeom prst="rect">
             <a:avLst/>
           </a:prstGeom>
         </p:spPr>
         <p:txBody>
-          <a:bodyPr vert="horz" lIns="121899" tIns="60949" rIns="121899" bIns="60949" rtlCol="0" anchor="ctr"/>
+          <a:bodyPr vert="horz" lIns="121898" tIns="60949" rIns="121898" bIns="60949" rtlCol="0" anchor="ctr"/>
           <a:lstStyle>
             <a:lvl1pPr algn="r">
               <a:defRPr sz="1200">
@@ -5000,21 +4616,18 @@
             </a:lvl1pPr>
           </a:lstStyle>
           <a:p>
+            <a:pPr>
+              <a:defRPr/>
+            </a:pPr>
             <a:fld id="{34C99D79-8A4B-4031-B1E0-AF26F8EDF2BC}" type="slidenum">
               <a:rPr/>
-              <a:pPr/>
-              <a:t>‹#›</a:t>
+              <a:t/>
             </a:fld>
             <a:endParaRPr/>
           </a:p>
         </p:txBody>
       </p:sp>
     </p:spTree>
-    <p:extLst>
-      <p:ext uri="{BB962C8B-B14F-4D97-AF65-F5344CB8AC3E}">
-        <p14:creationId xmlns:p14="http://schemas.microsoft.com/office/powerpoint/2010/main" val="1782682660"/>
-      </p:ext>
-    </p:extLst>
   </p:cSld>
   <p:clrMap bg1="lt1" tx1="dk1" bg2="lt2" tx2="dk2" accent1="accent1" accent2="accent2" accent3="accent3" accent4="accent4" accent5="accent5" accent6="accent6" hlink="hlink" folHlink="folHlink"/>
   <p:sldLayoutIdLst>
@@ -5030,27 +4643,15 @@
     <p:sldLayoutId id="2147483658" r:id="rId10"/>
     <p:sldLayoutId id="2147483659" r:id="rId11"/>
   </p:sldLayoutIdLst>
-  <mc:AlternateContent xmlns:mc="http://schemas.openxmlformats.org/markup-compatibility/2006" xmlns:p14="http://schemas.microsoft.com/office/powerpoint/2010/main">
-    <mc:Choice Requires="p14">
-      <p:transition spd="med" p14:dur="700">
-        <p:fade/>
-      </p:transition>
-    </mc:Choice>
-    <mc:Fallback xmlns="">
-      <p:transition spd="med">
-        <p:fade/>
-      </p:transition>
-    </mc:Fallback>
-  </mc:AlternateContent>
-  <p:hf sldNum="0" hdr="0" ftr="0" dt="0"/>
+  <p:hf dt="0" ftr="0" hdr="0" sldNum="0"/>
   <p:txStyles>
     <p:titleStyle>
-      <a:lvl1pPr algn="l" defTabSz="1218987" rtl="0" eaLnBrk="1" latinLnBrk="0" hangingPunct="1">
+      <a:lvl1pPr algn="l" defTabSz="1218987">
         <a:spcBef>
-          <a:spcPct val="0"/>
+          <a:spcPts val="0"/>
         </a:spcBef>
         <a:buNone/>
-        <a:defRPr sz="3600" kern="1200">
+        <a:defRPr sz="3600">
           <a:solidFill>
             <a:schemeClr val="tx1"/>
           </a:solidFill>
@@ -5061,7 +4662,7 @@
       </a:lvl1pPr>
     </p:titleStyle>
     <p:bodyStyle>
-      <a:lvl1pPr marL="304747" indent="-304747" algn="l" defTabSz="1218987" rtl="0" eaLnBrk="1" latinLnBrk="0" hangingPunct="1">
+      <a:lvl1pPr marL="304747" indent="-304747" algn="l" defTabSz="1218987">
         <a:lnSpc>
           <a:spcPct val="90000"/>
         </a:lnSpc>
@@ -5073,9 +4674,9 @@
             <a:lumMod val="75000"/>
           </a:schemeClr>
         </a:buClr>
-        <a:buFont typeface="Arial" pitchFamily="34" charset="0"/>
+        <a:buFont typeface="Arial"/>
         <a:buChar char="•"/>
-        <a:defRPr sz="2800" kern="1200">
+        <a:defRPr sz="2800">
           <a:solidFill>
             <a:schemeClr val="tx1"/>
           </a:solidFill>
@@ -5084,7 +4685,7 @@
           <a:cs typeface="+mn-cs"/>
         </a:defRPr>
       </a:lvl1pPr>
-      <a:lvl2pPr marL="755772" indent="-304747" algn="l" defTabSz="1218987" rtl="0" eaLnBrk="1" latinLnBrk="0" hangingPunct="1">
+      <a:lvl2pPr marL="755772" indent="-304747" algn="l" defTabSz="1218987">
         <a:lnSpc>
           <a:spcPct val="90000"/>
         </a:lnSpc>
@@ -5096,9 +4697,9 @@
             <a:lumMod val="75000"/>
           </a:schemeClr>
         </a:buClr>
-        <a:buFont typeface="Arial" pitchFamily="34" charset="0"/>
+        <a:buFont typeface="Arial"/>
         <a:buChar char="–"/>
-        <a:defRPr sz="2400" kern="1200">
+        <a:defRPr sz="2400">
           <a:solidFill>
             <a:schemeClr val="tx1"/>
           </a:solidFill>
@@ -5107,7 +4708,7 @@
           <a:cs typeface="+mn-cs"/>
         </a:defRPr>
       </a:lvl2pPr>
-      <a:lvl3pPr marL="1206797" indent="-304747" algn="l" defTabSz="1218987" rtl="0" eaLnBrk="1" latinLnBrk="0" hangingPunct="1">
+      <a:lvl3pPr marL="1206797" indent="-304747" algn="l" defTabSz="1218987">
         <a:lnSpc>
           <a:spcPct val="90000"/>
         </a:lnSpc>
@@ -5119,9 +4720,9 @@
             <a:lumMod val="75000"/>
           </a:schemeClr>
         </a:buClr>
-        <a:buFont typeface="Arial" pitchFamily="34" charset="0"/>
+        <a:buFont typeface="Arial"/>
         <a:buChar char="•"/>
-        <a:defRPr sz="2000" kern="1200">
+        <a:defRPr sz="2000">
           <a:solidFill>
             <a:schemeClr val="tx1"/>
           </a:solidFill>
@@ -5130,7 +4731,7 @@
           <a:cs typeface="+mn-cs"/>
         </a:defRPr>
       </a:lvl3pPr>
-      <a:lvl4pPr marL="1657822" indent="-304747" algn="l" defTabSz="1218987" rtl="0" eaLnBrk="1" latinLnBrk="0" hangingPunct="1">
+      <a:lvl4pPr marL="1657822" indent="-304747" algn="l" defTabSz="1218987">
         <a:lnSpc>
           <a:spcPct val="90000"/>
         </a:lnSpc>
@@ -5142,9 +4743,9 @@
             <a:lumMod val="75000"/>
           </a:schemeClr>
         </a:buClr>
-        <a:buFont typeface="Arial" pitchFamily="34" charset="0"/>
+        <a:buFont typeface="Arial"/>
         <a:buChar char="•"/>
-        <a:defRPr sz="2000" kern="1200">
+        <a:defRPr sz="2000">
           <a:solidFill>
             <a:schemeClr val="tx1"/>
           </a:solidFill>
@@ -5153,7 +4754,7 @@
           <a:cs typeface="+mn-cs"/>
         </a:defRPr>
       </a:lvl4pPr>
-      <a:lvl5pPr marL="2108847" indent="-304747" algn="l" defTabSz="1218987" rtl="0" eaLnBrk="1" latinLnBrk="0" hangingPunct="1">
+      <a:lvl5pPr marL="2108847" indent="-304747" algn="l" defTabSz="1218987">
         <a:lnSpc>
           <a:spcPct val="90000"/>
         </a:lnSpc>
@@ -5165,9 +4766,9 @@
             <a:lumMod val="75000"/>
           </a:schemeClr>
         </a:buClr>
-        <a:buFont typeface="Arial" pitchFamily="34" charset="0"/>
+        <a:buFont typeface="Arial"/>
         <a:buChar char="•"/>
-        <a:defRPr sz="2000" kern="1200">
+        <a:defRPr sz="2000">
           <a:solidFill>
             <a:schemeClr val="tx1"/>
           </a:solidFill>
@@ -5176,7 +4777,7 @@
           <a:cs typeface="+mn-cs"/>
         </a:defRPr>
       </a:lvl5pPr>
-      <a:lvl6pPr marL="2559872" indent="-304747" algn="l" defTabSz="1218987" rtl="0" eaLnBrk="1" latinLnBrk="0" hangingPunct="1">
+      <a:lvl6pPr marL="2559872" indent="-304747" algn="l" defTabSz="1218987">
         <a:lnSpc>
           <a:spcPct val="90000"/>
         </a:lnSpc>
@@ -5186,9 +4787,9 @@
         <a:buClr>
           <a:schemeClr val="accent1"/>
         </a:buClr>
-        <a:buFont typeface="Arial" pitchFamily="34" charset="0"/>
+        <a:buFont typeface="Arial"/>
         <a:buChar char="•"/>
-        <a:defRPr sz="2000" kern="1200" baseline="0">
+        <a:defRPr sz="2000">
           <a:solidFill>
             <a:schemeClr val="tx1"/>
           </a:solidFill>
@@ -5197,7 +4798,7 @@
           <a:cs typeface="+mn-cs"/>
         </a:defRPr>
       </a:lvl6pPr>
-      <a:lvl7pPr marL="3010897" indent="-304747" algn="l" defTabSz="1218987" rtl="0" eaLnBrk="1" latinLnBrk="0" hangingPunct="1">
+      <a:lvl7pPr marL="3010897" indent="-304747" algn="l" defTabSz="1218987">
         <a:lnSpc>
           <a:spcPct val="90000"/>
         </a:lnSpc>
@@ -5207,9 +4808,9 @@
         <a:buClr>
           <a:schemeClr val="accent1"/>
         </a:buClr>
-        <a:buFont typeface="Arial" pitchFamily="34" charset="0"/>
+        <a:buFont typeface="Arial"/>
         <a:buChar char="•"/>
-        <a:defRPr sz="2000" kern="1200" baseline="0">
+        <a:defRPr sz="2000">
           <a:solidFill>
             <a:schemeClr val="tx1"/>
           </a:solidFill>
@@ -5218,7 +4819,7 @@
           <a:cs typeface="+mn-cs"/>
         </a:defRPr>
       </a:lvl7pPr>
-      <a:lvl8pPr marL="3461922" indent="-304747" algn="l" defTabSz="1218987" rtl="0" eaLnBrk="1" latinLnBrk="0" hangingPunct="1">
+      <a:lvl8pPr marL="3461922" indent="-304747" algn="l" defTabSz="1218987">
         <a:lnSpc>
           <a:spcPct val="90000"/>
         </a:lnSpc>
@@ -5228,9 +4829,9 @@
         <a:buClr>
           <a:schemeClr val="accent1"/>
         </a:buClr>
-        <a:buFont typeface="Arial" pitchFamily="34" charset="0"/>
+        <a:buFont typeface="Arial"/>
         <a:buChar char="•"/>
-        <a:defRPr sz="2000" kern="1200" baseline="0">
+        <a:defRPr sz="2000">
           <a:solidFill>
             <a:schemeClr val="tx1"/>
           </a:solidFill>
@@ -5239,7 +4840,7 @@
           <a:cs typeface="+mn-cs"/>
         </a:defRPr>
       </a:lvl8pPr>
-      <a:lvl9pPr marL="3912947" indent="-304747" algn="l" defTabSz="1218987" rtl="0" eaLnBrk="1" latinLnBrk="0" hangingPunct="1">
+      <a:lvl9pPr marL="3912947" indent="-304747" algn="l" defTabSz="1218987">
         <a:lnSpc>
           <a:spcPct val="90000"/>
         </a:lnSpc>
@@ -5249,9 +4850,9 @@
         <a:buClr>
           <a:schemeClr val="accent1"/>
         </a:buClr>
-        <a:buFont typeface="Arial" pitchFamily="34" charset="0"/>
+        <a:buFont typeface="Arial"/>
         <a:buChar char="•"/>
-        <a:defRPr sz="2000" kern="1200" baseline="0">
+        <a:defRPr sz="2000">
           <a:solidFill>
             <a:schemeClr val="tx1"/>
           </a:solidFill>
@@ -5265,8 +4866,8 @@
       <a:defPPr>
         <a:defRPr/>
       </a:defPPr>
-      <a:lvl1pPr marL="0" algn="l" defTabSz="1218987" rtl="0" eaLnBrk="1" latinLnBrk="0" hangingPunct="1">
-        <a:defRPr sz="2400" kern="1200">
+      <a:lvl1pPr marL="0" algn="l" defTabSz="1218987">
+        <a:defRPr sz="2400">
           <a:solidFill>
             <a:schemeClr val="tx1"/>
           </a:solidFill>
@@ -5275,8 +4876,8 @@
           <a:cs typeface="+mn-cs"/>
         </a:defRPr>
       </a:lvl1pPr>
-      <a:lvl2pPr marL="609493" algn="l" defTabSz="1218987" rtl="0" eaLnBrk="1" latinLnBrk="0" hangingPunct="1">
-        <a:defRPr sz="2400" kern="1200">
+      <a:lvl2pPr marL="609493" algn="l" defTabSz="1218987">
+        <a:defRPr sz="2400">
           <a:solidFill>
             <a:schemeClr val="tx1"/>
           </a:solidFill>
@@ -5285,8 +4886,8 @@
           <a:cs typeface="+mn-cs"/>
         </a:defRPr>
       </a:lvl2pPr>
-      <a:lvl3pPr marL="1218987" algn="l" defTabSz="1218987" rtl="0" eaLnBrk="1" latinLnBrk="0" hangingPunct="1">
-        <a:defRPr sz="2400" kern="1200">
+      <a:lvl3pPr marL="1218987" algn="l" defTabSz="1218987">
+        <a:defRPr sz="2400">
           <a:solidFill>
             <a:schemeClr val="tx1"/>
           </a:solidFill>
@@ -5295,8 +4896,8 @@
           <a:cs typeface="+mn-cs"/>
         </a:defRPr>
       </a:lvl3pPr>
-      <a:lvl4pPr marL="1828480" algn="l" defTabSz="1218987" rtl="0" eaLnBrk="1" latinLnBrk="0" hangingPunct="1">
-        <a:defRPr sz="2400" kern="1200">
+      <a:lvl4pPr marL="1828480" algn="l" defTabSz="1218987">
+        <a:defRPr sz="2400">
           <a:solidFill>
             <a:schemeClr val="tx1"/>
           </a:solidFill>
@@ -5305,8 +4906,8 @@
           <a:cs typeface="+mn-cs"/>
         </a:defRPr>
       </a:lvl4pPr>
-      <a:lvl5pPr marL="2437973" algn="l" defTabSz="1218987" rtl="0" eaLnBrk="1" latinLnBrk="0" hangingPunct="1">
-        <a:defRPr sz="2400" kern="1200">
+      <a:lvl5pPr marL="2437973" algn="l" defTabSz="1218987">
+        <a:defRPr sz="2400">
           <a:solidFill>
             <a:schemeClr val="tx1"/>
           </a:solidFill>
@@ -5315,8 +4916,8 @@
           <a:cs typeface="+mn-cs"/>
         </a:defRPr>
       </a:lvl5pPr>
-      <a:lvl6pPr marL="3047467" algn="l" defTabSz="1218987" rtl="0" eaLnBrk="1" latinLnBrk="0" hangingPunct="1">
-        <a:defRPr sz="2400" kern="1200">
+      <a:lvl6pPr marL="3047467" algn="l" defTabSz="1218987">
+        <a:defRPr sz="2400">
           <a:solidFill>
             <a:schemeClr val="tx1"/>
           </a:solidFill>
@@ -5325,8 +4926,8 @@
           <a:cs typeface="+mn-cs"/>
         </a:defRPr>
       </a:lvl6pPr>
-      <a:lvl7pPr marL="3656960" algn="l" defTabSz="1218987" rtl="0" eaLnBrk="1" latinLnBrk="0" hangingPunct="1">
-        <a:defRPr sz="2400" kern="1200">
+      <a:lvl7pPr marL="3656960" algn="l" defTabSz="1218987">
+        <a:defRPr sz="2400">
           <a:solidFill>
             <a:schemeClr val="tx1"/>
           </a:solidFill>
@@ -5335,8 +4936,8 @@
           <a:cs typeface="+mn-cs"/>
         </a:defRPr>
       </a:lvl7pPr>
-      <a:lvl8pPr marL="4266453" algn="l" defTabSz="1218987" rtl="0" eaLnBrk="1" latinLnBrk="0" hangingPunct="1">
-        <a:defRPr sz="2400" kern="1200">
+      <a:lvl8pPr marL="4266453" algn="l" defTabSz="1218987">
+        <a:defRPr sz="2400">
           <a:solidFill>
             <a:schemeClr val="tx1"/>
           </a:solidFill>
@@ -5345,8 +4946,8 @@
           <a:cs typeface="+mn-cs"/>
         </a:defRPr>
       </a:lvl8pPr>
-      <a:lvl9pPr marL="4875947" algn="l" defTabSz="1218987" rtl="0" eaLnBrk="1" latinLnBrk="0" hangingPunct="1">
-        <a:defRPr sz="2400" kern="1200">
+      <a:lvl9pPr marL="4875947" algn="l" defTabSz="1218987">
+        <a:defRPr sz="2400">
           <a:solidFill>
             <a:schemeClr val="tx1"/>
           </a:solidFill>
@@ -5357,30 +4958,14 @@
       </a:lvl9pPr>
     </p:otherStyle>
   </p:txStyles>
-  <p:extLst>
-    <p:ext uri="{27BBF7A9-308A-43DC-89C8-2F10F3537804}">
-      <p15:sldGuideLst xmlns:p15="http://schemas.microsoft.com/office/powerpoint/2012/main">
-        <p15:guide id="1" orient="horz" pos="2160" userDrawn="1">
-          <p15:clr>
-            <a:srgbClr val="F26B43"/>
-          </p15:clr>
-        </p15:guide>
-        <p15:guide id="2" pos="3839" userDrawn="1">
-          <p15:clr>
-            <a:srgbClr val="F26B43"/>
-          </p15:clr>
-        </p15:guide>
-      </p15:sldGuideLst>
-    </p:ext>
-  </p:extLst>
 </p:sldMaster>
 </file>
 
 <file path=ppt/slides/slide1.xml><?xml version="1.0" encoding="utf-8"?>
-<p:sld xmlns:a="http://schemas.openxmlformats.org/drawingml/2006/main" xmlns:r="http://schemas.openxmlformats.org/officeDocument/2006/relationships" xmlns:p="http://schemas.openxmlformats.org/presentationml/2006/main">
-  <p:cSld>
+<p:sld xmlns:a="http://schemas.openxmlformats.org/drawingml/2006/main" xmlns:r="http://schemas.openxmlformats.org/officeDocument/2006/relationships" xmlns:p="http://schemas.openxmlformats.org/presentationml/2006/main" xmlns:m="http://schemas.openxmlformats.org/officeDocument/2006/math" xmlns:w="http://schemas.openxmlformats.org/wordprocessingml/2006/main" showMasterPhAnim="0" show="1">
+  <p:cSld name="">
     <p:bg>
-      <p:bgPr>
+      <p:bgPr shadeToTitle="0">
         <a:gradFill>
           <a:gsLst>
             <a:gs pos="0">
@@ -5398,11 +4983,8 @@
               </a:schemeClr>
             </a:gs>
           </a:gsLst>
-          <a:path path="circle">
-            <a:fillToRect l="50000" t="50000" r="100000" b="100000"/>
-          </a:path>
+          <a:path path="circle"/>
         </a:gradFill>
-        <a:effectLst/>
       </p:bgPr>
     </p:bg>
     <p:spTree>
@@ -5411,7 +4993,7 @@
         <p:cNvGrpSpPr/>
         <p:nvPr/>
       </p:nvGrpSpPr>
-      <p:grpSpPr>
+      <p:grpSpPr bwMode="auto">
         <a:xfrm>
           <a:off x="0" y="0"/>
           <a:ext cx="0" cy="0"/>
@@ -5429,20 +5011,24 @@
             <p:ph type="ctrTitle"/>
           </p:nvPr>
         </p:nvSpPr>
-        <p:spPr>
+        <p:spPr bwMode="auto">
           <a:xfrm>
-            <a:off x="10134" y="152400"/>
-            <a:ext cx="10427677" cy="838200"/>
+            <a:off x="10133" y="152400"/>
+            <a:ext cx="10427676" cy="838200"/>
           </a:xfrm>
         </p:spPr>
         <p:txBody>
           <a:bodyPr/>
           <a:lstStyle/>
           <a:p>
-            <a:r>
-              <a:rPr lang="en-IN" b="1" dirty="0"/>
+            <a:pPr>
+              <a:defRPr/>
+            </a:pPr>
+            <a:r>
+              <a:rPr lang="en-IN" b="1"/>
               <a:t>C Programming</a:t>
             </a:r>
+            <a:endParaRPr/>
           </a:p>
         </p:txBody>
       </p:sp>
@@ -5450,59 +5036,43 @@
         <p:nvGraphicFramePr>
           <p:cNvPr id="4" name="Table 3"/>
           <p:cNvGraphicFramePr>
-            <a:graphicFrameLocks noGrp="1"/>
+            <a:graphicFrameLocks xmlns:a="http://schemas.openxmlformats.org/drawingml/2006/main" noGrp="1"/>
           </p:cNvGraphicFramePr>
-          <p:nvPr>
-            <p:extLst>
-              <p:ext uri="{D42A27DB-BD31-4B8C-83A1-F6EECF244321}">
-                <p14:modId xmlns:p14="http://schemas.microsoft.com/office/powerpoint/2010/main" val="309851401"/>
-              </p:ext>
-            </p:extLst>
-          </p:nvPr>
+          <p:nvPr/>
         </p:nvGraphicFramePr>
         <p:xfrm>
           <a:off x="455612" y="2209800"/>
-          <a:ext cx="11041040" cy="2035997"/>
+          <a:ext cx="11041039" cy="2035997"/>
         </p:xfrm>
         <a:graphic>
           <a:graphicData uri="http://schemas.openxmlformats.org/drawingml/2006/table">
             <a:tbl>
-              <a:tblPr firstRow="1" bandRow="1">
+              <a:tblPr firstRow="1" firstCol="0" lastRow="0" lastCol="0" bandRow="1" bandCol="0">
                 <a:tableStyleId>{EB9631B5-78F2-41C9-869B-9F39066F8104}</a:tableStyleId>
               </a:tblPr>
               <a:tblGrid>
-                <a:gridCol w="5520520">
-                  <a:extLst>
-                    <a:ext uri="{9D8B030D-6E8A-4147-A177-3AD203B41FA5}">
-                      <a16:colId xmlns:a16="http://schemas.microsoft.com/office/drawing/2014/main" val="20000"/>
-                    </a:ext>
-                  </a:extLst>
-                </a:gridCol>
-                <a:gridCol w="5520520">
-                  <a:extLst>
-                    <a:ext uri="{9D8B030D-6E8A-4147-A177-3AD203B41FA5}">
-                      <a16:colId xmlns:a16="http://schemas.microsoft.com/office/drawing/2014/main" val="535546998"/>
-                    </a:ext>
-                  </a:extLst>
-                </a:gridCol>
+                <a:gridCol w="5520519"/>
+                <a:gridCol w="5520519"/>
               </a:tblGrid>
               <a:tr h="419909">
                 <a:tc gridSpan="2">
                   <a:txBody>
                     <a:bodyPr/>
-                    <a:lstStyle/>
                     <a:p>
-                      <a:pPr algn="ctr"/>
+                      <a:pPr algn="ctr">
+                        <a:defRPr/>
+                      </a:pPr>
                       <a:r>
-                        <a:rPr lang="en-US" sz="2400" dirty="0">
+                        <a:rPr lang="en-US" sz="2400">
                           <a:solidFill>
                             <a:schemeClr val="tx1"/>
                           </a:solidFill>
-                          <a:latin typeface="Verdana" panose="020B0604030504040204" pitchFamily="34" charset="0"/>
-                          <a:ea typeface="Verdana" panose="020B0604030504040204" pitchFamily="34" charset="0"/>
+                          <a:latin typeface="Verdana"/>
+                          <a:ea typeface="Verdana"/>
                         </a:rPr>
                         <a:t>Union</a:t>
                       </a:r>
+                      <a:endParaRPr/>
                     </a:p>
                   </a:txBody>
                   <a:tcPr anchor="ctr"/>
@@ -5510,26 +5080,18 @@
                 <a:tc hMerge="1">
                   <a:txBody>
                     <a:bodyPr/>
-                    <a:lstStyle/>
                     <a:p>
-                      <a:endParaRPr lang="en-US"/>
+                      <a:endParaRPr/>
                     </a:p>
                   </a:txBody>
-                  <a:tcPr/>
                 </a:tc>
-                <a:extLst>
-                  <a:ext uri="{0D108BD9-81ED-4DB2-BD59-A6C34878D82A}">
-                    <a16:rowId xmlns:a16="http://schemas.microsoft.com/office/drawing/2014/main" val="10000"/>
-                  </a:ext>
-                </a:extLst>
               </a:tr>
               <a:tr h="755837">
                 <a:tc>
                   <a:txBody>
                     <a:bodyPr/>
-                    <a:lstStyle/>
                     <a:p>
-                      <a:pPr marL="285750" marR="0" lvl="0" indent="-285750" algn="l" defTabSz="914400" rtl="0" eaLnBrk="1" fontAlgn="auto" latinLnBrk="0" hangingPunct="1">
+                      <a:pPr marL="285750" marR="0" lvl="0" indent="-285750" algn="l" defTabSz="914400">
                         <a:lnSpc>
                           <a:spcPct val="100000"/>
                         </a:lnSpc>
@@ -5541,13 +5103,12 @@
                         </a:spcAft>
                         <a:buClrTx/>
                         <a:buSzTx/>
-                        <a:buFont typeface="Wingdings" panose="05000000000000000000" pitchFamily="2" charset="2"/>
+                        <a:buFont typeface="Wingdings"/>
                         <a:buChar char="Ø"/>
-                        <a:tabLst/>
                         <a:defRPr/>
                       </a:pPr>
                       <a:r>
-                        <a:rPr lang="en-US" sz="2400" b="1" kern="1200" dirty="0">
+                        <a:rPr lang="en-US" sz="2400" b="1">
                           <a:solidFill>
                             <a:schemeClr val="dk1"/>
                           </a:solidFill>
@@ -5557,6 +5118,7 @@
                         </a:rPr>
                         <a:t>What is Union</a:t>
                       </a:r>
+                      <a:endParaRPr/>
                     </a:p>
                   </a:txBody>
                   <a:tcPr anchor="ctr"/>
@@ -5564,9 +5126,8 @@
                 <a:tc>
                   <a:txBody>
                     <a:bodyPr/>
-                    <a:lstStyle/>
                     <a:p>
-                      <a:pPr marL="285750" marR="0" lvl="0" indent="-285750" algn="l" defTabSz="914400" rtl="0" eaLnBrk="1" fontAlgn="auto" latinLnBrk="0" hangingPunct="1">
+                      <a:pPr marL="285750" marR="0" lvl="0" indent="-285750" algn="l" defTabSz="914400">
                         <a:lnSpc>
                           <a:spcPct val="100000"/>
                         </a:lnSpc>
@@ -5578,13 +5139,12 @@
                         </a:spcAft>
                         <a:buClrTx/>
                         <a:buSzTx/>
-                        <a:buFont typeface="Wingdings" panose="05000000000000000000" pitchFamily="2" charset="2"/>
+                        <a:buFont typeface="Wingdings"/>
                         <a:buChar char="Ø"/>
-                        <a:tabLst/>
                         <a:defRPr/>
                       </a:pPr>
                       <a:r>
-                        <a:rPr lang="en-US" sz="2400" b="1" kern="1200" dirty="0">
+                        <a:rPr lang="en-US" sz="2400" b="1">
                           <a:solidFill>
                             <a:schemeClr val="dk1"/>
                           </a:solidFill>
@@ -5594,23 +5154,18 @@
                         </a:rPr>
                         <a:t>Declare and initialize Union</a:t>
                       </a:r>
+                      <a:endParaRPr/>
                     </a:p>
                   </a:txBody>
                   <a:tcPr anchor="ctr"/>
                 </a:tc>
-                <a:extLst>
-                  <a:ext uri="{0D108BD9-81ED-4DB2-BD59-A6C34878D82A}">
-                    <a16:rowId xmlns:a16="http://schemas.microsoft.com/office/drawing/2014/main" val="10001"/>
-                  </a:ext>
-                </a:extLst>
               </a:tr>
               <a:tr h="755837">
                 <a:tc>
                   <a:txBody>
                     <a:bodyPr/>
-                    <a:lstStyle/>
                     <a:p>
-                      <a:pPr marL="285750" marR="0" lvl="0" indent="-285750" algn="l" defTabSz="914400" rtl="0" eaLnBrk="1" fontAlgn="auto" latinLnBrk="0" hangingPunct="1">
+                      <a:pPr marL="285750" marR="0" lvl="0" indent="-285750" algn="l" defTabSz="914400">
                         <a:lnSpc>
                           <a:spcPct val="100000"/>
                         </a:lnSpc>
@@ -5622,15 +5177,15 @@
                         </a:spcAft>
                         <a:buClrTx/>
                         <a:buSzTx/>
-                        <a:buFont typeface="Wingdings" panose="05000000000000000000" pitchFamily="2" charset="2"/>
+                        <a:buFont typeface="Wingdings"/>
                         <a:buChar char="Ø"/>
-                        <a:tabLst/>
                         <a:defRPr/>
                       </a:pPr>
                       <a:r>
-                        <a:rPr lang="en-US" sz="2400" b="1" dirty="0"/>
+                        <a:rPr lang="en-US" sz="2400" b="1"/>
                         <a:t>Access Union member</a:t>
                       </a:r>
+                      <a:endParaRPr/>
                     </a:p>
                   </a:txBody>
                   <a:tcPr anchor="ctr"/>
@@ -5638,9 +5193,8 @@
                 <a:tc>
                   <a:txBody>
                     <a:bodyPr/>
-                    <a:lstStyle/>
                     <a:p>
-                      <a:pPr marL="285750" marR="0" lvl="0" indent="-285750" algn="l" defTabSz="914400" rtl="0" eaLnBrk="1" fontAlgn="auto" latinLnBrk="0" hangingPunct="1">
+                      <a:pPr marL="285750" marR="0" lvl="0" indent="-285750" algn="l" defTabSz="914400">
                         <a:lnSpc>
                           <a:spcPct val="100000"/>
                         </a:lnSpc>
@@ -5652,13 +5206,12 @@
                         </a:spcAft>
                         <a:buClrTx/>
                         <a:buSzTx/>
-                        <a:buFont typeface="Wingdings" panose="05000000000000000000" pitchFamily="2" charset="2"/>
+                        <a:buFont typeface="Wingdings"/>
                         <a:buChar char="Ø"/>
-                        <a:tabLst/>
                         <a:defRPr/>
                       </a:pPr>
                       <a:r>
-                        <a:rPr lang="en-US" sz="2400" b="1" kern="1200" dirty="0">
+                        <a:rPr lang="en-US" sz="2400" b="1">
                           <a:solidFill>
                             <a:schemeClr val="dk1"/>
                           </a:solidFill>
@@ -5668,15 +5221,11 @@
                         </a:rPr>
                         <a:t>Differences between Structure &amp; Union</a:t>
                       </a:r>
+                      <a:endParaRPr/>
                     </a:p>
                   </a:txBody>
                   <a:tcPr anchor="ctr"/>
                 </a:tc>
-                <a:extLst>
-                  <a:ext uri="{0D108BD9-81ED-4DB2-BD59-A6C34878D82A}">
-                    <a16:rowId xmlns:a16="http://schemas.microsoft.com/office/drawing/2014/main" val="932317370"/>
-                  </a:ext>
-                </a:extLst>
               </a:tr>
             </a:tbl>
           </a:graphicData>
@@ -5688,10 +5237,10 @@
           <p:cNvSpPr txBox="1"/>
           <p:nvPr/>
         </p:nvSpPr>
-        <p:spPr>
+        <p:spPr bwMode="auto">
           <a:xfrm>
-            <a:off x="1827212" y="1272879"/>
-            <a:ext cx="3179075" cy="523220"/>
+            <a:off x="1827211" y="1272879"/>
+            <a:ext cx="3048346" cy="518519"/>
           </a:xfrm>
           <a:prstGeom prst="rect">
             <a:avLst/>
@@ -5707,40 +5256,37 @@
           </a:bodyPr>
           <a:lstStyle/>
           <a:p>
-            <a:pPr defTabSz="914400"/>
-            <a:r>
-              <a:rPr lang="en-US" altLang="zh-CN" sz="2800" b="1" dirty="0">
+            <a:pPr defTabSz="914400">
+              <a:defRPr/>
+            </a:pPr>
+            <a:r>
+              <a:rPr lang="en-US" sz="2800" b="1">
                 <a:solidFill>
                   <a:srgbClr val="262626"/>
                 </a:solidFill>
-                <a:latin typeface="Arial" panose="020B0604020202020204" pitchFamily="34" charset="0"/>
-                <a:ea typeface="Microsoft YaHei" panose="020B0503020204020204" pitchFamily="34" charset="-122"/>
-                <a:sym typeface="Arial" panose="020B0604020202020204" pitchFamily="34" charset="0"/>
+                <a:latin typeface="Arial"/>
+                <a:ea typeface="Microsoft YaHei"/>
               </a:rPr>
               <a:t>What you learn ? </a:t>
             </a:r>
+            <a:endParaRPr/>
           </a:p>
         </p:txBody>
       </p:sp>
     </p:spTree>
-    <p:extLst>
-      <p:ext uri="{BB962C8B-B14F-4D97-AF65-F5344CB8AC3E}">
-        <p14:creationId xmlns:p14="http://schemas.microsoft.com/office/powerpoint/2010/main" val="2801835050"/>
-      </p:ext>
-    </p:extLst>
   </p:cSld>
   <p:clrMapOvr>
     <a:masterClrMapping/>
   </p:clrMapOvr>
-  <mc:AlternateContent xmlns:mc="http://schemas.openxmlformats.org/markup-compatibility/2006" xmlns:p14="http://schemas.microsoft.com/office/powerpoint/2010/main">
-    <mc:Choice Requires="p14">
-      <p:transition spd="med" p14:dur="700">
-        <p:fade/>
+  <mc:AlternateContent xmlns:mc="http://schemas.openxmlformats.org/markup-compatibility/2006">
+    <mc:Choice xmlns:p14="http://schemas.microsoft.com/office/powerpoint/2010/main" Requires="p14">
+      <p:transition spd="med" p14:dur="700" advClick="1">
+        <p:fade thruBlk="0"/>
       </p:transition>
     </mc:Choice>
-    <mc:Fallback xmlns="">
-      <p:transition spd="med">
-        <p:fade/>
+    <mc:Fallback>
+      <p:transition spd="med" advClick="1">
+        <p:fade thruBlk="0"/>
       </p:transition>
     </mc:Fallback>
   </mc:AlternateContent>
@@ -5748,15 +5294,15 @@
 </file>
 
 <file path=ppt/slides/slide2.xml><?xml version="1.0" encoding="utf-8"?>
-<p:sld xmlns:a="http://schemas.openxmlformats.org/drawingml/2006/main" xmlns:r="http://schemas.openxmlformats.org/officeDocument/2006/relationships" xmlns:p="http://schemas.openxmlformats.org/presentationml/2006/main">
-  <p:cSld>
+<p:sld xmlns:a="http://schemas.openxmlformats.org/drawingml/2006/main" xmlns:r="http://schemas.openxmlformats.org/officeDocument/2006/relationships" xmlns:p="http://schemas.openxmlformats.org/presentationml/2006/main" xmlns:m="http://schemas.openxmlformats.org/officeDocument/2006/math" xmlns:w="http://schemas.openxmlformats.org/wordprocessingml/2006/main" showMasterPhAnim="0" show="1">
+  <p:cSld name="">
     <p:spTree>
       <p:nvGrpSpPr>
         <p:cNvPr id="1" name=""/>
         <p:cNvGrpSpPr/>
         <p:nvPr/>
       </p:nvGrpSpPr>
-      <p:grpSpPr>
+      <p:grpSpPr bwMode="auto">
         <a:xfrm>
           <a:off x="0" y="0"/>
           <a:ext cx="0" cy="0"/>
@@ -5770,7 +5316,7 @@
           <p:cNvSpPr/>
           <p:nvPr/>
         </p:nvSpPr>
-        <p:spPr>
+        <p:spPr bwMode="auto">
           <a:xfrm>
             <a:off x="-32068" y="1"/>
             <a:ext cx="9483750" cy="762000"/>
@@ -5780,27 +5326,25 @@
           </a:prstGeom>
         </p:spPr>
         <p:txBody>
-          <a:bodyPr vert="horz" lIns="121899" tIns="60949" rIns="121899" bIns="60949" rtlCol="0" anchor="b">
+          <a:bodyPr vert="horz" lIns="121898" tIns="60949" rIns="121898" bIns="60949" rtlCol="0" anchor="b">
             <a:noAutofit/>
           </a:bodyPr>
           <a:lstStyle/>
           <a:p>
-            <a:r>
-              <a:rPr lang="en-US" sz="4000" b="1" dirty="0"/>
+            <a:pPr>
+              <a:defRPr/>
+            </a:pPr>
+            <a:r>
+              <a:rPr lang="en-US" sz="4000" b="1"/>
               <a:t>What is Union</a:t>
             </a:r>
-          </a:p>
-        </p:txBody>
-      </p:sp>
-      <p:sp>
-        <p:nvSpPr>
-          <p:cNvPr id="2" name="Content Placeholder 3">
-            <a:extLst>
-              <a:ext uri="{FF2B5EF4-FFF2-40B4-BE49-F238E27FC236}">
-                <a16:creationId xmlns:a16="http://schemas.microsoft.com/office/drawing/2014/main" id="{D7B5ACF5-358C-A9FA-49D8-AF95F54A052F}"/>
-              </a:ext>
-            </a:extLst>
-          </p:cNvPr>
+            <a:endParaRPr/>
+          </a:p>
+        </p:txBody>
+      </p:sp>
+      <p:sp>
+        <p:nvSpPr>
+          <p:cNvPr id="2" name="Content Placeholder 3"/>
           <p:cNvSpPr>
             <a:spLocks noGrp="1"/>
           </p:cNvSpPr>
@@ -5808,7 +5352,7 @@
             <p:ph idx="1"/>
           </p:nvPr>
         </p:nvSpPr>
-        <p:spPr>
+        <p:spPr bwMode="auto">
           <a:xfrm>
             <a:off x="608012" y="1464906"/>
             <a:ext cx="11049000" cy="4250094"/>
@@ -5820,95 +5364,101 @@
           </a:bodyPr>
           <a:lstStyle/>
           <a:p>
-            <a:r>
-              <a:rPr lang="en-US" dirty="0">
-                <a:latin typeface="Times New Roman" panose="02020603050405020304" pitchFamily="18" charset="0"/>
-                <a:cs typeface="Times New Roman" panose="02020603050405020304" pitchFamily="18" charset="0"/>
+            <a:pPr>
+              <a:defRPr/>
+            </a:pPr>
+            <a:r>
+              <a:rPr lang="en-US">
+                <a:latin typeface="Times New Roman"/>
+                <a:cs typeface="Times New Roman"/>
               </a:rPr>
               <a:t>A union is a user-defined type similar to structs in C except for one key difference.</a:t>
             </a:r>
-          </a:p>
-          <a:p>
-            <a:r>
-              <a:rPr lang="en-US" dirty="0">
-                <a:latin typeface="Times New Roman" panose="02020603050405020304" pitchFamily="18" charset="0"/>
-                <a:cs typeface="Times New Roman" panose="02020603050405020304" pitchFamily="18" charset="0"/>
+            <a:endParaRPr/>
+          </a:p>
+          <a:p>
+            <a:pPr>
+              <a:defRPr/>
+            </a:pPr>
+            <a:r>
+              <a:rPr lang="en-US">
+                <a:latin typeface="Times New Roman"/>
+                <a:cs typeface="Times New Roman"/>
               </a:rPr>
               <a:t>The only differences is in terms of storage. </a:t>
             </a:r>
-          </a:p>
-          <a:p>
-            <a:r>
-              <a:rPr lang="en-US" dirty="0">
-                <a:latin typeface="Times New Roman" panose="02020603050405020304" pitchFamily="18" charset="0"/>
-                <a:cs typeface="Times New Roman" panose="02020603050405020304" pitchFamily="18" charset="0"/>
+            <a:endParaRPr/>
+          </a:p>
+          <a:p>
+            <a:pPr>
+              <a:defRPr/>
+            </a:pPr>
+            <a:r>
+              <a:rPr lang="en-US">
+                <a:latin typeface="Times New Roman"/>
+                <a:cs typeface="Times New Roman"/>
               </a:rPr>
               <a:t>In </a:t>
             </a:r>
             <a:r>
-              <a:rPr lang="en-US" b="1" dirty="0">
+              <a:rPr lang="en-US" b="1">
                 <a:solidFill>
                   <a:schemeClr val="accent6">
                     <a:lumMod val="75000"/>
                   </a:schemeClr>
                 </a:solidFill>
-                <a:latin typeface="Times New Roman" panose="02020603050405020304" pitchFamily="18" charset="0"/>
-                <a:cs typeface="Times New Roman" panose="02020603050405020304" pitchFamily="18" charset="0"/>
+                <a:latin typeface="Times New Roman"/>
+                <a:cs typeface="Times New Roman"/>
               </a:rPr>
               <a:t>structure</a:t>
             </a:r>
             <a:r>
-              <a:rPr lang="en-US" dirty="0">
-                <a:latin typeface="Times New Roman" panose="02020603050405020304" pitchFamily="18" charset="0"/>
-                <a:cs typeface="Times New Roman" panose="02020603050405020304" pitchFamily="18" charset="0"/>
+              <a:rPr lang="en-US">
+                <a:latin typeface="Times New Roman"/>
+                <a:cs typeface="Times New Roman"/>
               </a:rPr>
               <a:t> each member has its own storage location, whereas all members of </a:t>
             </a:r>
             <a:r>
-              <a:rPr lang="en-US" b="1" dirty="0">
+              <a:rPr lang="en-US" b="1">
                 <a:solidFill>
                   <a:schemeClr val="accent6">
                     <a:lumMod val="75000"/>
                   </a:schemeClr>
                 </a:solidFill>
-                <a:latin typeface="Times New Roman" panose="02020603050405020304" pitchFamily="18" charset="0"/>
-                <a:cs typeface="Times New Roman" panose="02020603050405020304" pitchFamily="18" charset="0"/>
+                <a:latin typeface="Times New Roman"/>
+                <a:cs typeface="Times New Roman"/>
               </a:rPr>
               <a:t>union</a:t>
             </a:r>
             <a:r>
-              <a:rPr lang="en-US" dirty="0">
-                <a:latin typeface="Times New Roman" panose="02020603050405020304" pitchFamily="18" charset="0"/>
-                <a:cs typeface="Times New Roman" panose="02020603050405020304" pitchFamily="18" charset="0"/>
+              <a:rPr lang="en-US">
+                <a:latin typeface="Times New Roman"/>
+                <a:cs typeface="Times New Roman"/>
               </a:rPr>
               <a:t> uses a single shared memory location which is equal to the size of its largest data member.</a:t>
             </a:r>
-            <a:endParaRPr lang="en-IN" dirty="0">
-              <a:latin typeface="Times New Roman" panose="02020603050405020304" pitchFamily="18" charset="0"/>
-              <a:cs typeface="Times New Roman" panose="02020603050405020304" pitchFamily="18" charset="0"/>
+            <a:endParaRPr lang="en-IN">
+              <a:latin typeface="Times New Roman"/>
+              <a:cs typeface="Times New Roman"/>
             </a:endParaRPr>
           </a:p>
         </p:txBody>
       </p:sp>
     </p:spTree>
-    <p:extLst>
-      <p:ext uri="{BB962C8B-B14F-4D97-AF65-F5344CB8AC3E}">
-        <p14:creationId xmlns:p14="http://schemas.microsoft.com/office/powerpoint/2010/main" val="2354274838"/>
-      </p:ext>
-    </p:extLst>
   </p:cSld>
   <p:clrMapOvr>
     <a:masterClrMapping/>
   </p:clrMapOvr>
-  <mc:AlternateContent xmlns:mc="http://schemas.openxmlformats.org/markup-compatibility/2006" xmlns:p14="http://schemas.microsoft.com/office/powerpoint/2010/main">
-    <mc:Choice Requires="p14">
-      <p:transition spd="med" p14:dur="700">
-        <p:fade/>
+  <mc:AlternateContent xmlns:mc="http://schemas.openxmlformats.org/markup-compatibility/2006">
+    <mc:Choice xmlns:p14="http://schemas.microsoft.com/office/powerpoint/2010/main" Requires="p14">
+      <p:transition spd="med" p14:dur="700" advClick="1">
+        <p:fade thruBlk="0"/>
       </p:transition>
     </mc:Choice>
-    <mc:Fallback xmlns="">
-      <p:transition spd="med">
-        <p:fade/>
+    <mc:Fallback>
+      <p:transition spd="med" advClick="1">
+        <p:fade thruBlk="0"/>
       </p:transition>
     </mc:Fallback>
   </mc:AlternateContent>
@@ -5916,15 +5466,15 @@
 </file>
 
 <file path=ppt/slides/slide3.xml><?xml version="1.0" encoding="utf-8"?>
-<p:sld xmlns:a="http://schemas.openxmlformats.org/drawingml/2006/main" xmlns:r="http://schemas.openxmlformats.org/officeDocument/2006/relationships" xmlns:p="http://schemas.openxmlformats.org/presentationml/2006/main">
-  <p:cSld>
+<p:sld xmlns:a="http://schemas.openxmlformats.org/drawingml/2006/main" xmlns:r="http://schemas.openxmlformats.org/officeDocument/2006/relationships" xmlns:p="http://schemas.openxmlformats.org/presentationml/2006/main" xmlns:m="http://schemas.openxmlformats.org/officeDocument/2006/math" xmlns:w="http://schemas.openxmlformats.org/wordprocessingml/2006/main" showMasterPhAnim="0" show="1">
+  <p:cSld name="">
     <p:spTree>
       <p:nvGrpSpPr>
         <p:cNvPr id="1" name=""/>
         <p:cNvGrpSpPr/>
         <p:nvPr/>
       </p:nvGrpSpPr>
-      <p:grpSpPr>
+      <p:grpSpPr bwMode="auto">
         <a:xfrm>
           <a:off x="0" y="0"/>
           <a:ext cx="0" cy="0"/>
@@ -5938,7 +5488,7 @@
           <p:cNvSpPr/>
           <p:nvPr/>
         </p:nvSpPr>
-        <p:spPr>
+        <p:spPr bwMode="auto">
           <a:xfrm>
             <a:off x="-77788" y="3243"/>
             <a:ext cx="9479280" cy="762000"/>
@@ -5948,34 +5498,29 @@
           </a:prstGeom>
         </p:spPr>
         <p:txBody>
-          <a:bodyPr vert="horz" lIns="121899" tIns="60949" rIns="121899" bIns="60949" rtlCol="0" anchor="b">
+          <a:bodyPr vert="horz" lIns="121898" tIns="60949" rIns="121898" bIns="60949" rtlCol="0" anchor="b">
             <a:noAutofit/>
           </a:bodyPr>
           <a:lstStyle/>
           <a:p>
-            <a:r>
-              <a:rPr lang="en-US" sz="4000" b="1" dirty="0"/>
+            <a:pPr>
+              <a:defRPr/>
+            </a:pPr>
+            <a:r>
+              <a:rPr lang="en-US" sz="4000" b="1"/>
               <a:t>Define a union</a:t>
             </a:r>
-            <a:endParaRPr lang="en-IN" b="1" dirty="0"/>
-          </a:p>
-        </p:txBody>
-      </p:sp>
-      <p:sp>
-        <p:nvSpPr>
-          <p:cNvPr id="4" name="Content Placeholder 3">
-            <a:extLst>
-              <a:ext uri="{FF2B5EF4-FFF2-40B4-BE49-F238E27FC236}">
-                <a16:creationId xmlns:a16="http://schemas.microsoft.com/office/drawing/2014/main" id="{1481EA37-E138-2649-6B1C-AFCC07766C68}"/>
-              </a:ext>
-            </a:extLst>
-          </p:cNvPr>
-          <p:cNvSpPr txBox="1">
-            <a:spLocks/>
-          </p:cNvSpPr>
+            <a:endParaRPr lang="en-IN" b="1"/>
+          </a:p>
+        </p:txBody>
+      </p:sp>
+      <p:sp>
+        <p:nvSpPr>
+          <p:cNvPr id="4" name="Content Placeholder 3"/>
+          <p:cNvSpPr txBox="1"/>
           <p:nvPr/>
         </p:nvSpPr>
-        <p:spPr>
+        <p:spPr bwMode="auto">
           <a:xfrm>
             <a:off x="227012" y="2850503"/>
             <a:ext cx="11049000" cy="1981199"/>
@@ -5985,11 +5530,11 @@
           </a:prstGeom>
         </p:spPr>
         <p:txBody>
-          <a:bodyPr vert="horz" lIns="121899" tIns="60949" rIns="121899" bIns="60949" rtlCol="0">
+          <a:bodyPr vert="horz" lIns="121898" tIns="60949" rIns="121898" bIns="60949" rtlCol="0">
             <a:normAutofit/>
           </a:bodyPr>
           <a:lstStyle>
-            <a:lvl1pPr marL="304747" indent="-304747" algn="l" defTabSz="1218987" rtl="0" eaLnBrk="1" latinLnBrk="0" hangingPunct="1">
+            <a:lvl1pPr marL="304747" indent="-304747" algn="l" defTabSz="1218987">
               <a:lnSpc>
                 <a:spcPct val="90000"/>
               </a:lnSpc>
@@ -6001,9 +5546,9 @@
                   <a:lumMod val="75000"/>
                 </a:schemeClr>
               </a:buClr>
-              <a:buFont typeface="Arial" pitchFamily="34" charset="0"/>
+              <a:buFont typeface="Arial"/>
               <a:buChar char="•"/>
-              <a:defRPr sz="2800" kern="1200">
+              <a:defRPr sz="2800">
                 <a:solidFill>
                   <a:schemeClr val="tx1"/>
                 </a:solidFill>
@@ -6012,7 +5557,7 @@
                 <a:cs typeface="+mn-cs"/>
               </a:defRPr>
             </a:lvl1pPr>
-            <a:lvl2pPr marL="755772" indent="-304747" algn="l" defTabSz="1218987" rtl="0" eaLnBrk="1" latinLnBrk="0" hangingPunct="1">
+            <a:lvl2pPr marL="755772" indent="-304747" algn="l" defTabSz="1218987">
               <a:lnSpc>
                 <a:spcPct val="90000"/>
               </a:lnSpc>
@@ -6024,9 +5569,9 @@
                   <a:lumMod val="75000"/>
                 </a:schemeClr>
               </a:buClr>
-              <a:buFont typeface="Arial" pitchFamily="34" charset="0"/>
+              <a:buFont typeface="Arial"/>
               <a:buChar char="–"/>
-              <a:defRPr sz="2400" kern="1200">
+              <a:defRPr sz="2400">
                 <a:solidFill>
                   <a:schemeClr val="tx1"/>
                 </a:solidFill>
@@ -6035,7 +5580,7 @@
                 <a:cs typeface="+mn-cs"/>
               </a:defRPr>
             </a:lvl2pPr>
-            <a:lvl3pPr marL="1206797" indent="-304747" algn="l" defTabSz="1218987" rtl="0" eaLnBrk="1" latinLnBrk="0" hangingPunct="1">
+            <a:lvl3pPr marL="1206797" indent="-304747" algn="l" defTabSz="1218987">
               <a:lnSpc>
                 <a:spcPct val="90000"/>
               </a:lnSpc>
@@ -6047,9 +5592,9 @@
                   <a:lumMod val="75000"/>
                 </a:schemeClr>
               </a:buClr>
-              <a:buFont typeface="Arial" pitchFamily="34" charset="0"/>
+              <a:buFont typeface="Arial"/>
               <a:buChar char="•"/>
-              <a:defRPr sz="2000" kern="1200">
+              <a:defRPr sz="2000">
                 <a:solidFill>
                   <a:schemeClr val="tx1"/>
                 </a:solidFill>
@@ -6058,7 +5603,7 @@
                 <a:cs typeface="+mn-cs"/>
               </a:defRPr>
             </a:lvl3pPr>
-            <a:lvl4pPr marL="1657822" indent="-304747" algn="l" defTabSz="1218987" rtl="0" eaLnBrk="1" latinLnBrk="0" hangingPunct="1">
+            <a:lvl4pPr marL="1657822" indent="-304747" algn="l" defTabSz="1218987">
               <a:lnSpc>
                 <a:spcPct val="90000"/>
               </a:lnSpc>
@@ -6070,9 +5615,9 @@
                   <a:lumMod val="75000"/>
                 </a:schemeClr>
               </a:buClr>
-              <a:buFont typeface="Arial" pitchFamily="34" charset="0"/>
+              <a:buFont typeface="Arial"/>
               <a:buChar char="•"/>
-              <a:defRPr sz="2000" kern="1200">
+              <a:defRPr sz="2000">
                 <a:solidFill>
                   <a:schemeClr val="tx1"/>
                 </a:solidFill>
@@ -6081,7 +5626,7 @@
                 <a:cs typeface="+mn-cs"/>
               </a:defRPr>
             </a:lvl4pPr>
-            <a:lvl5pPr marL="2108847" indent="-304747" algn="l" defTabSz="1218987" rtl="0" eaLnBrk="1" latinLnBrk="0" hangingPunct="1">
+            <a:lvl5pPr marL="2108847" indent="-304747" algn="l" defTabSz="1218987">
               <a:lnSpc>
                 <a:spcPct val="90000"/>
               </a:lnSpc>
@@ -6093,9 +5638,9 @@
                   <a:lumMod val="75000"/>
                 </a:schemeClr>
               </a:buClr>
-              <a:buFont typeface="Arial" pitchFamily="34" charset="0"/>
+              <a:buFont typeface="Arial"/>
               <a:buChar char="•"/>
-              <a:defRPr sz="2000" kern="1200">
+              <a:defRPr sz="2000">
                 <a:solidFill>
                   <a:schemeClr val="tx1"/>
                 </a:solidFill>
@@ -6104,7 +5649,7 @@
                 <a:cs typeface="+mn-cs"/>
               </a:defRPr>
             </a:lvl5pPr>
-            <a:lvl6pPr marL="2559872" indent="-304747" algn="l" defTabSz="1218987" rtl="0" eaLnBrk="1" latinLnBrk="0" hangingPunct="1">
+            <a:lvl6pPr marL="2559872" indent="-304747" algn="l" defTabSz="1218987">
               <a:lnSpc>
                 <a:spcPct val="90000"/>
               </a:lnSpc>
@@ -6114,9 +5659,9 @@
               <a:buClr>
                 <a:schemeClr val="accent1"/>
               </a:buClr>
-              <a:buFont typeface="Arial" pitchFamily="34" charset="0"/>
+              <a:buFont typeface="Arial"/>
               <a:buChar char="•"/>
-              <a:defRPr sz="2000" kern="1200" baseline="0">
+              <a:defRPr sz="2000">
                 <a:solidFill>
                   <a:schemeClr val="tx1"/>
                 </a:solidFill>
@@ -6125,7 +5670,7 @@
                 <a:cs typeface="+mn-cs"/>
               </a:defRPr>
             </a:lvl6pPr>
-            <a:lvl7pPr marL="3010897" indent="-304747" algn="l" defTabSz="1218987" rtl="0" eaLnBrk="1" latinLnBrk="0" hangingPunct="1">
+            <a:lvl7pPr marL="3010897" indent="-304747" algn="l" defTabSz="1218987">
               <a:lnSpc>
                 <a:spcPct val="90000"/>
               </a:lnSpc>
@@ -6135,9 +5680,9 @@
               <a:buClr>
                 <a:schemeClr val="accent1"/>
               </a:buClr>
-              <a:buFont typeface="Arial" pitchFamily="34" charset="0"/>
+              <a:buFont typeface="Arial"/>
               <a:buChar char="•"/>
-              <a:defRPr sz="2000" kern="1200" baseline="0">
+              <a:defRPr sz="2000">
                 <a:solidFill>
                   <a:schemeClr val="tx1"/>
                 </a:solidFill>
@@ -6146,7 +5691,7 @@
                 <a:cs typeface="+mn-cs"/>
               </a:defRPr>
             </a:lvl7pPr>
-            <a:lvl8pPr marL="3461922" indent="-304747" algn="l" defTabSz="1218987" rtl="0" eaLnBrk="1" latinLnBrk="0" hangingPunct="1">
+            <a:lvl8pPr marL="3461922" indent="-304747" algn="l" defTabSz="1218987">
               <a:lnSpc>
                 <a:spcPct val="90000"/>
               </a:lnSpc>
@@ -6156,9 +5701,9 @@
               <a:buClr>
                 <a:schemeClr val="accent1"/>
               </a:buClr>
-              <a:buFont typeface="Arial" pitchFamily="34" charset="0"/>
+              <a:buFont typeface="Arial"/>
               <a:buChar char="•"/>
-              <a:defRPr sz="2000" kern="1200" baseline="0">
+              <a:defRPr sz="2000">
                 <a:solidFill>
                   <a:schemeClr val="tx1"/>
                 </a:solidFill>
@@ -6167,7 +5712,7 @@
                 <a:cs typeface="+mn-cs"/>
               </a:defRPr>
             </a:lvl8pPr>
-            <a:lvl9pPr marL="3912947" indent="-304747" algn="l" defTabSz="1218987" rtl="0" eaLnBrk="1" latinLnBrk="0" hangingPunct="1">
+            <a:lvl9pPr marL="3912947" indent="-304747" algn="l" defTabSz="1218987">
               <a:lnSpc>
                 <a:spcPct val="90000"/>
               </a:lnSpc>
@@ -6177,9 +5722,9 @@
               <a:buClr>
                 <a:schemeClr val="accent1"/>
               </a:buClr>
-              <a:buFont typeface="Arial" pitchFamily="34" charset="0"/>
+              <a:buFont typeface="Arial"/>
               <a:buChar char="•"/>
-              <a:defRPr sz="2000" kern="1200" baseline="0">
+              <a:defRPr sz="2000">
                 <a:solidFill>
                   <a:schemeClr val="tx1"/>
                 </a:solidFill>
@@ -6192,65 +5737,50 @@
           <a:p>
             <a:pPr marL="0" indent="0">
               <a:buNone/>
-            </a:pPr>
-            <a:endParaRPr lang="en-US" dirty="0"/>
+              <a:defRPr/>
+            </a:pPr>
+            <a:endParaRPr lang="en-US"/>
           </a:p>
         </p:txBody>
       </p:sp>
       <p:pic>
         <p:nvPicPr>
-          <p:cNvPr id="8" name="Content Placeholder 7">
-            <a:extLst>
-              <a:ext uri="{FF2B5EF4-FFF2-40B4-BE49-F238E27FC236}">
-                <a16:creationId xmlns:a16="http://schemas.microsoft.com/office/drawing/2014/main" id="{4B783CEA-831B-4245-2BFE-A89C11B2025F}"/>
-              </a:ext>
-            </a:extLst>
-          </p:cNvPr>
+          <p:cNvPr id="8" name="Content Placeholder 7"/>
           <p:cNvPicPr>
-            <a:picLocks noGrp="1" noChangeAspect="1"/>
+            <a:picLocks noChangeAspect="1" noGrp="1"/>
           </p:cNvPicPr>
           <p:nvPr>
             <p:ph sz="half" idx="1"/>
           </p:nvPr>
         </p:nvPicPr>
         <p:blipFill>
-          <a:blip r:embed="rId2">
-            <a:extLst>
-              <a:ext uri="{28A0092B-C50C-407E-A947-70E740481C1C}">
-                <a14:useLocalDpi xmlns:a14="http://schemas.microsoft.com/office/drawing/2010/main" val="0"/>
-              </a:ext>
-            </a:extLst>
-          </a:blip>
-          <a:stretch>
-            <a:fillRect/>
-          </a:stretch>
+          <a:blip r:embed="rId2"/>
+          <a:stretch/>
         </p:blipFill>
-        <p:spPr>
+        <p:spPr bwMode="auto">
           <a:xfrm>
             <a:off x="272343" y="1371600"/>
             <a:ext cx="10775069" cy="5334000"/>
           </a:xfrm>
+          <a:prstGeom prst="rect">
+            <a:avLst/>
+          </a:prstGeom>
         </p:spPr>
       </p:pic>
     </p:spTree>
-    <p:extLst>
-      <p:ext uri="{BB962C8B-B14F-4D97-AF65-F5344CB8AC3E}">
-        <p14:creationId xmlns:p14="http://schemas.microsoft.com/office/powerpoint/2010/main" val="300606633"/>
-      </p:ext>
-    </p:extLst>
   </p:cSld>
   <p:clrMapOvr>
     <a:masterClrMapping/>
   </p:clrMapOvr>
-  <mc:AlternateContent xmlns:mc="http://schemas.openxmlformats.org/markup-compatibility/2006" xmlns:p14="http://schemas.microsoft.com/office/powerpoint/2010/main">
-    <mc:Choice Requires="p14">
-      <p:transition spd="med" p14:dur="700">
-        <p:fade/>
+  <mc:AlternateContent xmlns:mc="http://schemas.openxmlformats.org/markup-compatibility/2006">
+    <mc:Choice xmlns:p14="http://schemas.microsoft.com/office/powerpoint/2010/main" Requires="p14">
+      <p:transition spd="med" p14:dur="700" advClick="1">
+        <p:fade thruBlk="0"/>
       </p:transition>
     </mc:Choice>
-    <mc:Fallback xmlns="">
-      <p:transition spd="med">
-        <p:fade/>
+    <mc:Fallback>
+      <p:transition spd="med" advClick="1">
+        <p:fade thruBlk="0"/>
       </p:transition>
     </mc:Fallback>
   </mc:AlternateContent>
@@ -6258,15 +5788,15 @@
 </file>
 
 <file path=ppt/slides/slide4.xml><?xml version="1.0" encoding="utf-8"?>
-<p:sld xmlns:a="http://schemas.openxmlformats.org/drawingml/2006/main" xmlns:r="http://schemas.openxmlformats.org/officeDocument/2006/relationships" xmlns:p="http://schemas.openxmlformats.org/presentationml/2006/main">
-  <p:cSld>
+<p:sld xmlns:a="http://schemas.openxmlformats.org/drawingml/2006/main" xmlns:r="http://schemas.openxmlformats.org/officeDocument/2006/relationships" xmlns:p="http://schemas.openxmlformats.org/presentationml/2006/main" xmlns:m="http://schemas.openxmlformats.org/officeDocument/2006/math" xmlns:w="http://schemas.openxmlformats.org/wordprocessingml/2006/main" showMasterPhAnim="0" show="1">
+  <p:cSld name="">
     <p:spTree>
       <p:nvGrpSpPr>
         <p:cNvPr id="1" name=""/>
         <p:cNvGrpSpPr/>
         <p:nvPr/>
       </p:nvGrpSpPr>
-      <p:grpSpPr>
+      <p:grpSpPr bwMode="auto">
         <a:xfrm>
           <a:off x="0" y="0"/>
           <a:ext cx="0" cy="0"/>
@@ -6280,7 +5810,7 @@
           <p:cNvSpPr/>
           <p:nvPr/>
         </p:nvSpPr>
-        <p:spPr>
+        <p:spPr bwMode="auto">
           <a:xfrm>
             <a:off x="-77788" y="3243"/>
             <a:ext cx="9479280" cy="762000"/>
@@ -6290,34 +5820,29 @@
           </a:prstGeom>
         </p:spPr>
         <p:txBody>
-          <a:bodyPr vert="horz" lIns="121899" tIns="60949" rIns="121899" bIns="60949" rtlCol="0" anchor="b">
+          <a:bodyPr vert="horz" lIns="121898" tIns="60949" rIns="121898" bIns="60949" rtlCol="0" anchor="b">
             <a:noAutofit/>
           </a:bodyPr>
           <a:lstStyle/>
           <a:p>
-            <a:r>
-              <a:rPr lang="en-US" sz="4000" b="1" dirty="0"/>
+            <a:pPr>
+              <a:defRPr/>
+            </a:pPr>
+            <a:r>
+              <a:rPr lang="en-US" sz="4000" b="1"/>
               <a:t>Initialize union</a:t>
             </a:r>
-            <a:endParaRPr lang="en-IN" b="1" dirty="0"/>
-          </a:p>
-        </p:txBody>
-      </p:sp>
-      <p:sp>
-        <p:nvSpPr>
-          <p:cNvPr id="4" name="Content Placeholder 3">
-            <a:extLst>
-              <a:ext uri="{FF2B5EF4-FFF2-40B4-BE49-F238E27FC236}">
-                <a16:creationId xmlns:a16="http://schemas.microsoft.com/office/drawing/2014/main" id="{1481EA37-E138-2649-6B1C-AFCC07766C68}"/>
-              </a:ext>
-            </a:extLst>
-          </p:cNvPr>
-          <p:cNvSpPr txBox="1">
-            <a:spLocks/>
-          </p:cNvSpPr>
+            <a:endParaRPr lang="en-IN" b="1"/>
+          </a:p>
+        </p:txBody>
+      </p:sp>
+      <p:sp>
+        <p:nvSpPr>
+          <p:cNvPr id="4" name="Content Placeholder 3"/>
+          <p:cNvSpPr txBox="1"/>
           <p:nvPr/>
         </p:nvSpPr>
-        <p:spPr>
+        <p:spPr bwMode="auto">
           <a:xfrm>
             <a:off x="227012" y="2850503"/>
             <a:ext cx="11049000" cy="1981199"/>
@@ -6327,11 +5852,11 @@
           </a:prstGeom>
         </p:spPr>
         <p:txBody>
-          <a:bodyPr vert="horz" lIns="121899" tIns="60949" rIns="121899" bIns="60949" rtlCol="0">
+          <a:bodyPr vert="horz" lIns="121898" tIns="60949" rIns="121898" bIns="60949" rtlCol="0">
             <a:normAutofit/>
           </a:bodyPr>
           <a:lstStyle>
-            <a:lvl1pPr marL="304747" indent="-304747" algn="l" defTabSz="1218987" rtl="0" eaLnBrk="1" latinLnBrk="0" hangingPunct="1">
+            <a:lvl1pPr marL="304747" indent="-304747" algn="l" defTabSz="1218987">
               <a:lnSpc>
                 <a:spcPct val="90000"/>
               </a:lnSpc>
@@ -6343,9 +5868,9 @@
                   <a:lumMod val="75000"/>
                 </a:schemeClr>
               </a:buClr>
-              <a:buFont typeface="Arial" pitchFamily="34" charset="0"/>
+              <a:buFont typeface="Arial"/>
               <a:buChar char="•"/>
-              <a:defRPr sz="2800" kern="1200">
+              <a:defRPr sz="2800">
                 <a:solidFill>
                   <a:schemeClr val="tx1"/>
                 </a:solidFill>
@@ -6354,7 +5879,7 @@
                 <a:cs typeface="+mn-cs"/>
               </a:defRPr>
             </a:lvl1pPr>
-            <a:lvl2pPr marL="755772" indent="-304747" algn="l" defTabSz="1218987" rtl="0" eaLnBrk="1" latinLnBrk="0" hangingPunct="1">
+            <a:lvl2pPr marL="755772" indent="-304747" algn="l" defTabSz="1218987">
               <a:lnSpc>
                 <a:spcPct val="90000"/>
               </a:lnSpc>
@@ -6366,9 +5891,9 @@
                   <a:lumMod val="75000"/>
                 </a:schemeClr>
               </a:buClr>
-              <a:buFont typeface="Arial" pitchFamily="34" charset="0"/>
+              <a:buFont typeface="Arial"/>
               <a:buChar char="–"/>
-              <a:defRPr sz="2400" kern="1200">
+              <a:defRPr sz="2400">
                 <a:solidFill>
                   <a:schemeClr val="tx1"/>
                 </a:solidFill>
@@ -6377,7 +5902,7 @@
                 <a:cs typeface="+mn-cs"/>
               </a:defRPr>
             </a:lvl2pPr>
-            <a:lvl3pPr marL="1206797" indent="-304747" algn="l" defTabSz="1218987" rtl="0" eaLnBrk="1" latinLnBrk="0" hangingPunct="1">
+            <a:lvl3pPr marL="1206797" indent="-304747" algn="l" defTabSz="1218987">
               <a:lnSpc>
                 <a:spcPct val="90000"/>
               </a:lnSpc>
@@ -6389,9 +5914,9 @@
                   <a:lumMod val="75000"/>
                 </a:schemeClr>
               </a:buClr>
-              <a:buFont typeface="Arial" pitchFamily="34" charset="0"/>
+              <a:buFont typeface="Arial"/>
               <a:buChar char="•"/>
-              <a:defRPr sz="2000" kern="1200">
+              <a:defRPr sz="2000">
                 <a:solidFill>
                   <a:schemeClr val="tx1"/>
                 </a:solidFill>
@@ -6400,7 +5925,7 @@
                 <a:cs typeface="+mn-cs"/>
               </a:defRPr>
             </a:lvl3pPr>
-            <a:lvl4pPr marL="1657822" indent="-304747" algn="l" defTabSz="1218987" rtl="0" eaLnBrk="1" latinLnBrk="0" hangingPunct="1">
+            <a:lvl4pPr marL="1657822" indent="-304747" algn="l" defTabSz="1218987">
               <a:lnSpc>
                 <a:spcPct val="90000"/>
               </a:lnSpc>
@@ -6412,9 +5937,9 @@
                   <a:lumMod val="75000"/>
                 </a:schemeClr>
               </a:buClr>
-              <a:buFont typeface="Arial" pitchFamily="34" charset="0"/>
+              <a:buFont typeface="Arial"/>
               <a:buChar char="•"/>
-              <a:defRPr sz="2000" kern="1200">
+              <a:defRPr sz="2000">
                 <a:solidFill>
                   <a:schemeClr val="tx1"/>
                 </a:solidFill>
@@ -6423,7 +5948,7 @@
                 <a:cs typeface="+mn-cs"/>
               </a:defRPr>
             </a:lvl4pPr>
-            <a:lvl5pPr marL="2108847" indent="-304747" algn="l" defTabSz="1218987" rtl="0" eaLnBrk="1" latinLnBrk="0" hangingPunct="1">
+            <a:lvl5pPr marL="2108847" indent="-304747" algn="l" defTabSz="1218987">
               <a:lnSpc>
                 <a:spcPct val="90000"/>
               </a:lnSpc>
@@ -6435,9 +5960,9 @@
                   <a:lumMod val="75000"/>
                 </a:schemeClr>
               </a:buClr>
-              <a:buFont typeface="Arial" pitchFamily="34" charset="0"/>
+              <a:buFont typeface="Arial"/>
               <a:buChar char="•"/>
-              <a:defRPr sz="2000" kern="1200">
+              <a:defRPr sz="2000">
                 <a:solidFill>
                   <a:schemeClr val="tx1"/>
                 </a:solidFill>
@@ -6446,7 +5971,7 @@
                 <a:cs typeface="+mn-cs"/>
               </a:defRPr>
             </a:lvl5pPr>
-            <a:lvl6pPr marL="2559872" indent="-304747" algn="l" defTabSz="1218987" rtl="0" eaLnBrk="1" latinLnBrk="0" hangingPunct="1">
+            <a:lvl6pPr marL="2559872" indent="-304747" algn="l" defTabSz="1218987">
               <a:lnSpc>
                 <a:spcPct val="90000"/>
               </a:lnSpc>
@@ -6456,9 +5981,9 @@
               <a:buClr>
                 <a:schemeClr val="accent1"/>
               </a:buClr>
-              <a:buFont typeface="Arial" pitchFamily="34" charset="0"/>
+              <a:buFont typeface="Arial"/>
               <a:buChar char="•"/>
-              <a:defRPr sz="2000" kern="1200" baseline="0">
+              <a:defRPr sz="2000">
                 <a:solidFill>
                   <a:schemeClr val="tx1"/>
                 </a:solidFill>
@@ -6467,7 +5992,7 @@
                 <a:cs typeface="+mn-cs"/>
               </a:defRPr>
             </a:lvl6pPr>
-            <a:lvl7pPr marL="3010897" indent="-304747" algn="l" defTabSz="1218987" rtl="0" eaLnBrk="1" latinLnBrk="0" hangingPunct="1">
+            <a:lvl7pPr marL="3010897" indent="-304747" algn="l" defTabSz="1218987">
               <a:lnSpc>
                 <a:spcPct val="90000"/>
               </a:lnSpc>
@@ -6477,9 +6002,9 @@
               <a:buClr>
                 <a:schemeClr val="accent1"/>
               </a:buClr>
-              <a:buFont typeface="Arial" pitchFamily="34" charset="0"/>
+              <a:buFont typeface="Arial"/>
               <a:buChar char="•"/>
-              <a:defRPr sz="2000" kern="1200" baseline="0">
+              <a:defRPr sz="2000">
                 <a:solidFill>
                   <a:schemeClr val="tx1"/>
                 </a:solidFill>
@@ -6488,7 +6013,7 @@
                 <a:cs typeface="+mn-cs"/>
               </a:defRPr>
             </a:lvl7pPr>
-            <a:lvl8pPr marL="3461922" indent="-304747" algn="l" defTabSz="1218987" rtl="0" eaLnBrk="1" latinLnBrk="0" hangingPunct="1">
+            <a:lvl8pPr marL="3461922" indent="-304747" algn="l" defTabSz="1218987">
               <a:lnSpc>
                 <a:spcPct val="90000"/>
               </a:lnSpc>
@@ -6498,9 +6023,9 @@
               <a:buClr>
                 <a:schemeClr val="accent1"/>
               </a:buClr>
-              <a:buFont typeface="Arial" pitchFamily="34" charset="0"/>
+              <a:buFont typeface="Arial"/>
               <a:buChar char="•"/>
-              <a:defRPr sz="2000" kern="1200" baseline="0">
+              <a:defRPr sz="2000">
                 <a:solidFill>
                   <a:schemeClr val="tx1"/>
                 </a:solidFill>
@@ -6509,7 +6034,7 @@
                 <a:cs typeface="+mn-cs"/>
               </a:defRPr>
             </a:lvl8pPr>
-            <a:lvl9pPr marL="3912947" indent="-304747" algn="l" defTabSz="1218987" rtl="0" eaLnBrk="1" latinLnBrk="0" hangingPunct="1">
+            <a:lvl9pPr marL="3912947" indent="-304747" algn="l" defTabSz="1218987">
               <a:lnSpc>
                 <a:spcPct val="90000"/>
               </a:lnSpc>
@@ -6519,9 +6044,9 @@
               <a:buClr>
                 <a:schemeClr val="accent1"/>
               </a:buClr>
-              <a:buFont typeface="Arial" pitchFamily="34" charset="0"/>
+              <a:buFont typeface="Arial"/>
               <a:buChar char="•"/>
-              <a:defRPr sz="2000" kern="1200" baseline="0">
+              <a:defRPr sz="2000">
                 <a:solidFill>
                   <a:schemeClr val="tx1"/>
                 </a:solidFill>
@@ -6534,20 +6059,15 @@
           <a:p>
             <a:pPr marL="0" indent="0">
               <a:buNone/>
-            </a:pPr>
-            <a:endParaRPr lang="en-US" dirty="0"/>
-          </a:p>
-        </p:txBody>
-      </p:sp>
-      <p:sp>
-        <p:nvSpPr>
-          <p:cNvPr id="5" name="Content Placeholder 4">
-            <a:extLst>
-              <a:ext uri="{FF2B5EF4-FFF2-40B4-BE49-F238E27FC236}">
-                <a16:creationId xmlns:a16="http://schemas.microsoft.com/office/drawing/2014/main" id="{D2A44F8D-65CB-4E01-C6D0-F7783BB0EF1A}"/>
-              </a:ext>
-            </a:extLst>
-          </p:cNvPr>
+              <a:defRPr/>
+            </a:pPr>
+            <a:endParaRPr lang="en-US"/>
+          </a:p>
+        </p:txBody>
+      </p:sp>
+      <p:sp>
+        <p:nvSpPr>
+          <p:cNvPr id="5" name="Content Placeholder 4"/>
           <p:cNvSpPr>
             <a:spLocks noGrp="1"/>
           </p:cNvSpPr>
@@ -6555,7 +6075,7 @@
             <p:ph sz="half" idx="1"/>
           </p:nvPr>
         </p:nvSpPr>
-        <p:spPr>
+        <p:spPr bwMode="auto">
           <a:xfrm>
             <a:off x="1141412" y="1600200"/>
             <a:ext cx="7620000" cy="1894357"/>
@@ -6569,70 +6089,73 @@
           <a:p>
             <a:pPr marL="0" indent="0">
               <a:buNone/>
-            </a:pPr>
-            <a:r>
-              <a:rPr lang="en-US" sz="3600" b="1" dirty="0" err="1"/>
+              <a:defRPr/>
+            </a:pPr>
+            <a:r>
+              <a:rPr lang="en-US" sz="3600" b="1"/>
               <a:t>Emp.x</a:t>
             </a:r>
             <a:r>
-              <a:rPr lang="en-US" sz="3600" b="1" dirty="0"/>
+              <a:rPr lang="en-US" sz="3600" b="1"/>
               <a:t>=‘A’;</a:t>
             </a:r>
+            <a:endParaRPr/>
           </a:p>
           <a:p>
             <a:pPr marL="0" indent="0">
               <a:buNone/>
-            </a:pPr>
-            <a:r>
-              <a:rPr lang="en-US" sz="3600" b="1" dirty="0" err="1"/>
+              <a:defRPr/>
+            </a:pPr>
+            <a:r>
+              <a:rPr lang="en-US" sz="3600" b="1"/>
               <a:t>Emp.y</a:t>
             </a:r>
             <a:r>
-              <a:rPr lang="en-US" sz="3600" b="1" dirty="0"/>
+              <a:rPr lang="en-US" sz="3600" b="1"/>
               <a:t>=</a:t>
             </a:r>
             <a:r>
-              <a:rPr lang="en-US" sz="3600" b="1" dirty="0">
-                <a:latin typeface="Times New Roman" panose="02020603050405020304" pitchFamily="18" charset="0"/>
-                <a:cs typeface="Times New Roman" panose="02020603050405020304" pitchFamily="18" charset="0"/>
+              <a:rPr lang="en-US" sz="3600" b="1">
+                <a:latin typeface="Times New Roman"/>
+                <a:cs typeface="Times New Roman"/>
               </a:rPr>
               <a:t>5.5</a:t>
             </a:r>
             <a:r>
-              <a:rPr lang="en-US" sz="3600" b="1" dirty="0"/>
+              <a:rPr lang="en-US" sz="3600" b="1"/>
               <a:t>;</a:t>
             </a:r>
+            <a:endParaRPr/>
           </a:p>
           <a:p>
             <a:pPr marL="0" indent="0">
               <a:buNone/>
-            </a:pPr>
-            <a:endParaRPr lang="en-US" sz="3600" b="1" dirty="0"/>
-          </a:p>
-          <a:p>
-            <a:endParaRPr lang="en-US" sz="3600" b="1" dirty="0"/>
+              <a:defRPr/>
+            </a:pPr>
+            <a:endParaRPr lang="en-US" sz="3600" b="1"/>
+          </a:p>
+          <a:p>
+            <a:pPr>
+              <a:defRPr/>
+            </a:pPr>
+            <a:endParaRPr lang="en-US" sz="3600" b="1"/>
           </a:p>
         </p:txBody>
       </p:sp>
     </p:spTree>
-    <p:extLst>
-      <p:ext uri="{BB962C8B-B14F-4D97-AF65-F5344CB8AC3E}">
-        <p14:creationId xmlns:p14="http://schemas.microsoft.com/office/powerpoint/2010/main" val="1143980971"/>
-      </p:ext>
-    </p:extLst>
   </p:cSld>
   <p:clrMapOvr>
     <a:masterClrMapping/>
   </p:clrMapOvr>
-  <mc:AlternateContent xmlns:mc="http://schemas.openxmlformats.org/markup-compatibility/2006" xmlns:p14="http://schemas.microsoft.com/office/powerpoint/2010/main">
-    <mc:Choice Requires="p14">
-      <p:transition spd="med" p14:dur="700">
-        <p:fade/>
+  <mc:AlternateContent xmlns:mc="http://schemas.openxmlformats.org/markup-compatibility/2006">
+    <mc:Choice xmlns:p14="http://schemas.microsoft.com/office/powerpoint/2010/main" Requires="p14">
+      <p:transition spd="med" p14:dur="700" advClick="1">
+        <p:fade thruBlk="0"/>
       </p:transition>
     </mc:Choice>
-    <mc:Fallback xmlns="">
-      <p:transition spd="med">
-        <p:fade/>
+    <mc:Fallback>
+      <p:transition spd="med" advClick="1">
+        <p:fade thruBlk="0"/>
       </p:transition>
     </mc:Fallback>
   </mc:AlternateContent>
@@ -6640,15 +6163,15 @@
 </file>
 
 <file path=ppt/slides/slide5.xml><?xml version="1.0" encoding="utf-8"?>
-<p:sld xmlns:a="http://schemas.openxmlformats.org/drawingml/2006/main" xmlns:r="http://schemas.openxmlformats.org/officeDocument/2006/relationships" xmlns:p="http://schemas.openxmlformats.org/presentationml/2006/main">
-  <p:cSld>
+<p:sld xmlns:a="http://schemas.openxmlformats.org/drawingml/2006/main" xmlns:r="http://schemas.openxmlformats.org/officeDocument/2006/relationships" xmlns:p="http://schemas.openxmlformats.org/presentationml/2006/main" xmlns:m="http://schemas.openxmlformats.org/officeDocument/2006/math" xmlns:w="http://schemas.openxmlformats.org/wordprocessingml/2006/main" showMasterPhAnim="0" show="1">
+  <p:cSld name="">
     <p:spTree>
       <p:nvGrpSpPr>
         <p:cNvPr id="1" name=""/>
         <p:cNvGrpSpPr/>
         <p:nvPr/>
       </p:nvGrpSpPr>
-      <p:grpSpPr>
+      <p:grpSpPr bwMode="auto">
         <a:xfrm>
           <a:off x="0" y="0"/>
           <a:ext cx="0" cy="0"/>
@@ -6662,7 +6185,7 @@
           <p:cNvSpPr/>
           <p:nvPr/>
         </p:nvSpPr>
-        <p:spPr>
+        <p:spPr bwMode="auto">
           <a:xfrm>
             <a:off x="-77788" y="3243"/>
             <a:ext cx="9479280" cy="762000"/>
@@ -6672,32 +6195,27 @@
           </a:prstGeom>
         </p:spPr>
         <p:txBody>
-          <a:bodyPr vert="horz" lIns="121899" tIns="60949" rIns="121899" bIns="60949" rtlCol="0" anchor="b">
+          <a:bodyPr vert="horz" lIns="121898" tIns="60949" rIns="121898" bIns="60949" rtlCol="0" anchor="b">
             <a:noAutofit/>
           </a:bodyPr>
           <a:lstStyle/>
           <a:p>
-            <a:endParaRPr lang="en-IN" b="1" dirty="0"/>
-          </a:p>
-        </p:txBody>
-      </p:sp>
-      <p:sp>
-        <p:nvSpPr>
-          <p:cNvPr id="4" name="Content Placeholder 3">
-            <a:extLst>
-              <a:ext uri="{FF2B5EF4-FFF2-40B4-BE49-F238E27FC236}">
-                <a16:creationId xmlns:a16="http://schemas.microsoft.com/office/drawing/2014/main" id="{1481EA37-E138-2649-6B1C-AFCC07766C68}"/>
-              </a:ext>
-            </a:extLst>
-          </p:cNvPr>
-          <p:cNvSpPr txBox="1">
-            <a:spLocks/>
-          </p:cNvSpPr>
+            <a:pPr>
+              <a:defRPr/>
+            </a:pPr>
+            <a:endParaRPr lang="en-IN" b="1"/>
+          </a:p>
+        </p:txBody>
+      </p:sp>
+      <p:sp>
+        <p:nvSpPr>
+          <p:cNvPr id="4" name="Content Placeholder 3"/>
+          <p:cNvSpPr txBox="1"/>
           <p:nvPr/>
         </p:nvSpPr>
-        <p:spPr>
+        <p:spPr bwMode="auto">
           <a:xfrm>
-            <a:off x="569912" y="2895599"/>
+            <a:off x="569912" y="2895598"/>
             <a:ext cx="11049000" cy="1981199"/>
           </a:xfrm>
           <a:prstGeom prst="rect">
@@ -6705,11 +6223,11 @@
           </a:prstGeom>
         </p:spPr>
         <p:txBody>
-          <a:bodyPr vert="horz" lIns="121899" tIns="60949" rIns="121899" bIns="60949" rtlCol="0">
+          <a:bodyPr vert="horz" lIns="121898" tIns="60949" rIns="121898" bIns="60949" rtlCol="0">
             <a:normAutofit/>
           </a:bodyPr>
           <a:lstStyle>
-            <a:lvl1pPr marL="304747" indent="-304747" algn="l" defTabSz="1218987" rtl="0" eaLnBrk="1" latinLnBrk="0" hangingPunct="1">
+            <a:lvl1pPr marL="304747" indent="-304747" algn="l" defTabSz="1218987">
               <a:lnSpc>
                 <a:spcPct val="90000"/>
               </a:lnSpc>
@@ -6721,9 +6239,9 @@
                   <a:lumMod val="75000"/>
                 </a:schemeClr>
               </a:buClr>
-              <a:buFont typeface="Arial" pitchFamily="34" charset="0"/>
+              <a:buFont typeface="Arial"/>
               <a:buChar char="•"/>
-              <a:defRPr sz="2800" kern="1200">
+              <a:defRPr sz="2800">
                 <a:solidFill>
                   <a:schemeClr val="tx1"/>
                 </a:solidFill>
@@ -6732,7 +6250,7 @@
                 <a:cs typeface="+mn-cs"/>
               </a:defRPr>
             </a:lvl1pPr>
-            <a:lvl2pPr marL="755772" indent="-304747" algn="l" defTabSz="1218987" rtl="0" eaLnBrk="1" latinLnBrk="0" hangingPunct="1">
+            <a:lvl2pPr marL="755772" indent="-304747" algn="l" defTabSz="1218987">
               <a:lnSpc>
                 <a:spcPct val="90000"/>
               </a:lnSpc>
@@ -6744,9 +6262,9 @@
                   <a:lumMod val="75000"/>
                 </a:schemeClr>
               </a:buClr>
-              <a:buFont typeface="Arial" pitchFamily="34" charset="0"/>
+              <a:buFont typeface="Arial"/>
               <a:buChar char="–"/>
-              <a:defRPr sz="2400" kern="1200">
+              <a:defRPr sz="2400">
                 <a:solidFill>
                   <a:schemeClr val="tx1"/>
                 </a:solidFill>
@@ -6755,7 +6273,7 @@
                 <a:cs typeface="+mn-cs"/>
               </a:defRPr>
             </a:lvl2pPr>
-            <a:lvl3pPr marL="1206797" indent="-304747" algn="l" defTabSz="1218987" rtl="0" eaLnBrk="1" latinLnBrk="0" hangingPunct="1">
+            <a:lvl3pPr marL="1206797" indent="-304747" algn="l" defTabSz="1218987">
               <a:lnSpc>
                 <a:spcPct val="90000"/>
               </a:lnSpc>
@@ -6767,9 +6285,9 @@
                   <a:lumMod val="75000"/>
                 </a:schemeClr>
               </a:buClr>
-              <a:buFont typeface="Arial" pitchFamily="34" charset="0"/>
+              <a:buFont typeface="Arial"/>
               <a:buChar char="•"/>
-              <a:defRPr sz="2000" kern="1200">
+              <a:defRPr sz="2000">
                 <a:solidFill>
                   <a:schemeClr val="tx1"/>
                 </a:solidFill>
@@ -6778,7 +6296,7 @@
                 <a:cs typeface="+mn-cs"/>
               </a:defRPr>
             </a:lvl3pPr>
-            <a:lvl4pPr marL="1657822" indent="-304747" algn="l" defTabSz="1218987" rtl="0" eaLnBrk="1" latinLnBrk="0" hangingPunct="1">
+            <a:lvl4pPr marL="1657822" indent="-304747" algn="l" defTabSz="1218987">
               <a:lnSpc>
                 <a:spcPct val="90000"/>
               </a:lnSpc>
@@ -6790,9 +6308,9 @@
                   <a:lumMod val="75000"/>
                 </a:schemeClr>
               </a:buClr>
-              <a:buFont typeface="Arial" pitchFamily="34" charset="0"/>
+              <a:buFont typeface="Arial"/>
               <a:buChar char="•"/>
-              <a:defRPr sz="2000" kern="1200">
+              <a:defRPr sz="2000">
                 <a:solidFill>
                   <a:schemeClr val="tx1"/>
                 </a:solidFill>
@@ -6801,7 +6319,7 @@
                 <a:cs typeface="+mn-cs"/>
               </a:defRPr>
             </a:lvl4pPr>
-            <a:lvl5pPr marL="2108847" indent="-304747" algn="l" defTabSz="1218987" rtl="0" eaLnBrk="1" latinLnBrk="0" hangingPunct="1">
+            <a:lvl5pPr marL="2108847" indent="-304747" algn="l" defTabSz="1218987">
               <a:lnSpc>
                 <a:spcPct val="90000"/>
               </a:lnSpc>
@@ -6813,9 +6331,9 @@
                   <a:lumMod val="75000"/>
                 </a:schemeClr>
               </a:buClr>
-              <a:buFont typeface="Arial" pitchFamily="34" charset="0"/>
+              <a:buFont typeface="Arial"/>
               <a:buChar char="•"/>
-              <a:defRPr sz="2000" kern="1200">
+              <a:defRPr sz="2000">
                 <a:solidFill>
                   <a:schemeClr val="tx1"/>
                 </a:solidFill>
@@ -6824,7 +6342,7 @@
                 <a:cs typeface="+mn-cs"/>
               </a:defRPr>
             </a:lvl5pPr>
-            <a:lvl6pPr marL="2559872" indent="-304747" algn="l" defTabSz="1218987" rtl="0" eaLnBrk="1" latinLnBrk="0" hangingPunct="1">
+            <a:lvl6pPr marL="2559872" indent="-304747" algn="l" defTabSz="1218987">
               <a:lnSpc>
                 <a:spcPct val="90000"/>
               </a:lnSpc>
@@ -6834,9 +6352,9 @@
               <a:buClr>
                 <a:schemeClr val="accent1"/>
               </a:buClr>
-              <a:buFont typeface="Arial" pitchFamily="34" charset="0"/>
+              <a:buFont typeface="Arial"/>
               <a:buChar char="•"/>
-              <a:defRPr sz="2000" kern="1200" baseline="0">
+              <a:defRPr sz="2000">
                 <a:solidFill>
                   <a:schemeClr val="tx1"/>
                 </a:solidFill>
@@ -6845,7 +6363,7 @@
                 <a:cs typeface="+mn-cs"/>
               </a:defRPr>
             </a:lvl6pPr>
-            <a:lvl7pPr marL="3010897" indent="-304747" algn="l" defTabSz="1218987" rtl="0" eaLnBrk="1" latinLnBrk="0" hangingPunct="1">
+            <a:lvl7pPr marL="3010897" indent="-304747" algn="l" defTabSz="1218987">
               <a:lnSpc>
                 <a:spcPct val="90000"/>
               </a:lnSpc>
@@ -6855,9 +6373,9 @@
               <a:buClr>
                 <a:schemeClr val="accent1"/>
               </a:buClr>
-              <a:buFont typeface="Arial" pitchFamily="34" charset="0"/>
+              <a:buFont typeface="Arial"/>
               <a:buChar char="•"/>
-              <a:defRPr sz="2000" kern="1200" baseline="0">
+              <a:defRPr sz="2000">
                 <a:solidFill>
                   <a:schemeClr val="tx1"/>
                 </a:solidFill>
@@ -6866,7 +6384,7 @@
                 <a:cs typeface="+mn-cs"/>
               </a:defRPr>
             </a:lvl7pPr>
-            <a:lvl8pPr marL="3461922" indent="-304747" algn="l" defTabSz="1218987" rtl="0" eaLnBrk="1" latinLnBrk="0" hangingPunct="1">
+            <a:lvl8pPr marL="3461922" indent="-304747" algn="l" defTabSz="1218987">
               <a:lnSpc>
                 <a:spcPct val="90000"/>
               </a:lnSpc>
@@ -6876,9 +6394,9 @@
               <a:buClr>
                 <a:schemeClr val="accent1"/>
               </a:buClr>
-              <a:buFont typeface="Arial" pitchFamily="34" charset="0"/>
+              <a:buFont typeface="Arial"/>
               <a:buChar char="•"/>
-              <a:defRPr sz="2000" kern="1200" baseline="0">
+              <a:defRPr sz="2000">
                 <a:solidFill>
                   <a:schemeClr val="tx1"/>
                 </a:solidFill>
@@ -6887,7 +6405,7 @@
                 <a:cs typeface="+mn-cs"/>
               </a:defRPr>
             </a:lvl8pPr>
-            <a:lvl9pPr marL="3912947" indent="-304747" algn="l" defTabSz="1218987" rtl="0" eaLnBrk="1" latinLnBrk="0" hangingPunct="1">
+            <a:lvl9pPr marL="3912947" indent="-304747" algn="l" defTabSz="1218987">
               <a:lnSpc>
                 <a:spcPct val="90000"/>
               </a:lnSpc>
@@ -6897,9 +6415,9 @@
               <a:buClr>
                 <a:schemeClr val="accent1"/>
               </a:buClr>
-              <a:buFont typeface="Arial" pitchFamily="34" charset="0"/>
+              <a:buFont typeface="Arial"/>
               <a:buChar char="•"/>
-              <a:defRPr sz="2000" kern="1200" baseline="0">
+              <a:defRPr sz="2000">
                 <a:solidFill>
                   <a:schemeClr val="tx1"/>
                 </a:solidFill>
@@ -6912,27 +6430,22 @@
           <a:p>
             <a:pPr marL="0" indent="0">
               <a:buNone/>
-            </a:pPr>
-            <a:endParaRPr lang="en-US" dirty="0"/>
-          </a:p>
-        </p:txBody>
-      </p:sp>
-      <p:sp>
-        <p:nvSpPr>
-          <p:cNvPr id="10" name="TextBox 9">
-            <a:extLst>
-              <a:ext uri="{FF2B5EF4-FFF2-40B4-BE49-F238E27FC236}">
-                <a16:creationId xmlns:a16="http://schemas.microsoft.com/office/drawing/2014/main" id="{BFD6BF30-A524-14F2-3EAF-C671D7085706}"/>
-              </a:ext>
-            </a:extLst>
-          </p:cNvPr>
+              <a:defRPr/>
+            </a:pPr>
+            <a:endParaRPr lang="en-US"/>
+          </a:p>
+        </p:txBody>
+      </p:sp>
+      <p:sp>
+        <p:nvSpPr>
+          <p:cNvPr id="10" name="TextBox 9"/>
           <p:cNvSpPr txBox="1"/>
           <p:nvPr/>
         </p:nvSpPr>
-        <p:spPr>
+        <p:spPr bwMode="auto">
           <a:xfrm>
-            <a:off x="455612" y="1450441"/>
-            <a:ext cx="11163300" cy="1384995"/>
+            <a:off x="455611" y="1450440"/>
+            <a:ext cx="11164739" cy="1371960"/>
           </a:xfrm>
           <a:prstGeom prst="rect">
             <a:avLst/>
@@ -6945,29 +6458,27 @@
           </a:bodyPr>
           <a:lstStyle/>
           <a:p>
-            <a:r>
-              <a:rPr lang="en-US" sz="2800" dirty="0"/>
+            <a:pPr>
+              <a:defRPr/>
+            </a:pPr>
+            <a:r>
+              <a:rPr lang="en-US" sz="2800"/>
               <a:t>We use member access operator (.) to access members of a union in C. It is used between the union variable name and the union member that we want to access.</a:t>
             </a:r>
-          </a:p>
-        </p:txBody>
-      </p:sp>
-      <p:sp>
-        <p:nvSpPr>
-          <p:cNvPr id="12" name="TextBox 11">
-            <a:extLst>
-              <a:ext uri="{FF2B5EF4-FFF2-40B4-BE49-F238E27FC236}">
-                <a16:creationId xmlns:a16="http://schemas.microsoft.com/office/drawing/2014/main" id="{F68FB933-BCD1-440C-282D-5FBF98319FF9}"/>
-              </a:ext>
-            </a:extLst>
-          </p:cNvPr>
+            <a:endParaRPr/>
+          </a:p>
+        </p:txBody>
+      </p:sp>
+      <p:sp>
+        <p:nvSpPr>
+          <p:cNvPr id="12" name="TextBox 11"/>
           <p:cNvSpPr txBox="1"/>
           <p:nvPr/>
         </p:nvSpPr>
-        <p:spPr>
+        <p:spPr bwMode="auto">
           <a:xfrm>
-            <a:off x="74612" y="119065"/>
-            <a:ext cx="7239000" cy="707886"/>
+            <a:off x="74611" y="119064"/>
+            <a:ext cx="7240439" cy="701399"/>
           </a:xfrm>
           <a:prstGeom prst="rect">
             <a:avLst/>
@@ -6980,67 +6491,55 @@
           </a:bodyPr>
           <a:lstStyle/>
           <a:p>
-            <a:r>
-              <a:rPr lang="en-US" sz="4000" b="1" dirty="0"/>
+            <a:pPr>
+              <a:defRPr/>
+            </a:pPr>
+            <a:r>
+              <a:rPr lang="en-US" sz="4000" b="1"/>
               <a:t>Accessing a Union Member</a:t>
             </a:r>
+            <a:endParaRPr/>
           </a:p>
         </p:txBody>
       </p:sp>
       <p:pic>
         <p:nvPicPr>
-          <p:cNvPr id="8" name="Content Placeholder 7">
-            <a:extLst>
-              <a:ext uri="{FF2B5EF4-FFF2-40B4-BE49-F238E27FC236}">
-                <a16:creationId xmlns:a16="http://schemas.microsoft.com/office/drawing/2014/main" id="{3C6FFFAC-1525-CC13-86AE-0BF9702F9800}"/>
-              </a:ext>
-            </a:extLst>
-          </p:cNvPr>
+          <p:cNvPr id="8" name="Content Placeholder 7"/>
           <p:cNvPicPr>
-            <a:picLocks noGrp="1" noChangeAspect="1"/>
+            <a:picLocks noChangeAspect="1" noGrp="1"/>
           </p:cNvPicPr>
           <p:nvPr>
             <p:ph sz="half" idx="1"/>
           </p:nvPr>
         </p:nvPicPr>
         <p:blipFill>
-          <a:blip r:embed="rId2">
-            <a:extLst>
-              <a:ext uri="{28A0092B-C50C-407E-A947-70E740481C1C}">
-                <a14:useLocalDpi xmlns:a14="http://schemas.microsoft.com/office/drawing/2010/main" val="0"/>
-              </a:ext>
-            </a:extLst>
-          </a:blip>
-          <a:stretch>
-            <a:fillRect/>
-          </a:stretch>
+          <a:blip r:embed="rId2"/>
+          <a:stretch/>
         </p:blipFill>
-        <p:spPr>
+        <p:spPr bwMode="auto">
           <a:xfrm>
             <a:off x="912812" y="2943494"/>
             <a:ext cx="9753600" cy="3766298"/>
           </a:xfrm>
+          <a:prstGeom prst="rect">
+            <a:avLst/>
+          </a:prstGeom>
         </p:spPr>
       </p:pic>
     </p:spTree>
-    <p:extLst>
-      <p:ext uri="{BB962C8B-B14F-4D97-AF65-F5344CB8AC3E}">
-        <p14:creationId xmlns:p14="http://schemas.microsoft.com/office/powerpoint/2010/main" val="1895443913"/>
-      </p:ext>
-    </p:extLst>
   </p:cSld>
   <p:clrMapOvr>
     <a:masterClrMapping/>
   </p:clrMapOvr>
-  <mc:AlternateContent xmlns:mc="http://schemas.openxmlformats.org/markup-compatibility/2006" xmlns:p14="http://schemas.microsoft.com/office/powerpoint/2010/main">
-    <mc:Choice Requires="p14">
-      <p:transition spd="med" p14:dur="700">
-        <p:fade/>
+  <mc:AlternateContent xmlns:mc="http://schemas.openxmlformats.org/markup-compatibility/2006">
+    <mc:Choice xmlns:p14="http://schemas.microsoft.com/office/powerpoint/2010/main" Requires="p14">
+      <p:transition spd="med" p14:dur="700" advClick="1">
+        <p:fade thruBlk="0"/>
       </p:transition>
     </mc:Choice>
-    <mc:Fallback xmlns="">
-      <p:transition spd="med">
-        <p:fade/>
+    <mc:Fallback>
+      <p:transition spd="med" advClick="1">
+        <p:fade thruBlk="0"/>
       </p:transition>
     </mc:Fallback>
   </mc:AlternateContent>
@@ -7048,15 +6547,15 @@
 </file>
 
 <file path=ppt/slides/slide6.xml><?xml version="1.0" encoding="utf-8"?>
-<p:sld xmlns:a="http://schemas.openxmlformats.org/drawingml/2006/main" xmlns:r="http://schemas.openxmlformats.org/officeDocument/2006/relationships" xmlns:p="http://schemas.openxmlformats.org/presentationml/2006/main">
-  <p:cSld>
+<p:sld xmlns:a="http://schemas.openxmlformats.org/drawingml/2006/main" xmlns:r="http://schemas.openxmlformats.org/officeDocument/2006/relationships" xmlns:p="http://schemas.openxmlformats.org/presentationml/2006/main" xmlns:m="http://schemas.openxmlformats.org/officeDocument/2006/math" xmlns:w="http://schemas.openxmlformats.org/wordprocessingml/2006/main" showMasterPhAnim="0" show="1">
+  <p:cSld name="">
     <p:spTree>
       <p:nvGrpSpPr>
         <p:cNvPr id="1" name=""/>
         <p:cNvGrpSpPr/>
         <p:nvPr/>
       </p:nvGrpSpPr>
-      <p:grpSpPr>
+      <p:grpSpPr bwMode="auto">
         <a:xfrm>
           <a:off x="0" y="0"/>
           <a:ext cx="0" cy="0"/>
@@ -7070,7 +6569,7 @@
           <p:cNvSpPr/>
           <p:nvPr/>
         </p:nvSpPr>
-        <p:spPr>
+        <p:spPr bwMode="auto">
           <a:xfrm>
             <a:off x="0" y="-533400"/>
             <a:ext cx="11657012" cy="1295400"/>
@@ -7080,27 +6579,25 @@
           </a:prstGeom>
         </p:spPr>
         <p:txBody>
-          <a:bodyPr vert="horz" lIns="121899" tIns="60949" rIns="121899" bIns="60949" rtlCol="0" anchor="b">
+          <a:bodyPr vert="horz" lIns="121898" tIns="60949" rIns="121898" bIns="60949" rtlCol="0" anchor="b">
             <a:noAutofit/>
           </a:bodyPr>
           <a:lstStyle/>
           <a:p>
-            <a:r>
-              <a:rPr lang="en-US" sz="4000" b="1" dirty="0"/>
+            <a:pPr>
+              <a:defRPr/>
+            </a:pPr>
+            <a:r>
+              <a:rPr lang="en-US" sz="4000" b="1"/>
               <a:t>Difference Between Structure and Union </a:t>
             </a:r>
-          </a:p>
-        </p:txBody>
-      </p:sp>
-      <p:sp>
-        <p:nvSpPr>
-          <p:cNvPr id="2" name="Content Placeholder 3">
-            <a:extLst>
-              <a:ext uri="{FF2B5EF4-FFF2-40B4-BE49-F238E27FC236}">
-                <a16:creationId xmlns:a16="http://schemas.microsoft.com/office/drawing/2014/main" id="{D7B5ACF5-358C-A9FA-49D8-AF95F54A052F}"/>
-              </a:ext>
-            </a:extLst>
-          </p:cNvPr>
+            <a:endParaRPr/>
+          </a:p>
+        </p:txBody>
+      </p:sp>
+      <p:sp>
+        <p:nvSpPr>
+          <p:cNvPr id="2" name="Content Placeholder 3"/>
           <p:cNvSpPr>
             <a:spLocks noGrp="1"/>
           </p:cNvSpPr>
@@ -7108,7 +6605,7 @@
             <p:ph idx="1"/>
           </p:nvPr>
         </p:nvSpPr>
-        <p:spPr>
+        <p:spPr bwMode="auto">
           <a:xfrm>
             <a:off x="227012" y="1447800"/>
             <a:ext cx="11201400" cy="4876800"/>
@@ -7120,56 +6617,71 @@
           </a:bodyPr>
           <a:lstStyle/>
           <a:p>
-            <a:r>
-              <a:rPr lang="en-US" dirty="0"/>
+            <a:pPr>
+              <a:defRPr/>
+            </a:pPr>
+            <a:r>
+              <a:rPr lang="en-US"/>
               <a:t>In union, we can only initialize a the first data member whereas in a structure, we can initialize many data members at once.</a:t>
             </a:r>
-          </a:p>
-          <a:p>
-            <a:r>
-              <a:rPr lang="en-US" dirty="0"/>
+            <a:endParaRPr/>
+          </a:p>
+          <a:p>
+            <a:pPr>
+              <a:defRPr/>
+            </a:pPr>
+            <a:r>
+              <a:rPr lang="en-US"/>
               <a:t>Compiler allocates memory for each member of a structure while for a union, it allocates memory equal to the size of the largest data member.</a:t>
             </a:r>
-          </a:p>
-          <a:p>
-            <a:r>
-              <a:rPr lang="en-US" dirty="0"/>
+            <a:endParaRPr/>
+          </a:p>
+          <a:p>
+            <a:pPr>
+              <a:defRPr/>
+            </a:pPr>
+            <a:r>
+              <a:rPr lang="en-US"/>
               <a:t>Union members share a memory location while structure members have a unique storage location each.</a:t>
             </a:r>
-          </a:p>
-          <a:p>
-            <a:r>
-              <a:rPr lang="en-US" dirty="0"/>
+            <a:endParaRPr/>
+          </a:p>
+          <a:p>
+            <a:pPr>
+              <a:defRPr/>
+            </a:pPr>
+            <a:r>
+              <a:rPr lang="en-US"/>
               <a:t>In a structure, we can access individual members simultaneously while in a union, we can only access one member at a time.</a:t>
             </a:r>
-          </a:p>
-          <a:p>
-            <a:r>
-              <a:rPr lang="en-US" dirty="0"/>
+            <a:endParaRPr/>
+          </a:p>
+          <a:p>
+            <a:pPr>
+              <a:defRPr/>
+            </a:pPr>
+            <a:r>
+              <a:rPr lang="en-US"/>
               <a:t>If we change the value of a member in a structure, it won't affect its other members but in a union, changing the value of one member will affect the others.</a:t>
             </a:r>
+            <a:endParaRPr/>
           </a:p>
         </p:txBody>
       </p:sp>
     </p:spTree>
-    <p:extLst>
-      <p:ext uri="{BB962C8B-B14F-4D97-AF65-F5344CB8AC3E}">
-        <p14:creationId xmlns:p14="http://schemas.microsoft.com/office/powerpoint/2010/main" val="1053708497"/>
-      </p:ext>
-    </p:extLst>
   </p:cSld>
   <p:clrMapOvr>
     <a:masterClrMapping/>
   </p:clrMapOvr>
-  <mc:AlternateContent xmlns:mc="http://schemas.openxmlformats.org/markup-compatibility/2006" xmlns:p14="http://schemas.microsoft.com/office/powerpoint/2010/main">
-    <mc:Choice Requires="p14">
-      <p:transition spd="med" p14:dur="700">
-        <p:fade/>
+  <mc:AlternateContent xmlns:mc="http://schemas.openxmlformats.org/markup-compatibility/2006">
+    <mc:Choice xmlns:p14="http://schemas.microsoft.com/office/powerpoint/2010/main" Requires="p14">
+      <p:transition spd="med" p14:dur="700" advClick="1">
+        <p:fade thruBlk="0"/>
       </p:transition>
     </mc:Choice>
-    <mc:Fallback xmlns="">
-      <p:transition spd="med">
-        <p:fade/>
+    <mc:Fallback>
+      <p:transition spd="med" advClick="1">
+        <p:fade thruBlk="0"/>
       </p:transition>
     </mc:Fallback>
   </mc:AlternateContent>
@@ -7177,15 +6689,15 @@
 </file>
 
 <file path=ppt/slides/slide7.xml><?xml version="1.0" encoding="utf-8"?>
-<p:sld xmlns:a="http://schemas.openxmlformats.org/drawingml/2006/main" xmlns:r="http://schemas.openxmlformats.org/officeDocument/2006/relationships" xmlns:p="http://schemas.openxmlformats.org/presentationml/2006/main">
-  <p:cSld>
+<p:sld xmlns:a="http://schemas.openxmlformats.org/drawingml/2006/main" xmlns:r="http://schemas.openxmlformats.org/officeDocument/2006/relationships" xmlns:p="http://schemas.openxmlformats.org/presentationml/2006/main" xmlns:m="http://schemas.openxmlformats.org/officeDocument/2006/math" xmlns:w="http://schemas.openxmlformats.org/wordprocessingml/2006/main" showMasterPhAnim="0" show="1">
+  <p:cSld name="">
     <p:spTree>
       <p:nvGrpSpPr>
         <p:cNvPr id="1" name=""/>
         <p:cNvGrpSpPr/>
         <p:nvPr/>
       </p:nvGrpSpPr>
-      <p:grpSpPr>
+      <p:grpSpPr bwMode="auto">
         <a:xfrm>
           <a:off x="0" y="0"/>
           <a:ext cx="0" cy="0"/>
@@ -7203,7 +6715,7 @@
             <p:ph type="title"/>
           </p:nvPr>
         </p:nvSpPr>
-        <p:spPr>
+        <p:spPr bwMode="auto">
           <a:xfrm>
             <a:off x="2430559" y="838200"/>
             <a:ext cx="9141619" cy="2105367"/>
@@ -7213,10 +6725,14 @@
           <a:bodyPr/>
           <a:lstStyle/>
           <a:p>
-            <a:r>
-              <a:rPr lang="en-US" dirty="0"/>
+            <a:pPr>
+              <a:defRPr/>
+            </a:pPr>
+            <a:r>
+              <a:rPr lang="en-US"/>
               <a:t>Thanks</a:t>
             </a:r>
+            <a:endParaRPr/>
           </a:p>
         </p:txBody>
       </p:sp>
@@ -7230,7 +6746,7 @@
             <p:ph type="body" idx="1"/>
           </p:nvPr>
         </p:nvSpPr>
-        <p:spPr>
+        <p:spPr bwMode="auto">
           <a:xfrm>
             <a:off x="2459303" y="3124200"/>
             <a:ext cx="8763000" cy="2424918"/>
@@ -7240,42 +6756,42 @@
           </a:prstGeom>
         </p:spPr>
         <p:txBody>
-          <a:bodyPr vert="horz" lIns="121899" tIns="60949" rIns="121899" bIns="60949" rtlCol="0" anchor="b">
+          <a:bodyPr vert="horz" lIns="121898" tIns="60949" rIns="121898" bIns="60949" rtlCol="0" anchor="b">
             <a:normAutofit/>
           </a:bodyPr>
           <a:lstStyle/>
           <a:p>
-            <a:pPr algn="r"/>
-            <a:r>
-              <a:rPr lang="en-US" sz="3200" b="1" dirty="0"/>
+            <a:pPr algn="r">
+              <a:defRPr/>
+            </a:pPr>
+            <a:r>
+              <a:rPr lang="en-US" sz="3200" b="1"/>
               <a:t>Anirudha Gaikwad</a:t>
             </a:r>
-          </a:p>
-          <a:p>
-            <a:pPr algn="r"/>
-            <a:endParaRPr lang="en-US" sz="3200" b="1" dirty="0"/>
+            <a:endParaRPr/>
+          </a:p>
+          <a:p>
+            <a:pPr algn="r">
+              <a:defRPr/>
+            </a:pPr>
+            <a:endParaRPr lang="en-US" sz="3200" b="1"/>
           </a:p>
         </p:txBody>
       </p:sp>
     </p:spTree>
-    <p:extLst>
-      <p:ext uri="{BB962C8B-B14F-4D97-AF65-F5344CB8AC3E}">
-        <p14:creationId xmlns:p14="http://schemas.microsoft.com/office/powerpoint/2010/main" val="289063348"/>
-      </p:ext>
-    </p:extLst>
   </p:cSld>
   <p:clrMapOvr>
     <a:masterClrMapping/>
   </p:clrMapOvr>
-  <mc:AlternateContent xmlns:mc="http://schemas.openxmlformats.org/markup-compatibility/2006" xmlns:p14="http://schemas.microsoft.com/office/powerpoint/2010/main">
-    <mc:Choice Requires="p14">
-      <p:transition spd="med" p14:dur="700">
-        <p:fade/>
+  <mc:AlternateContent xmlns:mc="http://schemas.openxmlformats.org/markup-compatibility/2006">
+    <mc:Choice xmlns:p14="http://schemas.microsoft.com/office/powerpoint/2010/main" Requires="p14">
+      <p:transition spd="med" p14:dur="700" advClick="1">
+        <p:fade thruBlk="0"/>
       </p:transition>
     </mc:Choice>
-    <mc:Fallback xmlns="">
-      <p:transition spd="med">
-        <p:fade/>
+    <mc:Fallback>
+      <p:transition spd="med" advClick="1">
+        <p:fade thruBlk="0"/>
       </p:transition>
     </mc:Fallback>
   </mc:AlternateContent>
@@ -7283,7 +6799,7 @@
 </file>
 
 <file path=ppt/theme/theme1.xml><?xml version="1.0" encoding="utf-8"?>
-<a:theme xmlns:a="http://schemas.openxmlformats.org/drawingml/2006/main" name="Cooking 16x9">
+<a:theme xmlns:a="http://schemas.openxmlformats.org/drawingml/2006/main" xmlns:r="http://schemas.openxmlformats.org/officeDocument/2006/relationships" xmlns:p="http://schemas.openxmlformats.org/presentationml/2006/main" name="Cooking 16x9">
   <a:themeElements>
     <a:clrScheme name="Cooking_16x9">
       <a:dk1>
@@ -7326,73 +6842,13 @@
     <a:fontScheme name="Constantia">
       <a:majorFont>
         <a:latin typeface="Constantia"/>
-        <a:ea typeface=""/>
-        <a:cs typeface=""/>
-        <a:font script="Jpan" typeface="ＭＳ ゴシック"/>
-        <a:font script="Hang" typeface="HY중고딕"/>
-        <a:font script="Hans" typeface="幼圆"/>
-        <a:font script="Hant" typeface="微軟正黑體"/>
-        <a:font script="Arab" typeface="Tahoma"/>
-        <a:font script="Hebr" typeface="Gisha"/>
-        <a:font script="Thai" typeface="DilleniaUPC"/>
-        <a:font script="Ethi" typeface="Nyala"/>
-        <a:font script="Beng" typeface="Vrinda"/>
-        <a:font script="Gujr" typeface="Shruti"/>
-        <a:font script="Khmr" typeface="DaunPenh"/>
-        <a:font script="Knda" typeface="Tunga"/>
-        <a:font script="Guru" typeface="Raavi"/>
-        <a:font script="Cans" typeface="Euphemia"/>
-        <a:font script="Cher" typeface="Plantagenet Cherokee"/>
-        <a:font script="Yiii" typeface="Microsoft Yi Baiti"/>
-        <a:font script="Tibt" typeface="Microsoft Himalaya"/>
-        <a:font script="Thaa" typeface="MV Boli"/>
-        <a:font script="Deva" typeface="Mangal"/>
-        <a:font script="Telu" typeface="Gautami"/>
-        <a:font script="Taml" typeface="Latha"/>
-        <a:font script="Syrc" typeface="Estrangelo Edessa"/>
-        <a:font script="Orya" typeface="Kalinga"/>
-        <a:font script="Mlym" typeface="Kartika"/>
-        <a:font script="Laoo" typeface="DokChampa"/>
-        <a:font script="Sinh" typeface="Iskoola Pota"/>
-        <a:font script="Mong" typeface="Mongolian Baiti"/>
-        <a:font script="Viet" typeface="Tahoma"/>
-        <a:font script="Uigh" typeface="Microsoft Uighur"/>
-        <a:font script="Geor" typeface="Sylfaen"/>
+        <a:ea typeface="Arial"/>
+        <a:cs typeface="Arial"/>
       </a:majorFont>
       <a:minorFont>
         <a:latin typeface="Constantia"/>
-        <a:ea typeface=""/>
-        <a:cs typeface=""/>
-        <a:font script="Jpan" typeface="ＭＳ ゴシック"/>
-        <a:font script="Hang" typeface="HY중고딕"/>
-        <a:font script="Hans" typeface="幼圆"/>
-        <a:font script="Hant" typeface="微軟正黑體"/>
-        <a:font script="Arab" typeface="Tahoma"/>
-        <a:font script="Hebr" typeface="Gisha"/>
-        <a:font script="Thai" typeface="DilleniaUPC"/>
-        <a:font script="Ethi" typeface="Nyala"/>
-        <a:font script="Beng" typeface="Vrinda"/>
-        <a:font script="Gujr" typeface="Shruti"/>
-        <a:font script="Khmr" typeface="DaunPenh"/>
-        <a:font script="Knda" typeface="Tunga"/>
-        <a:font script="Guru" typeface="Raavi"/>
-        <a:font script="Cans" typeface="Euphemia"/>
-        <a:font script="Cher" typeface="Plantagenet Cherokee"/>
-        <a:font script="Yiii" typeface="Microsoft Yi Baiti"/>
-        <a:font script="Tibt" typeface="Microsoft Himalaya"/>
-        <a:font script="Thaa" typeface="MV Boli"/>
-        <a:font script="Deva" typeface="Mangal"/>
-        <a:font script="Telu" typeface="Gautami"/>
-        <a:font script="Taml" typeface="Latha"/>
-        <a:font script="Syrc" typeface="Estrangelo Edessa"/>
-        <a:font script="Orya" typeface="Kalinga"/>
-        <a:font script="Mlym" typeface="Kartika"/>
-        <a:font script="Laoo" typeface="DokChampa"/>
-        <a:font script="Sinh" typeface="Iskoola Pota"/>
-        <a:font script="Mong" typeface="Mongolian Baiti"/>
-        <a:font script="Viet" typeface="Verdana"/>
-        <a:font script="Uigh" typeface="Microsoft Uighur"/>
-        <a:font script="Geor" typeface="Sylfaen"/>
+        <a:ea typeface="Arial"/>
+        <a:cs typeface="Arial"/>
       </a:minorFont>
     </a:fontScheme>
     <a:fmtScheme name="1SubtleSolids">
@@ -7429,8 +6885,8 @@
           <a:solidFill>
             <a:schemeClr val="phClr">
               <a:shade val="95000"/>
+              <a:satMod val="150000"/>
               <a:alpha val="50000"/>
-              <a:satMod val="150000"/>
             </a:schemeClr>
           </a:solidFill>
           <a:prstDash val="solid"/>
@@ -7438,35 +6894,38 @@
       </a:lnStyleLst>
       <a:effectStyleLst>
         <a:effectStyle>
-          <a:effectLst/>
-        </a:effectStyle>
-        <a:effectStyle>
-          <a:effectLst/>
+          <a:effectLst>
+            <a:outerShdw blurRad="40000" dist="20000" dir="5400000" rotWithShape="0">
+              <a:srgbClr val="000000">
+                <a:alpha val="38000"/>
+              </a:srgbClr>
+            </a:outerShdw>
+          </a:effectLst>
         </a:effectStyle>
         <a:effectStyle>
           <a:effectLst>
-            <a:outerShdw blurRad="44450" dist="13970" dir="5400000" algn="ctr" rotWithShape="0">
+            <a:outerShdw blurRad="40000" dist="23000" dir="5400000" rotWithShape="0">
               <a:srgbClr val="000000">
-                <a:alpha val="45000"/>
+                <a:alpha val="35000"/>
               </a:srgbClr>
             </a:outerShdw>
           </a:effectLst>
-          <a:scene3d>
-            <a:camera prst="orthographicFront">
-              <a:rot lat="0" lon="0" rev="0"/>
-            </a:camera>
-            <a:lightRig rig="twoPt" dir="tl"/>
-          </a:scene3d>
-          <a:sp3d prstMaterial="flat">
-            <a:bevelT w="12700" h="25400" prst="coolSlant"/>
-          </a:sp3d>
+        </a:effectStyle>
+        <a:effectStyle>
+          <a:effectLst>
+            <a:outerShdw blurRad="40000" dist="23000" dir="5400000" rotWithShape="0">
+              <a:srgbClr val="000000">
+                <a:alpha val="35000"/>
+              </a:srgbClr>
+            </a:outerShdw>
+          </a:effectLst>
         </a:effectStyle>
       </a:effectStyleLst>
       <a:bgFillStyleLst>
         <a:solidFill>
           <a:schemeClr val="phClr"/>
         </a:solidFill>
-        <a:gradFill rotWithShape="1">
+        <a:gradFill>
           <a:gsLst>
             <a:gs pos="0">
               <a:schemeClr val="phClr">
@@ -7481,11 +6940,9 @@
               </a:schemeClr>
             </a:gs>
           </a:gsLst>
-          <a:path path="circle">
-            <a:fillToRect r="100000" b="100000"/>
-          </a:path>
+          <a:path path="circle"/>
         </a:gradFill>
-        <a:gradFill rotWithShape="1">
+        <a:gradFill>
           <a:gsLst>
             <a:gs pos="0">
               <a:schemeClr val="phClr">
@@ -7500,492 +6957,22 @@
               </a:schemeClr>
             </a:gs>
           </a:gsLst>
-          <a:path path="circle">
-            <a:fillToRect l="180000" t="50000" b="50000"/>
-          </a:path>
+          <a:path path="circle"/>
         </a:gradFill>
       </a:bgFillStyleLst>
     </a:fmtScheme>
   </a:themeElements>
   <a:objectDefaults/>
-  <a:extraClrSchemeLst/>
-  <a:extLst>
-    <a:ext uri="{05A4C25C-085E-4340-85A3-A5531E510DB2}">
-      <thm15:themeFamily xmlns:thm15="http://schemas.microsoft.com/office/thememl/2012/main" name="Fresh food presentation (widescreen).potx" id="{63DD3034-9CB5-4B6F-BCA0-530A5E267AB2}" vid="{9783A5E3-1DF2-4F3C-8902-0C2EB8A188D6}"/>
-    </a:ext>
-  </a:extLst>
-</a:theme>
-</file>
-
-<file path=ppt/theme/theme2.xml><?xml version="1.0" encoding="utf-8"?>
-<a:theme xmlns:a="http://schemas.openxmlformats.org/drawingml/2006/main" name="Office Theme">
-  <a:themeElements>
-    <a:clrScheme name="Cooking_16x9">
-      <a:dk1>
-        <a:srgbClr val="000000"/>
-      </a:dk1>
-      <a:lt1>
-        <a:sysClr val="window" lastClr="FFFFFF"/>
-      </a:lt1>
-      <a:dk2>
-        <a:srgbClr val="7F7F7F"/>
-      </a:dk2>
-      <a:lt2>
-        <a:srgbClr val="E6E6E6"/>
-      </a:lt2>
-      <a:accent1>
-        <a:srgbClr val="89C01C"/>
-      </a:accent1>
-      <a:accent2>
-        <a:srgbClr val="FCB22C"/>
-      </a:accent2>
-      <a:accent3>
-        <a:srgbClr val="FE750E"/>
-      </a:accent3>
-      <a:accent4>
-        <a:srgbClr val="F23610"/>
-      </a:accent4>
-      <a:accent5>
-        <a:srgbClr val="7C283A"/>
-      </a:accent5>
-      <a:accent6>
-        <a:srgbClr val="3E7520"/>
-      </a:accent6>
-      <a:hlink>
-        <a:srgbClr val="89C01C"/>
-      </a:hlink>
-      <a:folHlink>
-        <a:srgbClr val="A6A6A6"/>
-      </a:folHlink>
-    </a:clrScheme>
-    <a:fontScheme name="Constantia">
-      <a:majorFont>
-        <a:latin typeface="Constantia"/>
-        <a:ea typeface=""/>
-        <a:cs typeface=""/>
-        <a:font script="Jpan" typeface="ＭＳ ゴシック"/>
-        <a:font script="Hang" typeface="HY중고딕"/>
-        <a:font script="Hans" typeface="幼圆"/>
-        <a:font script="Hant" typeface="微軟正黑體"/>
-        <a:font script="Arab" typeface="Tahoma"/>
-        <a:font script="Hebr" typeface="Gisha"/>
-        <a:font script="Thai" typeface="DilleniaUPC"/>
-        <a:font script="Ethi" typeface="Nyala"/>
-        <a:font script="Beng" typeface="Vrinda"/>
-        <a:font script="Gujr" typeface="Shruti"/>
-        <a:font script="Khmr" typeface="DaunPenh"/>
-        <a:font script="Knda" typeface="Tunga"/>
-        <a:font script="Guru" typeface="Raavi"/>
-        <a:font script="Cans" typeface="Euphemia"/>
-        <a:font script="Cher" typeface="Plantagenet Cherokee"/>
-        <a:font script="Yiii" typeface="Microsoft Yi Baiti"/>
-        <a:font script="Tibt" typeface="Microsoft Himalaya"/>
-        <a:font script="Thaa" typeface="MV Boli"/>
-        <a:font script="Deva" typeface="Mangal"/>
-        <a:font script="Telu" typeface="Gautami"/>
-        <a:font script="Taml" typeface="Latha"/>
-        <a:font script="Syrc" typeface="Estrangelo Edessa"/>
-        <a:font script="Orya" typeface="Kalinga"/>
-        <a:font script="Mlym" typeface="Kartika"/>
-        <a:font script="Laoo" typeface="DokChampa"/>
-        <a:font script="Sinh" typeface="Iskoola Pota"/>
-        <a:font script="Mong" typeface="Mongolian Baiti"/>
-        <a:font script="Viet" typeface="Tahoma"/>
-        <a:font script="Uigh" typeface="Microsoft Uighur"/>
-        <a:font script="Geor" typeface="Sylfaen"/>
-      </a:majorFont>
-      <a:minorFont>
-        <a:latin typeface="Constantia"/>
-        <a:ea typeface=""/>
-        <a:cs typeface=""/>
-        <a:font script="Jpan" typeface="ＭＳ ゴシック"/>
-        <a:font script="Hang" typeface="HY중고딕"/>
-        <a:font script="Hans" typeface="幼圆"/>
-        <a:font script="Hant" typeface="微軟正黑體"/>
-        <a:font script="Arab" typeface="Tahoma"/>
-        <a:font script="Hebr" typeface="Gisha"/>
-        <a:font script="Thai" typeface="DilleniaUPC"/>
-        <a:font script="Ethi" typeface="Nyala"/>
-        <a:font script="Beng" typeface="Vrinda"/>
-        <a:font script="Gujr" typeface="Shruti"/>
-        <a:font script="Khmr" typeface="DaunPenh"/>
-        <a:font script="Knda" typeface="Tunga"/>
-        <a:font script="Guru" typeface="Raavi"/>
-        <a:font script="Cans" typeface="Euphemia"/>
-        <a:font script="Cher" typeface="Plantagenet Cherokee"/>
-        <a:font script="Yiii" typeface="Microsoft Yi Baiti"/>
-        <a:font script="Tibt" typeface="Microsoft Himalaya"/>
-        <a:font script="Thaa" typeface="MV Boli"/>
-        <a:font script="Deva" typeface="Mangal"/>
-        <a:font script="Telu" typeface="Gautami"/>
-        <a:font script="Taml" typeface="Latha"/>
-        <a:font script="Syrc" typeface="Estrangelo Edessa"/>
-        <a:font script="Orya" typeface="Kalinga"/>
-        <a:font script="Mlym" typeface="Kartika"/>
-        <a:font script="Laoo" typeface="DokChampa"/>
-        <a:font script="Sinh" typeface="Iskoola Pota"/>
-        <a:font script="Mong" typeface="Mongolian Baiti"/>
-        <a:font script="Viet" typeface="Verdana"/>
-        <a:font script="Uigh" typeface="Microsoft Uighur"/>
-        <a:font script="Geor" typeface="Sylfaen"/>
-      </a:minorFont>
-    </a:fontScheme>
-    <a:fmtScheme name="1SubtleSolids">
-      <a:fillStyleLst>
-        <a:solidFill>
-          <a:schemeClr val="phClr"/>
-        </a:solidFill>
-        <a:solidFill>
-          <a:schemeClr val="phClr">
-            <a:tint val="65000"/>
-          </a:schemeClr>
-        </a:solidFill>
-        <a:solidFill>
-          <a:schemeClr val="phClr">
-            <a:shade val="80000"/>
-            <a:satMod val="150000"/>
-          </a:schemeClr>
-        </a:solidFill>
-      </a:fillStyleLst>
-      <a:lnStyleLst>
-        <a:ln w="9525" cap="flat" cmpd="sng" algn="ctr">
-          <a:solidFill>
-            <a:schemeClr val="phClr"/>
-          </a:solidFill>
-          <a:prstDash val="solid"/>
-        </a:ln>
-        <a:ln w="10795" cap="flat" cmpd="sng" algn="ctr">
-          <a:solidFill>
-            <a:schemeClr val="phClr"/>
-          </a:solidFill>
-          <a:prstDash val="solid"/>
-        </a:ln>
-        <a:ln w="17145" cap="flat" cmpd="sng" algn="ctr">
-          <a:solidFill>
-            <a:schemeClr val="phClr">
-              <a:shade val="95000"/>
-              <a:alpha val="50000"/>
-              <a:satMod val="150000"/>
-            </a:schemeClr>
-          </a:solidFill>
-          <a:prstDash val="solid"/>
-        </a:ln>
-      </a:lnStyleLst>
-      <a:effectStyleLst>
-        <a:effectStyle>
-          <a:effectLst/>
-        </a:effectStyle>
-        <a:effectStyle>
-          <a:effectLst/>
-        </a:effectStyle>
-        <a:effectStyle>
-          <a:effectLst>
-            <a:outerShdw blurRad="44450" dist="13970" dir="5400000" algn="ctr" rotWithShape="0">
-              <a:srgbClr val="000000">
-                <a:alpha val="45000"/>
-              </a:srgbClr>
-            </a:outerShdw>
-          </a:effectLst>
-          <a:scene3d>
-            <a:camera prst="orthographicFront">
-              <a:rot lat="0" lon="0" rev="0"/>
-            </a:camera>
-            <a:lightRig rig="twoPt" dir="tl"/>
-          </a:scene3d>
-          <a:sp3d prstMaterial="flat">
-            <a:bevelT w="12700" h="25400" prst="coolSlant"/>
-          </a:sp3d>
-        </a:effectStyle>
-      </a:effectStyleLst>
-      <a:bgFillStyleLst>
-        <a:solidFill>
-          <a:schemeClr val="phClr"/>
-        </a:solidFill>
-        <a:gradFill rotWithShape="1">
-          <a:gsLst>
-            <a:gs pos="0">
-              <a:schemeClr val="phClr">
-                <a:tint val="50000"/>
-                <a:satMod val="180000"/>
-              </a:schemeClr>
-            </a:gs>
-            <a:gs pos="100000">
-              <a:schemeClr val="phClr">
-                <a:shade val="45000"/>
-                <a:satMod val="120000"/>
-              </a:schemeClr>
-            </a:gs>
-          </a:gsLst>
-          <a:path path="circle">
-            <a:fillToRect r="100000" b="100000"/>
-          </a:path>
-        </a:gradFill>
-        <a:gradFill rotWithShape="1">
-          <a:gsLst>
-            <a:gs pos="0">
-              <a:schemeClr val="phClr">
-                <a:tint val="50000"/>
-                <a:satMod val="180000"/>
-              </a:schemeClr>
-            </a:gs>
-            <a:gs pos="100000">
-              <a:schemeClr val="phClr">
-                <a:shade val="45000"/>
-                <a:satMod val="120000"/>
-              </a:schemeClr>
-            </a:gs>
-          </a:gsLst>
-          <a:path path="circle">
-            <a:fillToRect l="180000" t="50000" b="50000"/>
-          </a:path>
-        </a:gradFill>
-      </a:bgFillStyleLst>
-    </a:fmtScheme>
-  </a:themeElements>
-  <a:objectDefaults/>
-  <a:extraClrSchemeLst/>
-</a:theme>
-</file>
-
-<file path=ppt/theme/theme3.xml><?xml version="1.0" encoding="utf-8"?>
-<a:theme xmlns:a="http://schemas.openxmlformats.org/drawingml/2006/main" name="Office Theme">
-  <a:themeElements>
-    <a:clrScheme name="Cooking_16x9">
-      <a:dk1>
-        <a:srgbClr val="000000"/>
-      </a:dk1>
-      <a:lt1>
-        <a:sysClr val="window" lastClr="FFFFFF"/>
-      </a:lt1>
-      <a:dk2>
-        <a:srgbClr val="7F7F7F"/>
-      </a:dk2>
-      <a:lt2>
-        <a:srgbClr val="E6E6E6"/>
-      </a:lt2>
-      <a:accent1>
-        <a:srgbClr val="89C01C"/>
-      </a:accent1>
-      <a:accent2>
-        <a:srgbClr val="FCB22C"/>
-      </a:accent2>
-      <a:accent3>
-        <a:srgbClr val="FE750E"/>
-      </a:accent3>
-      <a:accent4>
-        <a:srgbClr val="F23610"/>
-      </a:accent4>
-      <a:accent5>
-        <a:srgbClr val="7C283A"/>
-      </a:accent5>
-      <a:accent6>
-        <a:srgbClr val="3E7520"/>
-      </a:accent6>
-      <a:hlink>
-        <a:srgbClr val="89C01C"/>
-      </a:hlink>
-      <a:folHlink>
-        <a:srgbClr val="A6A6A6"/>
-      </a:folHlink>
-    </a:clrScheme>
-    <a:fontScheme name="Constantia">
-      <a:majorFont>
-        <a:latin typeface="Constantia"/>
-        <a:ea typeface=""/>
-        <a:cs typeface=""/>
-        <a:font script="Jpan" typeface="ＭＳ ゴシック"/>
-        <a:font script="Hang" typeface="HY중고딕"/>
-        <a:font script="Hans" typeface="幼圆"/>
-        <a:font script="Hant" typeface="微軟正黑體"/>
-        <a:font script="Arab" typeface="Tahoma"/>
-        <a:font script="Hebr" typeface="Gisha"/>
-        <a:font script="Thai" typeface="DilleniaUPC"/>
-        <a:font script="Ethi" typeface="Nyala"/>
-        <a:font script="Beng" typeface="Vrinda"/>
-        <a:font script="Gujr" typeface="Shruti"/>
-        <a:font script="Khmr" typeface="DaunPenh"/>
-        <a:font script="Knda" typeface="Tunga"/>
-        <a:font script="Guru" typeface="Raavi"/>
-        <a:font script="Cans" typeface="Euphemia"/>
-        <a:font script="Cher" typeface="Plantagenet Cherokee"/>
-        <a:font script="Yiii" typeface="Microsoft Yi Baiti"/>
-        <a:font script="Tibt" typeface="Microsoft Himalaya"/>
-        <a:font script="Thaa" typeface="MV Boli"/>
-        <a:font script="Deva" typeface="Mangal"/>
-        <a:font script="Telu" typeface="Gautami"/>
-        <a:font script="Taml" typeface="Latha"/>
-        <a:font script="Syrc" typeface="Estrangelo Edessa"/>
-        <a:font script="Orya" typeface="Kalinga"/>
-        <a:font script="Mlym" typeface="Kartika"/>
-        <a:font script="Laoo" typeface="DokChampa"/>
-        <a:font script="Sinh" typeface="Iskoola Pota"/>
-        <a:font script="Mong" typeface="Mongolian Baiti"/>
-        <a:font script="Viet" typeface="Tahoma"/>
-        <a:font script="Uigh" typeface="Microsoft Uighur"/>
-        <a:font script="Geor" typeface="Sylfaen"/>
-      </a:majorFont>
-      <a:minorFont>
-        <a:latin typeface="Constantia"/>
-        <a:ea typeface=""/>
-        <a:cs typeface=""/>
-        <a:font script="Jpan" typeface="ＭＳ ゴシック"/>
-        <a:font script="Hang" typeface="HY중고딕"/>
-        <a:font script="Hans" typeface="幼圆"/>
-        <a:font script="Hant" typeface="微軟正黑體"/>
-        <a:font script="Arab" typeface="Tahoma"/>
-        <a:font script="Hebr" typeface="Gisha"/>
-        <a:font script="Thai" typeface="DilleniaUPC"/>
-        <a:font script="Ethi" typeface="Nyala"/>
-        <a:font script="Beng" typeface="Vrinda"/>
-        <a:font script="Gujr" typeface="Shruti"/>
-        <a:font script="Khmr" typeface="DaunPenh"/>
-        <a:font script="Knda" typeface="Tunga"/>
-        <a:font script="Guru" typeface="Raavi"/>
-        <a:font script="Cans" typeface="Euphemia"/>
-        <a:font script="Cher" typeface="Plantagenet Cherokee"/>
-        <a:font script="Yiii" typeface="Microsoft Yi Baiti"/>
-        <a:font script="Tibt" typeface="Microsoft Himalaya"/>
-        <a:font script="Thaa" typeface="MV Boli"/>
-        <a:font script="Deva" typeface="Mangal"/>
-        <a:font script="Telu" typeface="Gautami"/>
-        <a:font script="Taml" typeface="Latha"/>
-        <a:font script="Syrc" typeface="Estrangelo Edessa"/>
-        <a:font script="Orya" typeface="Kalinga"/>
-        <a:font script="Mlym" typeface="Kartika"/>
-        <a:font script="Laoo" typeface="DokChampa"/>
-        <a:font script="Sinh" typeface="Iskoola Pota"/>
-        <a:font script="Mong" typeface="Mongolian Baiti"/>
-        <a:font script="Viet" typeface="Verdana"/>
-        <a:font script="Uigh" typeface="Microsoft Uighur"/>
-        <a:font script="Geor" typeface="Sylfaen"/>
-      </a:minorFont>
-    </a:fontScheme>
-    <a:fmtScheme name="1SubtleSolids">
-      <a:fillStyleLst>
-        <a:solidFill>
-          <a:schemeClr val="phClr"/>
-        </a:solidFill>
-        <a:solidFill>
-          <a:schemeClr val="phClr">
-            <a:tint val="65000"/>
-          </a:schemeClr>
-        </a:solidFill>
-        <a:solidFill>
-          <a:schemeClr val="phClr">
-            <a:shade val="80000"/>
-            <a:satMod val="150000"/>
-          </a:schemeClr>
-        </a:solidFill>
-      </a:fillStyleLst>
-      <a:lnStyleLst>
-        <a:ln w="9525" cap="flat" cmpd="sng" algn="ctr">
-          <a:solidFill>
-            <a:schemeClr val="phClr"/>
-          </a:solidFill>
-          <a:prstDash val="solid"/>
-        </a:ln>
-        <a:ln w="10795" cap="flat" cmpd="sng" algn="ctr">
-          <a:solidFill>
-            <a:schemeClr val="phClr"/>
-          </a:solidFill>
-          <a:prstDash val="solid"/>
-        </a:ln>
-        <a:ln w="17145" cap="flat" cmpd="sng" algn="ctr">
-          <a:solidFill>
-            <a:schemeClr val="phClr">
-              <a:shade val="95000"/>
-              <a:alpha val="50000"/>
-              <a:satMod val="150000"/>
-            </a:schemeClr>
-          </a:solidFill>
-          <a:prstDash val="solid"/>
-        </a:ln>
-      </a:lnStyleLst>
-      <a:effectStyleLst>
-        <a:effectStyle>
-          <a:effectLst/>
-        </a:effectStyle>
-        <a:effectStyle>
-          <a:effectLst/>
-        </a:effectStyle>
-        <a:effectStyle>
-          <a:effectLst>
-            <a:outerShdw blurRad="44450" dist="13970" dir="5400000" algn="ctr" rotWithShape="0">
-              <a:srgbClr val="000000">
-                <a:alpha val="45000"/>
-              </a:srgbClr>
-            </a:outerShdw>
-          </a:effectLst>
-          <a:scene3d>
-            <a:camera prst="orthographicFront">
-              <a:rot lat="0" lon="0" rev="0"/>
-            </a:camera>
-            <a:lightRig rig="twoPt" dir="tl"/>
-          </a:scene3d>
-          <a:sp3d prstMaterial="flat">
-            <a:bevelT w="12700" h="25400" prst="coolSlant"/>
-          </a:sp3d>
-        </a:effectStyle>
-      </a:effectStyleLst>
-      <a:bgFillStyleLst>
-        <a:solidFill>
-          <a:schemeClr val="phClr"/>
-        </a:solidFill>
-        <a:gradFill rotWithShape="1">
-          <a:gsLst>
-            <a:gs pos="0">
-              <a:schemeClr val="phClr">
-                <a:tint val="50000"/>
-                <a:satMod val="180000"/>
-              </a:schemeClr>
-            </a:gs>
-            <a:gs pos="100000">
-              <a:schemeClr val="phClr">
-                <a:shade val="45000"/>
-                <a:satMod val="120000"/>
-              </a:schemeClr>
-            </a:gs>
-          </a:gsLst>
-          <a:path path="circle">
-            <a:fillToRect r="100000" b="100000"/>
-          </a:path>
-        </a:gradFill>
-        <a:gradFill rotWithShape="1">
-          <a:gsLst>
-            <a:gs pos="0">
-              <a:schemeClr val="phClr">
-                <a:tint val="50000"/>
-                <a:satMod val="180000"/>
-              </a:schemeClr>
-            </a:gs>
-            <a:gs pos="100000">
-              <a:schemeClr val="phClr">
-                <a:shade val="45000"/>
-                <a:satMod val="120000"/>
-              </a:schemeClr>
-            </a:gs>
-          </a:gsLst>
-          <a:path path="circle">
-            <a:fillToRect l="180000" t="50000" b="50000"/>
-          </a:path>
-        </a:gradFill>
-      </a:bgFillStyleLst>
-    </a:fmtScheme>
-  </a:themeElements>
-  <a:objectDefaults/>
-  <a:extraClrSchemeLst/>
 </a:theme>
 </file>
 
 <file path=customXml/item1.xml><?xml version="1.0" encoding="utf-8"?>
-<p:properties xmlns:p="http://schemas.microsoft.com/office/2006/metadata/properties" xmlns:xsi="http://www.w3.org/2001/XMLSchema-instance" xmlns:pc="http://schemas.microsoft.com/office/infopath/2007/PartnerControls">
-  <documentManagement>
-    <VSO_x0020_item_x0020_id xmlns="40262f94-9f35-4ac3-9a90-690165a166b7" xsi:nil="true"/>
-    <Assetid_x0020_ xmlns="40262f94-9f35-4ac3-9a90-690165a166b7" xsi:nil="true"/>
-    <Item_x0020_Details xmlns="40262f94-9f35-4ac3-9a90-690165a166b7" xsi:nil="true"/>
-    <Template_x0020_details xmlns="40262f94-9f35-4ac3-9a90-690165a166b7" xsi:nil="true"/>
-  </documentManagement>
-</p:properties>
+<?mso-contentType ?>
+<FormTemplates xmlns="http://schemas.microsoft.com/sharepoint/v3/contenttype/forms">
+  <Display>DocumentLibraryForm</Display>
+  <Edit>DocumentLibraryForm</Edit>
+  <New>DocumentLibraryForm</New>
+</FormTemplates>
 </file>
 
 <file path=customXml/item2.xml><?xml version="1.0" encoding="utf-8"?>
@@ -8170,27 +7157,20 @@
 </file>
 
 <file path=customXml/item3.xml><?xml version="1.0" encoding="utf-8"?>
-<?mso-contentType ?>
-<FormTemplates xmlns="http://schemas.microsoft.com/sharepoint/v3/contenttype/forms">
-  <Display>DocumentLibraryForm</Display>
-  <Edit>DocumentLibraryForm</Edit>
-  <New>DocumentLibraryForm</New>
-</FormTemplates>
+<p:properties xmlns:p="http://schemas.microsoft.com/office/2006/metadata/properties" xmlns:xsi="http://www.w3.org/2001/XMLSchema-instance" xmlns:pc="http://schemas.microsoft.com/office/infopath/2007/PartnerControls">
+  <documentManagement>
+    <VSO_x0020_item_x0020_id xmlns="40262f94-9f35-4ac3-9a90-690165a166b7" xsi:nil="true"/>
+    <Assetid_x0020_ xmlns="40262f94-9f35-4ac3-9a90-690165a166b7" xsi:nil="true"/>
+    <Item_x0020_Details xmlns="40262f94-9f35-4ac3-9a90-690165a166b7" xsi:nil="true"/>
+    <Template_x0020_details xmlns="40262f94-9f35-4ac3-9a90-690165a166b7" xsi:nil="true"/>
+  </documentManagement>
+</p:properties>
 </file>
 
 <file path=customXml/itemProps1.xml><?xml version="1.0" encoding="utf-8"?>
-<ds:datastoreItem xmlns:ds="http://schemas.openxmlformats.org/officeDocument/2006/customXml" ds:itemID="{5E700CCB-20BA-4760-AB9F-AC3B63ED32E0}">
+<ds:datastoreItem xmlns:ds="http://schemas.openxmlformats.org/officeDocument/2006/customXml" ds:itemID="{308942AA-0721-4324-BC2C-A3CB43F24E71}">
   <ds:schemaRefs>
-    <ds:schemaRef ds:uri="http://schemas.microsoft.com/office/infopath/2007/PartnerControls"/>
-    <ds:schemaRef ds:uri="http://purl.org/dc/terms/"/>
-    <ds:schemaRef ds:uri="http://www.w3.org/XML/1998/namespace"/>
-    <ds:schemaRef ds:uri="a4f35948-e619-41b3-aa29-22878b09cfd2"/>
-    <ds:schemaRef ds:uri="40262f94-9f35-4ac3-9a90-690165a166b7"/>
-    <ds:schemaRef ds:uri="http://purl.org/dc/dcmitype/"/>
-    <ds:schemaRef ds:uri="http://schemas.microsoft.com/office/2006/documentManagement/types"/>
-    <ds:schemaRef ds:uri="http://purl.org/dc/elements/1.1/"/>
-    <ds:schemaRef ds:uri="http://schemas.openxmlformats.org/package/2006/metadata/core-properties"/>
-    <ds:schemaRef ds:uri="http://schemas.microsoft.com/office/2006/metadata/properties"/>
+    <ds:schemaRef ds:uri="http://schemas.microsoft.com/sharepoint/v3/contenttype/forms"/>
   </ds:schemaRefs>
 </ds:datastoreItem>
 </file>
@@ -8215,9 +7195,18 @@
 </file>
 
 <file path=customXml/itemProps3.xml><?xml version="1.0" encoding="utf-8"?>
-<ds:datastoreItem xmlns:ds="http://schemas.openxmlformats.org/officeDocument/2006/customXml" ds:itemID="{308942AA-0721-4324-BC2C-A3CB43F24E71}">
+<ds:datastoreItem xmlns:ds="http://schemas.openxmlformats.org/officeDocument/2006/customXml" ds:itemID="{5E700CCB-20BA-4760-AB9F-AC3B63ED32E0}">
   <ds:schemaRefs>
-    <ds:schemaRef ds:uri="http://schemas.microsoft.com/sharepoint/v3/contenttype/forms"/>
+    <ds:schemaRef ds:uri="http://schemas.microsoft.com/office/infopath/2007/PartnerControls"/>
+    <ds:schemaRef ds:uri="http://purl.org/dc/terms/"/>
+    <ds:schemaRef ds:uri="http://www.w3.org/XML/1998/namespace"/>
+    <ds:schemaRef ds:uri="a4f35948-e619-41b3-aa29-22878b09cfd2"/>
+    <ds:schemaRef ds:uri="40262f94-9f35-4ac3-9a90-690165a166b7"/>
+    <ds:schemaRef ds:uri="http://purl.org/dc/dcmitype/"/>
+    <ds:schemaRef ds:uri="http://schemas.microsoft.com/office/2006/documentManagement/types"/>
+    <ds:schemaRef ds:uri="http://purl.org/dc/elements/1.1/"/>
+    <ds:schemaRef ds:uri="http://schemas.openxmlformats.org/package/2006/metadata/core-properties"/>
+    <ds:schemaRef ds:uri="http://schemas.microsoft.com/office/2006/metadata/properties"/>
   </ds:schemaRefs>
 </ds:datastoreItem>
 </file>